--- a/slide-decks/Asynchronous-programming-Part-2.pptx
+++ b/slide-decks/Asynchronous-programming-Part-2.pptx
@@ -5,7 +5,7 @@
     <p:sldMasterId id="2147483648" r:id="rId1"/>
   </p:sldMasterIdLst>
   <p:notesMasterIdLst>
-    <p:notesMasterId r:id="rId26"/>
+    <p:notesMasterId r:id="rId32"/>
   </p:notesMasterIdLst>
   <p:sldIdLst>
     <p:sldId id="256" r:id="rId2"/>
@@ -21,17 +21,23 @@
     <p:sldId id="309" r:id="rId12"/>
     <p:sldId id="310" r:id="rId13"/>
     <p:sldId id="301" r:id="rId14"/>
-    <p:sldId id="312" r:id="rId15"/>
-    <p:sldId id="313" r:id="rId16"/>
-    <p:sldId id="315" r:id="rId17"/>
-    <p:sldId id="316" r:id="rId18"/>
-    <p:sldId id="317" r:id="rId19"/>
-    <p:sldId id="318" r:id="rId20"/>
-    <p:sldId id="319" r:id="rId21"/>
-    <p:sldId id="320" r:id="rId22"/>
-    <p:sldId id="321" r:id="rId23"/>
-    <p:sldId id="314" r:id="rId24"/>
-    <p:sldId id="311" r:id="rId25"/>
+    <p:sldId id="322" r:id="rId15"/>
+    <p:sldId id="323" r:id="rId16"/>
+    <p:sldId id="324" r:id="rId17"/>
+    <p:sldId id="325" r:id="rId18"/>
+    <p:sldId id="327" r:id="rId19"/>
+    <p:sldId id="312" r:id="rId20"/>
+    <p:sldId id="313" r:id="rId21"/>
+    <p:sldId id="315" r:id="rId22"/>
+    <p:sldId id="316" r:id="rId23"/>
+    <p:sldId id="317" r:id="rId24"/>
+    <p:sldId id="318" r:id="rId25"/>
+    <p:sldId id="319" r:id="rId26"/>
+    <p:sldId id="320" r:id="rId27"/>
+    <p:sldId id="321" r:id="rId28"/>
+    <p:sldId id="326" r:id="rId29"/>
+    <p:sldId id="314" r:id="rId30"/>
+    <p:sldId id="311" r:id="rId31"/>
   </p:sldIdLst>
   <p:sldSz cx="12192000" cy="6858000"/>
   <p:notesSz cx="6858000" cy="9144000"/>
@@ -966,7 +972,7 @@
           <a:p>
             <a:fld id="{CE67F012-38C7-4A51-8407-4E1626DDB7EA}" type="datetimeFigureOut">
               <a:rPr lang="en-US" smtClean="0"/>
-              <a:t>1/20/2020</a:t>
+              <a:t>1/27/2020</a:t>
             </a:fld>
             <a:endParaRPr lang="en-US"/>
           </a:p>
@@ -1655,7 +1661,7 @@
           <a:p>
             <a:fld id="{4D3D7829-6833-49EA-A182-69C45F439246}" type="slidenum">
               <a:rPr lang="en-US" smtClean="0"/>
-              <a:t>23</a:t>
+              <a:t>18</a:t>
             </a:fld>
             <a:endParaRPr lang="en-US"/>
           </a:p>
@@ -1664,7 +1670,7 @@
     </p:spTree>
     <p:extLst>
       <p:ext uri="{BB962C8B-B14F-4D97-AF65-F5344CB8AC3E}">
-        <p14:creationId xmlns:p14="http://schemas.microsoft.com/office/powerpoint/2010/main" val="3846524364"/>
+        <p14:creationId xmlns:p14="http://schemas.microsoft.com/office/powerpoint/2010/main" val="1887922236"/>
       </p:ext>
     </p:extLst>
   </p:cSld>
@@ -1739,7 +1745,91 @@
           <a:p>
             <a:fld id="{4D3D7829-6833-49EA-A182-69C45F439246}" type="slidenum">
               <a:rPr lang="en-US" smtClean="0"/>
-              <a:t>24</a:t>
+              <a:t>29</a:t>
+            </a:fld>
+            <a:endParaRPr lang="en-US"/>
+          </a:p>
+        </p:txBody>
+      </p:sp>
+    </p:spTree>
+    <p:extLst>
+      <p:ext uri="{BB962C8B-B14F-4D97-AF65-F5344CB8AC3E}">
+        <p14:creationId xmlns:p14="http://schemas.microsoft.com/office/powerpoint/2010/main" val="3846524364"/>
+      </p:ext>
+    </p:extLst>
+  </p:cSld>
+  <p:clrMapOvr>
+    <a:masterClrMapping/>
+  </p:clrMapOvr>
+</p:notes>
+</file>
+
+<file path=ppt/notesSlides/notesSlide7.xml><?xml version="1.0" encoding="utf-8"?>
+<p:notes xmlns:a="http://schemas.openxmlformats.org/drawingml/2006/main" xmlns:r="http://schemas.openxmlformats.org/officeDocument/2006/relationships" xmlns:p="http://schemas.openxmlformats.org/presentationml/2006/main">
+  <p:cSld>
+    <p:spTree>
+      <p:nvGrpSpPr>
+        <p:cNvPr id="1" name=""/>
+        <p:cNvGrpSpPr/>
+        <p:nvPr/>
+      </p:nvGrpSpPr>
+      <p:grpSpPr>
+        <a:xfrm>
+          <a:off x="0" y="0"/>
+          <a:ext cx="0" cy="0"/>
+          <a:chOff x="0" y="0"/>
+          <a:chExt cx="0" cy="0"/>
+        </a:xfrm>
+      </p:grpSpPr>
+      <p:sp>
+        <p:nvSpPr>
+          <p:cNvPr id="2" name="Slide Image Placeholder 1"/>
+          <p:cNvSpPr>
+            <a:spLocks noGrp="1" noRot="1" noChangeAspect="1"/>
+          </p:cNvSpPr>
+          <p:nvPr>
+            <p:ph type="sldImg"/>
+          </p:nvPr>
+        </p:nvSpPr>
+        <p:spPr/>
+      </p:sp>
+      <p:sp>
+        <p:nvSpPr>
+          <p:cNvPr id="3" name="Notes Placeholder 2"/>
+          <p:cNvSpPr>
+            <a:spLocks noGrp="1"/>
+          </p:cNvSpPr>
+          <p:nvPr>
+            <p:ph type="body" idx="1"/>
+          </p:nvPr>
+        </p:nvSpPr>
+        <p:spPr/>
+        <p:txBody>
+          <a:bodyPr/>
+          <a:lstStyle/>
+          <a:p>
+            <a:endParaRPr lang="en-US"/>
+          </a:p>
+        </p:txBody>
+      </p:sp>
+      <p:sp>
+        <p:nvSpPr>
+          <p:cNvPr id="4" name="Slide Number Placeholder 3"/>
+          <p:cNvSpPr>
+            <a:spLocks noGrp="1"/>
+          </p:cNvSpPr>
+          <p:nvPr>
+            <p:ph type="sldNum" sz="quarter" idx="5"/>
+          </p:nvPr>
+        </p:nvSpPr>
+        <p:spPr/>
+        <p:txBody>
+          <a:bodyPr/>
+          <a:lstStyle/>
+          <a:p>
+            <a:fld id="{4D3D7829-6833-49EA-A182-69C45F439246}" type="slidenum">
+              <a:rPr lang="en-US" smtClean="0"/>
+              <a:t>30</a:t>
             </a:fld>
             <a:endParaRPr lang="en-US"/>
           </a:p>
@@ -1905,7 +1995,7 @@
           <a:p>
             <a:fld id="{D0AC16CF-CEFA-4AB8-B917-2106573FF13A}" type="datetime1">
               <a:rPr lang="en-US" smtClean="0"/>
-              <a:t>1/20/2020</a:t>
+              <a:t>1/27/2020</a:t>
             </a:fld>
             <a:endParaRPr lang="en-US"/>
           </a:p>
@@ -2103,7 +2193,7 @@
           <a:p>
             <a:fld id="{C2B18207-E477-469D-BFB8-90CBD52BA3C4}" type="datetime1">
               <a:rPr lang="en-US" smtClean="0"/>
-              <a:t>1/20/2020</a:t>
+              <a:t>1/27/2020</a:t>
             </a:fld>
             <a:endParaRPr lang="en-US"/>
           </a:p>
@@ -2311,7 +2401,7 @@
           <a:p>
             <a:fld id="{E0E24376-2093-4F31-8B9D-1582C009C93F}" type="datetime1">
               <a:rPr lang="en-US" smtClean="0"/>
-              <a:t>1/20/2020</a:t>
+              <a:t>1/27/2020</a:t>
             </a:fld>
             <a:endParaRPr lang="en-US"/>
           </a:p>
@@ -2509,7 +2599,7 @@
           <a:p>
             <a:fld id="{B7F005A9-C173-430D-BE88-F1EA59487921}" type="datetime1">
               <a:rPr lang="en-US" smtClean="0"/>
-              <a:t>1/20/2020</a:t>
+              <a:t>1/27/2020</a:t>
             </a:fld>
             <a:endParaRPr lang="en-US"/>
           </a:p>
@@ -2784,7 +2874,7 @@
           <a:p>
             <a:fld id="{F1AFB85F-333D-4E2E-9950-8ADFCBD745FB}" type="datetime1">
               <a:rPr lang="en-US" smtClean="0"/>
-              <a:t>1/20/2020</a:t>
+              <a:t>1/27/2020</a:t>
             </a:fld>
             <a:endParaRPr lang="en-US"/>
           </a:p>
@@ -3049,7 +3139,7 @@
           <a:p>
             <a:fld id="{FFB0B5E1-7714-4267-84B3-DF99D24D419E}" type="datetime1">
               <a:rPr lang="en-US" smtClean="0"/>
-              <a:t>1/20/2020</a:t>
+              <a:t>1/27/2020</a:t>
             </a:fld>
             <a:endParaRPr lang="en-US"/>
           </a:p>
@@ -3461,7 +3551,7 @@
           <a:p>
             <a:fld id="{5553DBB5-4FC9-41FE-A5DD-41D80D8FA4D8}" type="datetime1">
               <a:rPr lang="en-US" smtClean="0"/>
-              <a:t>1/20/2020</a:t>
+              <a:t>1/27/2020</a:t>
             </a:fld>
             <a:endParaRPr lang="en-US"/>
           </a:p>
@@ -3602,7 +3692,7 @@
           <a:p>
             <a:fld id="{2C89F4E2-84E7-40DF-8A94-C3E00C3E6C6A}" type="datetime1">
               <a:rPr lang="en-US" smtClean="0"/>
-              <a:t>1/20/2020</a:t>
+              <a:t>1/27/2020</a:t>
             </a:fld>
             <a:endParaRPr lang="en-US"/>
           </a:p>
@@ -3715,7 +3805,7 @@
           <a:p>
             <a:fld id="{8181C7FC-66C1-4D04-B8E7-A02AA122A2B6}" type="datetime1">
               <a:rPr lang="en-US" smtClean="0"/>
-              <a:t>1/20/2020</a:t>
+              <a:t>1/27/2020</a:t>
             </a:fld>
             <a:endParaRPr lang="en-US"/>
           </a:p>
@@ -4026,7 +4116,7 @@
           <a:p>
             <a:fld id="{C8597F24-A0DB-405C-973C-1C5C5E3A9D86}" type="datetime1">
               <a:rPr lang="en-US" smtClean="0"/>
-              <a:t>1/20/2020</a:t>
+              <a:t>1/27/2020</a:t>
             </a:fld>
             <a:endParaRPr lang="en-US"/>
           </a:p>
@@ -4317,7 +4407,7 @@
           <a:p>
             <a:fld id="{E9BE91BF-F4A8-4BDE-805F-8BFCB650F984}" type="datetime1">
               <a:rPr lang="en-US" smtClean="0"/>
-              <a:t>1/20/2020</a:t>
+              <a:t>1/27/2020</a:t>
             </a:fld>
             <a:endParaRPr lang="en-US"/>
           </a:p>
@@ -4558,7 +4648,7 @@
           <a:p>
             <a:fld id="{A6A0D2C6-4BB7-4743-B712-B5CAF0676045}" type="datetime1">
               <a:rPr lang="en-US" smtClean="0"/>
-              <a:t>1/20/2020</a:t>
+              <a:t>1/27/2020</a:t>
             </a:fld>
             <a:endParaRPr lang="en-US"/>
           </a:p>
@@ -6849,10 +6939,10 @@
       </p:grpSpPr>
       <p:sp>
         <p:nvSpPr>
-          <p:cNvPr id="5" name="Title 4">
-            <a:extLst>
-              <a:ext uri="{FF2B5EF4-FFF2-40B4-BE49-F238E27FC236}">
-                <a16:creationId xmlns:a16="http://schemas.microsoft.com/office/drawing/2014/main" id="{6067A831-CE5C-4FB9-9202-1D0AF3039898}"/>
+          <p:cNvPr id="2" name="Title 1">
+            <a:extLst>
+              <a:ext uri="{FF2B5EF4-FFF2-40B4-BE49-F238E27FC236}">
+                <a16:creationId xmlns:a16="http://schemas.microsoft.com/office/drawing/2014/main" id="{3F3A755A-63E9-461C-A54B-F96661259C61}"/>
               </a:ext>
             </a:extLst>
           </p:cNvPr>
@@ -6870,17 +6960,17 @@
           <a:p>
             <a:r>
               <a:rPr lang="en-US" dirty="0"/>
-              <a:t>Observables</a:t>
-            </a:r>
-          </a:p>
-        </p:txBody>
-      </p:sp>
-      <p:sp>
-        <p:nvSpPr>
-          <p:cNvPr id="7" name="Text Placeholder 6">
-            <a:extLst>
-              <a:ext uri="{FF2B5EF4-FFF2-40B4-BE49-F238E27FC236}">
-                <a16:creationId xmlns:a16="http://schemas.microsoft.com/office/drawing/2014/main" id="{D222B0B5-7223-4EC7-B2BC-492302CDC412}"/>
+              <a:t>Streams</a:t>
+            </a:r>
+          </a:p>
+        </p:txBody>
+      </p:sp>
+      <p:sp>
+        <p:nvSpPr>
+          <p:cNvPr id="3" name="Text Placeholder 2">
+            <a:extLst>
+              <a:ext uri="{FF2B5EF4-FFF2-40B4-BE49-F238E27FC236}">
+                <a16:creationId xmlns:a16="http://schemas.microsoft.com/office/drawing/2014/main" id="{364FE63C-D158-424B-A11D-4D1CC42B9961}"/>
               </a:ext>
             </a:extLst>
           </p:cNvPr>
@@ -6905,7 +6995,7 @@
           <p:cNvPr id="4" name="Slide Number Placeholder 3">
             <a:extLst>
               <a:ext uri="{FF2B5EF4-FFF2-40B4-BE49-F238E27FC236}">
-                <a16:creationId xmlns:a16="http://schemas.microsoft.com/office/drawing/2014/main" id="{F11632F6-D403-4F4D-8F7C-32CD42E792A4}"/>
+                <a16:creationId xmlns:a16="http://schemas.microsoft.com/office/drawing/2014/main" id="{9F31DA32-083A-4A76-A0F4-F8800BF0DB17}"/>
               </a:ext>
             </a:extLst>
           </p:cNvPr>
@@ -6932,7 +7022,7 @@
     </p:spTree>
     <p:extLst>
       <p:ext uri="{BB962C8B-B14F-4D97-AF65-F5344CB8AC3E}">
-        <p14:creationId xmlns:p14="http://schemas.microsoft.com/office/powerpoint/2010/main" val="3274359751"/>
+        <p14:creationId xmlns:p14="http://schemas.microsoft.com/office/powerpoint/2010/main" val="170561556"/>
       </p:ext>
     </p:extLst>
   </p:cSld>
@@ -6964,7 +7054,7 @@
           <p:cNvPr id="5" name="Title 4">
             <a:extLst>
               <a:ext uri="{FF2B5EF4-FFF2-40B4-BE49-F238E27FC236}">
-                <a16:creationId xmlns:a16="http://schemas.microsoft.com/office/drawing/2014/main" id="{F2B7EE04-3F1C-4CBE-BBFD-363CA72C1155}"/>
+                <a16:creationId xmlns:a16="http://schemas.microsoft.com/office/drawing/2014/main" id="{F9D6E749-ADD1-438D-8B33-67E0064E3290}"/>
               </a:ext>
             </a:extLst>
           </p:cNvPr>
@@ -6982,7 +7072,7 @@
           <a:p>
             <a:r>
               <a:rPr lang="en-US" dirty="0"/>
-              <a:t>Observer Pattern</a:t>
+              <a:t>Streams</a:t>
             </a:r>
           </a:p>
         </p:txBody>
@@ -6992,7 +7082,7 @@
           <p:cNvPr id="6" name="Content Placeholder 5">
             <a:extLst>
               <a:ext uri="{FF2B5EF4-FFF2-40B4-BE49-F238E27FC236}">
-                <a16:creationId xmlns:a16="http://schemas.microsoft.com/office/drawing/2014/main" id="{9BF63F7C-CD45-446E-8F6D-638A195A402F}"/>
+                <a16:creationId xmlns:a16="http://schemas.microsoft.com/office/drawing/2014/main" id="{AE495D7C-CBDE-4D6D-AE5D-D9C574A1D2F7}"/>
               </a:ext>
             </a:extLst>
           </p:cNvPr>
@@ -7012,58 +7102,38 @@
           <a:p>
             <a:r>
               <a:rPr lang="en-US" dirty="0"/>
-              <a:t>A software design pattern in which an object, called the </a:t>
-            </a:r>
-            <a:r>
-              <a:rPr lang="en-US" b="1" i="1" dirty="0"/>
-              <a:t>subject</a:t>
-            </a:r>
+              <a:t>Streams are wrappers around a data source</a:t>
+            </a:r>
+          </a:p>
+          <a:p>
             <a:r>
               <a:rPr lang="en-US" dirty="0"/>
-              <a:t>, maintains a list of its dependents, called </a:t>
-            </a:r>
-            <a:r>
-              <a:rPr lang="en-US" b="1" i="1" dirty="0"/>
-              <a:t>observer</a:t>
-            </a:r>
-            <a:r>
-              <a:rPr lang="en-US" i="1" dirty="0"/>
-              <a:t>s</a:t>
-            </a:r>
+              <a:t>Allow us to operate with that data source and making bulk processing convenient and fast.</a:t>
+            </a:r>
+          </a:p>
+          <a:p>
             <a:r>
               <a:rPr lang="en-US" dirty="0"/>
-              <a:t>, and notifies them automatically of any state changes.</a:t>
+              <a:t>A stream does not store data and is not a data structure. </a:t>
             </a:r>
           </a:p>
           <a:p>
             <a:r>
               <a:rPr lang="en-US" dirty="0"/>
-              <a:t>The Observer pattern addresses the following problems:</a:t>
-            </a:r>
-          </a:p>
-          <a:p>
-            <a:pPr lvl="1"/>
+              <a:t>A stream never modifies the underlying data source.</a:t>
+            </a:r>
+          </a:p>
+          <a:p>
             <a:r>
               <a:rPr lang="en-US" dirty="0"/>
-              <a:t>A one-to-many dependency between objects should be defined without making the objects tightly coupled.</a:t>
-            </a:r>
-          </a:p>
-          <a:p>
-            <a:pPr lvl="1"/>
+              <a:t>Supports functional-style operations on streams of elements.</a:t>
+            </a:r>
+          </a:p>
+          <a:p>
             <a:r>
               <a:rPr lang="en-US" dirty="0"/>
-              <a:t>It should be ensured that when one object changes state an open-ended number of dependent objects are updated automatically.</a:t>
-            </a:r>
-          </a:p>
-          <a:p>
-            <a:pPr lvl="1"/>
-            <a:r>
-              <a:rPr lang="en-US" dirty="0"/>
-              <a:t>It should be possible that one object can notify an open-ended number of other objects.</a:t>
-            </a:r>
-          </a:p>
-          <a:p>
-            <a:endParaRPr lang="en-US" dirty="0"/>
+              <a:t>Not to be confused with I/O streams</a:t>
+            </a:r>
           </a:p>
         </p:txBody>
       </p:sp>
@@ -7072,7 +7142,7 @@
           <p:cNvPr id="4" name="Slide Number Placeholder 3">
             <a:extLst>
               <a:ext uri="{FF2B5EF4-FFF2-40B4-BE49-F238E27FC236}">
-                <a16:creationId xmlns:a16="http://schemas.microsoft.com/office/drawing/2014/main" id="{8410DA25-57A4-4721-9FA2-8D27EA997748}"/>
+                <a16:creationId xmlns:a16="http://schemas.microsoft.com/office/drawing/2014/main" id="{56F97D54-5126-45CC-87CC-F068C191BA31}"/>
               </a:ext>
             </a:extLst>
           </p:cNvPr>
@@ -7099,7 +7169,7 @@
     </p:spTree>
     <p:extLst>
       <p:ext uri="{BB962C8B-B14F-4D97-AF65-F5344CB8AC3E}">
-        <p14:creationId xmlns:p14="http://schemas.microsoft.com/office/powerpoint/2010/main" val="3157344458"/>
+        <p14:creationId xmlns:p14="http://schemas.microsoft.com/office/powerpoint/2010/main" val="1999189295"/>
       </p:ext>
     </p:extLst>
   </p:cSld>
@@ -7131,6 +7201,2125 @@
           <p:cNvPr id="2" name="Title 1">
             <a:extLst>
               <a:ext uri="{FF2B5EF4-FFF2-40B4-BE49-F238E27FC236}">
+                <a16:creationId xmlns:a16="http://schemas.microsoft.com/office/drawing/2014/main" id="{AD612774-0C09-4A74-9D88-7D006C5EDC0E}"/>
+              </a:ext>
+            </a:extLst>
+          </p:cNvPr>
+          <p:cNvSpPr>
+            <a:spLocks noGrp="1"/>
+          </p:cNvSpPr>
+          <p:nvPr>
+            <p:ph type="title"/>
+          </p:nvPr>
+        </p:nvSpPr>
+        <p:spPr/>
+        <p:txBody>
+          <a:bodyPr/>
+          <a:lstStyle/>
+          <a:p>
+            <a:r>
+              <a:rPr lang="en-US" dirty="0"/>
+              <a:t>Creating Streams</a:t>
+            </a:r>
+          </a:p>
+        </p:txBody>
+      </p:sp>
+      <p:sp>
+        <p:nvSpPr>
+          <p:cNvPr id="4" name="Slide Number Placeholder 3">
+            <a:extLst>
+              <a:ext uri="{FF2B5EF4-FFF2-40B4-BE49-F238E27FC236}">
+                <a16:creationId xmlns:a16="http://schemas.microsoft.com/office/drawing/2014/main" id="{4E6EF7CE-8928-454B-8886-D14B4798FF6A}"/>
+              </a:ext>
+            </a:extLst>
+          </p:cNvPr>
+          <p:cNvSpPr>
+            <a:spLocks noGrp="1"/>
+          </p:cNvSpPr>
+          <p:nvPr>
+            <p:ph type="sldNum" sz="quarter" idx="12"/>
+          </p:nvPr>
+        </p:nvSpPr>
+        <p:spPr/>
+        <p:txBody>
+          <a:bodyPr/>
+          <a:lstStyle/>
+          <a:p>
+            <a:fld id="{945DE137-1981-4A6E-942B-1AACE1746372}" type="slidenum">
+              <a:rPr lang="en-US" smtClean="0"/>
+              <a:t>16</a:t>
+            </a:fld>
+            <a:endParaRPr lang="en-US"/>
+          </a:p>
+        </p:txBody>
+      </p:sp>
+      <p:sp>
+        <p:nvSpPr>
+          <p:cNvPr id="5" name="Rectangle 1">
+            <a:extLst>
+              <a:ext uri="{FF2B5EF4-FFF2-40B4-BE49-F238E27FC236}">
+                <a16:creationId xmlns:a16="http://schemas.microsoft.com/office/drawing/2014/main" id="{D6B6FEE0-ECB0-4883-9D2A-14EA538A0B46}"/>
+              </a:ext>
+            </a:extLst>
+          </p:cNvPr>
+          <p:cNvSpPr>
+            <a:spLocks noGrp="1" noChangeArrowheads="1"/>
+          </p:cNvSpPr>
+          <p:nvPr>
+            <p:ph idx="1"/>
+          </p:nvPr>
+        </p:nvSpPr>
+        <p:spPr bwMode="auto">
+          <a:xfrm>
+            <a:off x="939800" y="1685608"/>
+            <a:ext cx="9906000" cy="2425918"/>
+          </a:xfrm>
+          <a:prstGeom prst="rect">
+            <a:avLst/>
+          </a:prstGeom>
+          <a:solidFill>
+            <a:srgbClr val="F7F7F9"/>
+          </a:solidFill>
+          <a:ln>
+            <a:noFill/>
+          </a:ln>
+          <a:effectLst/>
+          <a:extLst>
+            <a:ext uri="{91240B29-F687-4F45-9708-019B960494DF}">
+              <a14:hiddenLine xmlns:a14="http://schemas.microsoft.com/office/drawing/2010/main" w="9525">
+                <a:solidFill>
+                  <a:schemeClr val="tx1"/>
+                </a:solidFill>
+                <a:miter lim="800000"/>
+                <a:headEnd/>
+                <a:tailEnd/>
+              </a14:hiddenLine>
+            </a:ext>
+            <a:ext uri="{AF507438-7753-43E0-B8FC-AC1667EBCBE1}">
+              <a14:hiddenEffects xmlns:a14="http://schemas.microsoft.com/office/drawing/2010/main">
+                <a:effectLst>
+                  <a:outerShdw dist="35921" dir="2700000" algn="ctr" rotWithShape="0">
+                    <a:schemeClr val="bg2"/>
+                  </a:outerShdw>
+                </a:effectLst>
+              </a14:hiddenEffects>
+            </a:ext>
+          </a:extLst>
+        </p:spPr>
+        <p:txBody>
+          <a:bodyPr vert="horz" wrap="square" lIns="0" tIns="0" rIns="0" bIns="207897" numCol="1" anchor="ctr" anchorCtr="0" compatLnSpc="1">
+            <a:prstTxWarp prst="textNoShape">
+              <a:avLst/>
+            </a:prstTxWarp>
+            <a:spAutoFit/>
+          </a:bodyPr>
+          <a:lstStyle/>
+          <a:p>
+            <a:pPr marL="0" marR="0" lvl="0" indent="0" algn="l" defTabSz="914400" rtl="0" eaLnBrk="0" fontAlgn="base" latinLnBrk="0" hangingPunct="0">
+              <a:lnSpc>
+                <a:spcPct val="100000"/>
+              </a:lnSpc>
+              <a:spcBef>
+                <a:spcPct val="0"/>
+              </a:spcBef>
+              <a:spcAft>
+                <a:spcPct val="0"/>
+              </a:spcAft>
+              <a:buClrTx/>
+              <a:buSzTx/>
+              <a:buFontTx/>
+              <a:buNone/>
+              <a:tabLst/>
+            </a:pPr>
+            <a:r>
+              <a:rPr kumimoji="0" lang="en-US" altLang="en-US" sz="2400" b="0" i="0" u="none" strike="noStrike" cap="none" normalizeH="0" baseline="0" dirty="0">
+                <a:ln>
+                  <a:noFill/>
+                </a:ln>
+                <a:solidFill>
+                  <a:srgbClr val="660066"/>
+                </a:solidFill>
+                <a:effectLst/>
+                <a:latin typeface="Consolas" panose="020B0609020204030204" pitchFamily="49" charset="0"/>
+              </a:rPr>
+              <a:t>Employee</a:t>
+            </a:r>
+            <a:r>
+              <a:rPr kumimoji="0" lang="en-US" altLang="en-US" sz="2400" b="0" i="0" u="none" strike="noStrike" cap="none" normalizeH="0" baseline="0" dirty="0">
+                <a:ln>
+                  <a:noFill/>
+                </a:ln>
+                <a:solidFill>
+                  <a:srgbClr val="666600"/>
+                </a:solidFill>
+                <a:effectLst/>
+                <a:latin typeface="Consolas" panose="020B0609020204030204" pitchFamily="49" charset="0"/>
+              </a:rPr>
+              <a:t>[]</a:t>
+            </a:r>
+            <a:r>
+              <a:rPr kumimoji="0" lang="en-US" altLang="en-US" sz="2400" b="0" i="0" u="none" strike="noStrike" cap="none" normalizeH="0" baseline="0" dirty="0">
+                <a:ln>
+                  <a:noFill/>
+                </a:ln>
+                <a:solidFill>
+                  <a:srgbClr val="000000"/>
+                </a:solidFill>
+                <a:effectLst/>
+                <a:latin typeface="Consolas" panose="020B0609020204030204" pitchFamily="49" charset="0"/>
+              </a:rPr>
+              <a:t> </a:t>
+            </a:r>
+            <a:r>
+              <a:rPr kumimoji="0" lang="en-US" altLang="en-US" sz="2400" b="0" i="0" u="none" strike="noStrike" cap="none" normalizeH="0" baseline="0" dirty="0" err="1">
+                <a:ln>
+                  <a:noFill/>
+                </a:ln>
+                <a:solidFill>
+                  <a:srgbClr val="000000"/>
+                </a:solidFill>
+                <a:effectLst/>
+                <a:latin typeface="Consolas" panose="020B0609020204030204" pitchFamily="49" charset="0"/>
+              </a:rPr>
+              <a:t>arrayOfEmps</a:t>
+            </a:r>
+            <a:r>
+              <a:rPr kumimoji="0" lang="en-US" altLang="en-US" sz="2400" b="0" i="0" u="none" strike="noStrike" cap="none" normalizeH="0" baseline="0" dirty="0">
+                <a:ln>
+                  <a:noFill/>
+                </a:ln>
+                <a:solidFill>
+                  <a:srgbClr val="000000"/>
+                </a:solidFill>
+                <a:effectLst/>
+                <a:latin typeface="Consolas" panose="020B0609020204030204" pitchFamily="49" charset="0"/>
+              </a:rPr>
+              <a:t> </a:t>
+            </a:r>
+            <a:r>
+              <a:rPr kumimoji="0" lang="en-US" altLang="en-US" sz="2400" b="0" i="0" u="none" strike="noStrike" cap="none" normalizeH="0" baseline="0" dirty="0">
+                <a:ln>
+                  <a:noFill/>
+                </a:ln>
+                <a:solidFill>
+                  <a:srgbClr val="666600"/>
+                </a:solidFill>
+                <a:effectLst/>
+                <a:latin typeface="Consolas" panose="020B0609020204030204" pitchFamily="49" charset="0"/>
+              </a:rPr>
+              <a:t>=</a:t>
+            </a:r>
+            <a:r>
+              <a:rPr kumimoji="0" lang="en-US" altLang="en-US" sz="2400" b="0" i="0" u="none" strike="noStrike" cap="none" normalizeH="0" baseline="0" dirty="0">
+                <a:ln>
+                  <a:noFill/>
+                </a:ln>
+                <a:solidFill>
+                  <a:srgbClr val="000000"/>
+                </a:solidFill>
+                <a:effectLst/>
+                <a:latin typeface="Consolas" panose="020B0609020204030204" pitchFamily="49" charset="0"/>
+              </a:rPr>
+              <a:t> </a:t>
+            </a:r>
+            <a:r>
+              <a:rPr kumimoji="0" lang="en-US" altLang="en-US" sz="2400" b="0" i="0" u="none" strike="noStrike" cap="none" normalizeH="0" baseline="0" dirty="0">
+                <a:ln>
+                  <a:noFill/>
+                </a:ln>
+                <a:solidFill>
+                  <a:srgbClr val="666600"/>
+                </a:solidFill>
+                <a:effectLst/>
+                <a:latin typeface="Consolas" panose="020B0609020204030204" pitchFamily="49" charset="0"/>
+              </a:rPr>
+              <a:t>{</a:t>
+            </a:r>
+            <a:r>
+              <a:rPr kumimoji="0" lang="en-US" altLang="en-US" sz="2400" b="0" i="0" u="none" strike="noStrike" cap="none" normalizeH="0" baseline="0" dirty="0">
+                <a:ln>
+                  <a:noFill/>
+                </a:ln>
+                <a:solidFill>
+                  <a:srgbClr val="000000"/>
+                </a:solidFill>
+                <a:effectLst/>
+                <a:latin typeface="Consolas" panose="020B0609020204030204" pitchFamily="49" charset="0"/>
+              </a:rPr>
+              <a:t> </a:t>
+            </a:r>
+          </a:p>
+          <a:p>
+            <a:pPr marL="0" marR="0" lvl="0" indent="0" algn="l" defTabSz="914400" rtl="0" eaLnBrk="0" fontAlgn="base" latinLnBrk="0" hangingPunct="0">
+              <a:lnSpc>
+                <a:spcPct val="100000"/>
+              </a:lnSpc>
+              <a:spcBef>
+                <a:spcPct val="0"/>
+              </a:spcBef>
+              <a:spcAft>
+                <a:spcPct val="0"/>
+              </a:spcAft>
+              <a:buClrTx/>
+              <a:buSzTx/>
+              <a:buFontTx/>
+              <a:buNone/>
+              <a:tabLst/>
+            </a:pPr>
+            <a:r>
+              <a:rPr kumimoji="0" lang="en-US" altLang="en-US" sz="2400" b="0" i="0" u="none" strike="noStrike" cap="none" normalizeH="0" baseline="0" dirty="0">
+                <a:ln>
+                  <a:noFill/>
+                </a:ln>
+                <a:solidFill>
+                  <a:srgbClr val="000088"/>
+                </a:solidFill>
+                <a:effectLst/>
+                <a:latin typeface="Consolas" panose="020B0609020204030204" pitchFamily="49" charset="0"/>
+              </a:rPr>
+              <a:t>	new</a:t>
+            </a:r>
+            <a:r>
+              <a:rPr kumimoji="0" lang="en-US" altLang="en-US" sz="2400" b="0" i="0" u="none" strike="noStrike" cap="none" normalizeH="0" baseline="0" dirty="0">
+                <a:ln>
+                  <a:noFill/>
+                </a:ln>
+                <a:solidFill>
+                  <a:srgbClr val="000000"/>
+                </a:solidFill>
+                <a:effectLst/>
+                <a:latin typeface="Consolas" panose="020B0609020204030204" pitchFamily="49" charset="0"/>
+              </a:rPr>
+              <a:t> </a:t>
+            </a:r>
+            <a:r>
+              <a:rPr kumimoji="0" lang="en-US" altLang="en-US" sz="2400" b="0" i="0" u="none" strike="noStrike" cap="none" normalizeH="0" baseline="0" dirty="0">
+                <a:ln>
+                  <a:noFill/>
+                </a:ln>
+                <a:solidFill>
+                  <a:srgbClr val="660066"/>
+                </a:solidFill>
+                <a:effectLst/>
+                <a:latin typeface="Consolas" panose="020B0609020204030204" pitchFamily="49" charset="0"/>
+              </a:rPr>
+              <a:t>Employee</a:t>
+            </a:r>
+            <a:r>
+              <a:rPr kumimoji="0" lang="en-US" altLang="en-US" sz="2400" b="0" i="0" u="none" strike="noStrike" cap="none" normalizeH="0" baseline="0" dirty="0">
+                <a:ln>
+                  <a:noFill/>
+                </a:ln>
+                <a:solidFill>
+                  <a:srgbClr val="666600"/>
+                </a:solidFill>
+                <a:effectLst/>
+                <a:latin typeface="Consolas" panose="020B0609020204030204" pitchFamily="49" charset="0"/>
+              </a:rPr>
+              <a:t>(</a:t>
+            </a:r>
+            <a:r>
+              <a:rPr kumimoji="0" lang="en-US" altLang="en-US" sz="2400" b="0" i="0" u="none" strike="noStrike" cap="none" normalizeH="0" baseline="0" dirty="0">
+                <a:ln>
+                  <a:noFill/>
+                </a:ln>
+                <a:solidFill>
+                  <a:srgbClr val="006666"/>
+                </a:solidFill>
+                <a:effectLst/>
+                <a:latin typeface="Consolas" panose="020B0609020204030204" pitchFamily="49" charset="0"/>
+              </a:rPr>
+              <a:t>1</a:t>
+            </a:r>
+            <a:r>
+              <a:rPr kumimoji="0" lang="en-US" altLang="en-US" sz="2400" b="0" i="0" u="none" strike="noStrike" cap="none" normalizeH="0" baseline="0" dirty="0">
+                <a:ln>
+                  <a:noFill/>
+                </a:ln>
+                <a:solidFill>
+                  <a:srgbClr val="666600"/>
+                </a:solidFill>
+                <a:effectLst/>
+                <a:latin typeface="Consolas" panose="020B0609020204030204" pitchFamily="49" charset="0"/>
+              </a:rPr>
+              <a:t>,</a:t>
+            </a:r>
+            <a:r>
+              <a:rPr kumimoji="0" lang="en-US" altLang="en-US" sz="2400" b="0" i="0" u="none" strike="noStrike" cap="none" normalizeH="0" baseline="0" dirty="0">
+                <a:ln>
+                  <a:noFill/>
+                </a:ln>
+                <a:solidFill>
+                  <a:srgbClr val="000000"/>
+                </a:solidFill>
+                <a:effectLst/>
+                <a:latin typeface="Consolas" panose="020B0609020204030204" pitchFamily="49" charset="0"/>
+              </a:rPr>
+              <a:t> </a:t>
+            </a:r>
+            <a:r>
+              <a:rPr kumimoji="0" lang="en-US" altLang="en-US" sz="2400" b="0" i="0" u="none" strike="noStrike" cap="none" normalizeH="0" baseline="0" dirty="0">
+                <a:ln>
+                  <a:noFill/>
+                </a:ln>
+                <a:solidFill>
+                  <a:srgbClr val="008800"/>
+                </a:solidFill>
+                <a:effectLst/>
+                <a:latin typeface="Consolas" panose="020B0609020204030204" pitchFamily="49" charset="0"/>
+              </a:rPr>
+              <a:t>"Jeff Bezos"</a:t>
+            </a:r>
+            <a:r>
+              <a:rPr kumimoji="0" lang="en-US" altLang="en-US" sz="2400" b="0" i="0" u="none" strike="noStrike" cap="none" normalizeH="0" baseline="0" dirty="0">
+                <a:ln>
+                  <a:noFill/>
+                </a:ln>
+                <a:solidFill>
+                  <a:srgbClr val="666600"/>
+                </a:solidFill>
+                <a:effectLst/>
+                <a:latin typeface="Consolas" panose="020B0609020204030204" pitchFamily="49" charset="0"/>
+              </a:rPr>
+              <a:t>,</a:t>
+            </a:r>
+            <a:r>
+              <a:rPr kumimoji="0" lang="en-US" altLang="en-US" sz="2400" b="0" i="0" u="none" strike="noStrike" cap="none" normalizeH="0" baseline="0" dirty="0">
+                <a:ln>
+                  <a:noFill/>
+                </a:ln>
+                <a:solidFill>
+                  <a:srgbClr val="000000"/>
+                </a:solidFill>
+                <a:effectLst/>
+                <a:latin typeface="Consolas" panose="020B0609020204030204" pitchFamily="49" charset="0"/>
+              </a:rPr>
+              <a:t> </a:t>
+            </a:r>
+            <a:r>
+              <a:rPr kumimoji="0" lang="en-US" altLang="en-US" sz="2400" b="0" i="0" u="none" strike="noStrike" cap="none" normalizeH="0" baseline="0" dirty="0">
+                <a:ln>
+                  <a:noFill/>
+                </a:ln>
+                <a:solidFill>
+                  <a:srgbClr val="006666"/>
+                </a:solidFill>
+                <a:effectLst/>
+                <a:latin typeface="Consolas" panose="020B0609020204030204" pitchFamily="49" charset="0"/>
+              </a:rPr>
+              <a:t>100000.0</a:t>
+            </a:r>
+            <a:r>
+              <a:rPr kumimoji="0" lang="en-US" altLang="en-US" sz="2400" b="0" i="0" u="none" strike="noStrike" cap="none" normalizeH="0" baseline="0" dirty="0">
+                <a:ln>
+                  <a:noFill/>
+                </a:ln>
+                <a:solidFill>
+                  <a:srgbClr val="666600"/>
+                </a:solidFill>
+                <a:effectLst/>
+                <a:latin typeface="Consolas" panose="020B0609020204030204" pitchFamily="49" charset="0"/>
+              </a:rPr>
+              <a:t>),</a:t>
+            </a:r>
+            <a:r>
+              <a:rPr kumimoji="0" lang="en-US" altLang="en-US" sz="2400" b="0" i="0" u="none" strike="noStrike" cap="none" normalizeH="0" baseline="0" dirty="0">
+                <a:ln>
+                  <a:noFill/>
+                </a:ln>
+                <a:solidFill>
+                  <a:srgbClr val="000000"/>
+                </a:solidFill>
+                <a:effectLst/>
+                <a:latin typeface="Consolas" panose="020B0609020204030204" pitchFamily="49" charset="0"/>
+              </a:rPr>
+              <a:t> </a:t>
+            </a:r>
+          </a:p>
+          <a:p>
+            <a:pPr marL="0" marR="0" lvl="0" indent="0" algn="l" defTabSz="914400" rtl="0" eaLnBrk="0" fontAlgn="base" latinLnBrk="0" hangingPunct="0">
+              <a:lnSpc>
+                <a:spcPct val="100000"/>
+              </a:lnSpc>
+              <a:spcBef>
+                <a:spcPct val="0"/>
+              </a:spcBef>
+              <a:spcAft>
+                <a:spcPct val="0"/>
+              </a:spcAft>
+              <a:buClrTx/>
+              <a:buSzTx/>
+              <a:buFontTx/>
+              <a:buNone/>
+              <a:tabLst/>
+            </a:pPr>
+            <a:r>
+              <a:rPr kumimoji="0" lang="en-US" altLang="en-US" sz="2400" b="0" i="0" u="none" strike="noStrike" cap="none" normalizeH="0" baseline="0" dirty="0">
+                <a:ln>
+                  <a:noFill/>
+                </a:ln>
+                <a:solidFill>
+                  <a:srgbClr val="000088"/>
+                </a:solidFill>
+                <a:effectLst/>
+                <a:latin typeface="Consolas" panose="020B0609020204030204" pitchFamily="49" charset="0"/>
+              </a:rPr>
+              <a:t>	new</a:t>
+            </a:r>
+            <a:r>
+              <a:rPr kumimoji="0" lang="en-US" altLang="en-US" sz="2400" b="0" i="0" u="none" strike="noStrike" cap="none" normalizeH="0" baseline="0" dirty="0">
+                <a:ln>
+                  <a:noFill/>
+                </a:ln>
+                <a:solidFill>
+                  <a:srgbClr val="000000"/>
+                </a:solidFill>
+                <a:effectLst/>
+                <a:latin typeface="Consolas" panose="020B0609020204030204" pitchFamily="49" charset="0"/>
+              </a:rPr>
+              <a:t> </a:t>
+            </a:r>
+            <a:r>
+              <a:rPr kumimoji="0" lang="en-US" altLang="en-US" sz="2400" b="0" i="0" u="none" strike="noStrike" cap="none" normalizeH="0" baseline="0" dirty="0">
+                <a:ln>
+                  <a:noFill/>
+                </a:ln>
+                <a:solidFill>
+                  <a:srgbClr val="660066"/>
+                </a:solidFill>
+                <a:effectLst/>
+                <a:latin typeface="Consolas" panose="020B0609020204030204" pitchFamily="49" charset="0"/>
+              </a:rPr>
+              <a:t>Employee</a:t>
+            </a:r>
+            <a:r>
+              <a:rPr kumimoji="0" lang="en-US" altLang="en-US" sz="2400" b="0" i="0" u="none" strike="noStrike" cap="none" normalizeH="0" baseline="0" dirty="0">
+                <a:ln>
+                  <a:noFill/>
+                </a:ln>
+                <a:solidFill>
+                  <a:srgbClr val="666600"/>
+                </a:solidFill>
+                <a:effectLst/>
+                <a:latin typeface="Consolas" panose="020B0609020204030204" pitchFamily="49" charset="0"/>
+              </a:rPr>
+              <a:t>(</a:t>
+            </a:r>
+            <a:r>
+              <a:rPr kumimoji="0" lang="en-US" altLang="en-US" sz="2400" b="0" i="0" u="none" strike="noStrike" cap="none" normalizeH="0" baseline="0" dirty="0">
+                <a:ln>
+                  <a:noFill/>
+                </a:ln>
+                <a:solidFill>
+                  <a:srgbClr val="006666"/>
+                </a:solidFill>
+                <a:effectLst/>
+                <a:latin typeface="Consolas" panose="020B0609020204030204" pitchFamily="49" charset="0"/>
+              </a:rPr>
+              <a:t>2</a:t>
+            </a:r>
+            <a:r>
+              <a:rPr kumimoji="0" lang="en-US" altLang="en-US" sz="2400" b="0" i="0" u="none" strike="noStrike" cap="none" normalizeH="0" baseline="0" dirty="0">
+                <a:ln>
+                  <a:noFill/>
+                </a:ln>
+                <a:solidFill>
+                  <a:srgbClr val="666600"/>
+                </a:solidFill>
+                <a:effectLst/>
+                <a:latin typeface="Consolas" panose="020B0609020204030204" pitchFamily="49" charset="0"/>
+              </a:rPr>
+              <a:t>,</a:t>
+            </a:r>
+            <a:r>
+              <a:rPr kumimoji="0" lang="en-US" altLang="en-US" sz="2400" b="0" i="0" u="none" strike="noStrike" cap="none" normalizeH="0" baseline="0" dirty="0">
+                <a:ln>
+                  <a:noFill/>
+                </a:ln>
+                <a:solidFill>
+                  <a:srgbClr val="000000"/>
+                </a:solidFill>
+                <a:effectLst/>
+                <a:latin typeface="Consolas" panose="020B0609020204030204" pitchFamily="49" charset="0"/>
+              </a:rPr>
+              <a:t> </a:t>
+            </a:r>
+            <a:r>
+              <a:rPr kumimoji="0" lang="en-US" altLang="en-US" sz="2400" b="0" i="0" u="none" strike="noStrike" cap="none" normalizeH="0" baseline="0" dirty="0">
+                <a:ln>
+                  <a:noFill/>
+                </a:ln>
+                <a:solidFill>
+                  <a:srgbClr val="008800"/>
+                </a:solidFill>
+                <a:effectLst/>
+                <a:latin typeface="Consolas" panose="020B0609020204030204" pitchFamily="49" charset="0"/>
+              </a:rPr>
+              <a:t>"Bill Gates"</a:t>
+            </a:r>
+            <a:r>
+              <a:rPr kumimoji="0" lang="en-US" altLang="en-US" sz="2400" b="0" i="0" u="none" strike="noStrike" cap="none" normalizeH="0" baseline="0" dirty="0">
+                <a:ln>
+                  <a:noFill/>
+                </a:ln>
+                <a:solidFill>
+                  <a:srgbClr val="666600"/>
+                </a:solidFill>
+                <a:effectLst/>
+                <a:latin typeface="Consolas" panose="020B0609020204030204" pitchFamily="49" charset="0"/>
+              </a:rPr>
+              <a:t>,</a:t>
+            </a:r>
+            <a:r>
+              <a:rPr kumimoji="0" lang="en-US" altLang="en-US" sz="2400" b="0" i="0" u="none" strike="noStrike" cap="none" normalizeH="0" baseline="0" dirty="0">
+                <a:ln>
+                  <a:noFill/>
+                </a:ln>
+                <a:solidFill>
+                  <a:srgbClr val="000000"/>
+                </a:solidFill>
+                <a:effectLst/>
+                <a:latin typeface="Consolas" panose="020B0609020204030204" pitchFamily="49" charset="0"/>
+              </a:rPr>
+              <a:t> </a:t>
+            </a:r>
+            <a:r>
+              <a:rPr kumimoji="0" lang="en-US" altLang="en-US" sz="2400" b="0" i="0" u="none" strike="noStrike" cap="none" normalizeH="0" baseline="0" dirty="0">
+                <a:ln>
+                  <a:noFill/>
+                </a:ln>
+                <a:solidFill>
+                  <a:srgbClr val="006666"/>
+                </a:solidFill>
+                <a:effectLst/>
+                <a:latin typeface="Consolas" panose="020B0609020204030204" pitchFamily="49" charset="0"/>
+              </a:rPr>
+              <a:t>200000.0</a:t>
+            </a:r>
+            <a:r>
+              <a:rPr kumimoji="0" lang="en-US" altLang="en-US" sz="2400" b="0" i="0" u="none" strike="noStrike" cap="none" normalizeH="0" baseline="0" dirty="0">
+                <a:ln>
+                  <a:noFill/>
+                </a:ln>
+                <a:solidFill>
+                  <a:srgbClr val="666600"/>
+                </a:solidFill>
+                <a:effectLst/>
+                <a:latin typeface="Consolas" panose="020B0609020204030204" pitchFamily="49" charset="0"/>
+              </a:rPr>
+              <a:t>),</a:t>
+            </a:r>
+            <a:r>
+              <a:rPr kumimoji="0" lang="en-US" altLang="en-US" sz="2400" b="0" i="0" u="none" strike="noStrike" cap="none" normalizeH="0" baseline="0" dirty="0">
+                <a:ln>
+                  <a:noFill/>
+                </a:ln>
+                <a:solidFill>
+                  <a:srgbClr val="000000"/>
+                </a:solidFill>
+                <a:effectLst/>
+                <a:latin typeface="Consolas" panose="020B0609020204030204" pitchFamily="49" charset="0"/>
+              </a:rPr>
+              <a:t> </a:t>
+            </a:r>
+          </a:p>
+          <a:p>
+            <a:pPr marL="0" marR="0" lvl="0" indent="0" algn="l" defTabSz="914400" rtl="0" eaLnBrk="0" fontAlgn="base" latinLnBrk="0" hangingPunct="0">
+              <a:lnSpc>
+                <a:spcPct val="100000"/>
+              </a:lnSpc>
+              <a:spcBef>
+                <a:spcPct val="0"/>
+              </a:spcBef>
+              <a:spcAft>
+                <a:spcPct val="0"/>
+              </a:spcAft>
+              <a:buClrTx/>
+              <a:buSzTx/>
+              <a:buFontTx/>
+              <a:buNone/>
+              <a:tabLst/>
+            </a:pPr>
+            <a:r>
+              <a:rPr kumimoji="0" lang="en-US" altLang="en-US" sz="2400" b="0" i="0" u="none" strike="noStrike" cap="none" normalizeH="0" baseline="0" dirty="0">
+                <a:ln>
+                  <a:noFill/>
+                </a:ln>
+                <a:solidFill>
+                  <a:srgbClr val="000088"/>
+                </a:solidFill>
+                <a:effectLst/>
+                <a:latin typeface="Consolas" panose="020B0609020204030204" pitchFamily="49" charset="0"/>
+              </a:rPr>
+              <a:t>	new</a:t>
+            </a:r>
+            <a:r>
+              <a:rPr kumimoji="0" lang="en-US" altLang="en-US" sz="2400" b="0" i="0" u="none" strike="noStrike" cap="none" normalizeH="0" baseline="0" dirty="0">
+                <a:ln>
+                  <a:noFill/>
+                </a:ln>
+                <a:solidFill>
+                  <a:srgbClr val="000000"/>
+                </a:solidFill>
+                <a:effectLst/>
+                <a:latin typeface="Consolas" panose="020B0609020204030204" pitchFamily="49" charset="0"/>
+              </a:rPr>
+              <a:t> </a:t>
+            </a:r>
+            <a:r>
+              <a:rPr kumimoji="0" lang="en-US" altLang="en-US" sz="2400" b="0" i="0" u="none" strike="noStrike" cap="none" normalizeH="0" baseline="0" dirty="0">
+                <a:ln>
+                  <a:noFill/>
+                </a:ln>
+                <a:solidFill>
+                  <a:srgbClr val="660066"/>
+                </a:solidFill>
+                <a:effectLst/>
+                <a:latin typeface="Consolas" panose="020B0609020204030204" pitchFamily="49" charset="0"/>
+              </a:rPr>
+              <a:t>Employee</a:t>
+            </a:r>
+            <a:r>
+              <a:rPr kumimoji="0" lang="en-US" altLang="en-US" sz="2400" b="0" i="0" u="none" strike="noStrike" cap="none" normalizeH="0" baseline="0" dirty="0">
+                <a:ln>
+                  <a:noFill/>
+                </a:ln>
+                <a:solidFill>
+                  <a:srgbClr val="666600"/>
+                </a:solidFill>
+                <a:effectLst/>
+                <a:latin typeface="Consolas" panose="020B0609020204030204" pitchFamily="49" charset="0"/>
+              </a:rPr>
+              <a:t>(</a:t>
+            </a:r>
+            <a:r>
+              <a:rPr kumimoji="0" lang="en-US" altLang="en-US" sz="2400" b="0" i="0" u="none" strike="noStrike" cap="none" normalizeH="0" baseline="0" dirty="0">
+                <a:ln>
+                  <a:noFill/>
+                </a:ln>
+                <a:solidFill>
+                  <a:srgbClr val="006666"/>
+                </a:solidFill>
+                <a:effectLst/>
+                <a:latin typeface="Consolas" panose="020B0609020204030204" pitchFamily="49" charset="0"/>
+              </a:rPr>
+              <a:t>3</a:t>
+            </a:r>
+            <a:r>
+              <a:rPr kumimoji="0" lang="en-US" altLang="en-US" sz="2400" b="0" i="0" u="none" strike="noStrike" cap="none" normalizeH="0" baseline="0" dirty="0">
+                <a:ln>
+                  <a:noFill/>
+                </a:ln>
+                <a:solidFill>
+                  <a:srgbClr val="666600"/>
+                </a:solidFill>
+                <a:effectLst/>
+                <a:latin typeface="Consolas" panose="020B0609020204030204" pitchFamily="49" charset="0"/>
+              </a:rPr>
+              <a:t>,</a:t>
+            </a:r>
+            <a:r>
+              <a:rPr kumimoji="0" lang="en-US" altLang="en-US" sz="2400" b="0" i="0" u="none" strike="noStrike" cap="none" normalizeH="0" baseline="0" dirty="0">
+                <a:ln>
+                  <a:noFill/>
+                </a:ln>
+                <a:solidFill>
+                  <a:srgbClr val="000000"/>
+                </a:solidFill>
+                <a:effectLst/>
+                <a:latin typeface="Consolas" panose="020B0609020204030204" pitchFamily="49" charset="0"/>
+              </a:rPr>
+              <a:t> </a:t>
+            </a:r>
+            <a:r>
+              <a:rPr kumimoji="0" lang="en-US" altLang="en-US" sz="2400" b="0" i="0" u="none" strike="noStrike" cap="none" normalizeH="0" baseline="0" dirty="0">
+                <a:ln>
+                  <a:noFill/>
+                </a:ln>
+                <a:solidFill>
+                  <a:srgbClr val="008800"/>
+                </a:solidFill>
+                <a:effectLst/>
+                <a:latin typeface="Consolas" panose="020B0609020204030204" pitchFamily="49" charset="0"/>
+              </a:rPr>
+              <a:t>"Mark Zuckerberg"</a:t>
+            </a:r>
+            <a:r>
+              <a:rPr kumimoji="0" lang="en-US" altLang="en-US" sz="2400" b="0" i="0" u="none" strike="noStrike" cap="none" normalizeH="0" baseline="0" dirty="0">
+                <a:ln>
+                  <a:noFill/>
+                </a:ln>
+                <a:solidFill>
+                  <a:srgbClr val="666600"/>
+                </a:solidFill>
+                <a:effectLst/>
+                <a:latin typeface="Consolas" panose="020B0609020204030204" pitchFamily="49" charset="0"/>
+              </a:rPr>
+              <a:t>,</a:t>
+            </a:r>
+            <a:r>
+              <a:rPr kumimoji="0" lang="en-US" altLang="en-US" sz="2400" b="0" i="0" u="none" strike="noStrike" cap="none" normalizeH="0" baseline="0" dirty="0">
+                <a:ln>
+                  <a:noFill/>
+                </a:ln>
+                <a:solidFill>
+                  <a:srgbClr val="000000"/>
+                </a:solidFill>
+                <a:effectLst/>
+                <a:latin typeface="Consolas" panose="020B0609020204030204" pitchFamily="49" charset="0"/>
+              </a:rPr>
+              <a:t> </a:t>
+            </a:r>
+            <a:r>
+              <a:rPr kumimoji="0" lang="en-US" altLang="en-US" sz="2400" b="0" i="0" u="none" strike="noStrike" cap="none" normalizeH="0" baseline="0" dirty="0">
+                <a:ln>
+                  <a:noFill/>
+                </a:ln>
+                <a:solidFill>
+                  <a:srgbClr val="006666"/>
+                </a:solidFill>
+                <a:effectLst/>
+                <a:latin typeface="Consolas" panose="020B0609020204030204" pitchFamily="49" charset="0"/>
+              </a:rPr>
+              <a:t>300000.0</a:t>
+            </a:r>
+            <a:r>
+              <a:rPr kumimoji="0" lang="en-US" altLang="en-US" sz="2400" b="0" i="0" u="none" strike="noStrike" cap="none" normalizeH="0" baseline="0" dirty="0">
+                <a:ln>
+                  <a:noFill/>
+                </a:ln>
+                <a:solidFill>
+                  <a:srgbClr val="666600"/>
+                </a:solidFill>
+                <a:effectLst/>
+                <a:latin typeface="Consolas" panose="020B0609020204030204" pitchFamily="49" charset="0"/>
+              </a:rPr>
+              <a:t>)</a:t>
+            </a:r>
+            <a:r>
+              <a:rPr kumimoji="0" lang="en-US" altLang="en-US" sz="2400" b="0" i="0" u="none" strike="noStrike" cap="none" normalizeH="0" baseline="0" dirty="0">
+                <a:ln>
+                  <a:noFill/>
+                </a:ln>
+                <a:solidFill>
+                  <a:srgbClr val="000000"/>
+                </a:solidFill>
+                <a:effectLst/>
+                <a:latin typeface="Consolas" panose="020B0609020204030204" pitchFamily="49" charset="0"/>
+              </a:rPr>
+              <a:t> </a:t>
+            </a:r>
+            <a:r>
+              <a:rPr kumimoji="0" lang="en-US" altLang="en-US" sz="2400" b="0" i="0" u="none" strike="noStrike" cap="none" normalizeH="0" baseline="0" dirty="0">
+                <a:ln>
+                  <a:noFill/>
+                </a:ln>
+                <a:solidFill>
+                  <a:srgbClr val="666600"/>
+                </a:solidFill>
+                <a:effectLst/>
+                <a:latin typeface="Consolas" panose="020B0609020204030204" pitchFamily="49" charset="0"/>
+              </a:rPr>
+              <a:t>};</a:t>
+            </a:r>
+            <a:r>
+              <a:rPr kumimoji="0" lang="en-US" altLang="en-US" sz="2400" b="0" i="0" u="none" strike="noStrike" cap="none" normalizeH="0" baseline="0" dirty="0">
+                <a:ln>
+                  <a:noFill/>
+                </a:ln>
+                <a:solidFill>
+                  <a:srgbClr val="000000"/>
+                </a:solidFill>
+                <a:effectLst/>
+                <a:latin typeface="Consolas" panose="020B0609020204030204" pitchFamily="49" charset="0"/>
+              </a:rPr>
+              <a:t> </a:t>
+            </a:r>
+          </a:p>
+          <a:p>
+            <a:pPr marL="0" marR="0" lvl="0" indent="0" algn="l" defTabSz="914400" rtl="0" eaLnBrk="0" fontAlgn="base" latinLnBrk="0" hangingPunct="0">
+              <a:lnSpc>
+                <a:spcPct val="100000"/>
+              </a:lnSpc>
+              <a:spcBef>
+                <a:spcPct val="0"/>
+              </a:spcBef>
+              <a:spcAft>
+                <a:spcPct val="0"/>
+              </a:spcAft>
+              <a:buClrTx/>
+              <a:buSzTx/>
+              <a:buFontTx/>
+              <a:buNone/>
+              <a:tabLst/>
+            </a:pPr>
+            <a:endParaRPr lang="en-US" altLang="en-US" sz="2400" dirty="0">
+              <a:solidFill>
+                <a:srgbClr val="000000"/>
+              </a:solidFill>
+              <a:latin typeface="Consolas" panose="020B0609020204030204" pitchFamily="49" charset="0"/>
+            </a:endParaRPr>
+          </a:p>
+          <a:p>
+            <a:pPr marL="0" marR="0" lvl="0" indent="0" algn="l" defTabSz="914400" rtl="0" eaLnBrk="0" fontAlgn="base" latinLnBrk="0" hangingPunct="0">
+              <a:lnSpc>
+                <a:spcPct val="100000"/>
+              </a:lnSpc>
+              <a:spcBef>
+                <a:spcPct val="0"/>
+              </a:spcBef>
+              <a:spcAft>
+                <a:spcPct val="0"/>
+              </a:spcAft>
+              <a:buClrTx/>
+              <a:buSzTx/>
+              <a:buFontTx/>
+              <a:buNone/>
+              <a:tabLst/>
+            </a:pPr>
+            <a:r>
+              <a:rPr kumimoji="0" lang="en-US" altLang="en-US" sz="2400" b="0" i="0" u="none" strike="noStrike" cap="none" normalizeH="0" baseline="0" dirty="0" err="1">
+                <a:ln>
+                  <a:noFill/>
+                </a:ln>
+                <a:solidFill>
+                  <a:srgbClr val="660066"/>
+                </a:solidFill>
+                <a:effectLst/>
+                <a:latin typeface="Consolas" panose="020B0609020204030204" pitchFamily="49" charset="0"/>
+              </a:rPr>
+              <a:t>Stream</a:t>
+            </a:r>
+            <a:r>
+              <a:rPr kumimoji="0" lang="en-US" altLang="en-US" sz="2400" b="0" i="0" u="none" strike="noStrike" cap="none" normalizeH="0" baseline="0" dirty="0" err="1">
+                <a:ln>
+                  <a:noFill/>
+                </a:ln>
+                <a:solidFill>
+                  <a:srgbClr val="666600"/>
+                </a:solidFill>
+                <a:effectLst/>
+                <a:latin typeface="Consolas" panose="020B0609020204030204" pitchFamily="49" charset="0"/>
+              </a:rPr>
+              <a:t>.</a:t>
+            </a:r>
+            <a:r>
+              <a:rPr kumimoji="0" lang="en-US" altLang="en-US" sz="2400" b="0" i="0" u="none" strike="noStrike" cap="none" normalizeH="0" baseline="0" dirty="0" err="1">
+                <a:ln>
+                  <a:noFill/>
+                </a:ln>
+                <a:solidFill>
+                  <a:srgbClr val="000088"/>
+                </a:solidFill>
+                <a:effectLst/>
+                <a:latin typeface="Consolas" panose="020B0609020204030204" pitchFamily="49" charset="0"/>
+              </a:rPr>
+              <a:t>of</a:t>
+            </a:r>
+            <a:r>
+              <a:rPr kumimoji="0" lang="en-US" altLang="en-US" sz="2400" b="0" i="0" u="none" strike="noStrike" cap="none" normalizeH="0" baseline="0" dirty="0">
+                <a:ln>
+                  <a:noFill/>
+                </a:ln>
+                <a:solidFill>
+                  <a:srgbClr val="666600"/>
+                </a:solidFill>
+                <a:effectLst/>
+                <a:latin typeface="Consolas" panose="020B0609020204030204" pitchFamily="49" charset="0"/>
+              </a:rPr>
+              <a:t>(</a:t>
+            </a:r>
+            <a:r>
+              <a:rPr kumimoji="0" lang="en-US" altLang="en-US" sz="2400" b="0" i="0" u="none" strike="noStrike" cap="none" normalizeH="0" baseline="0" dirty="0" err="1">
+                <a:ln>
+                  <a:noFill/>
+                </a:ln>
+                <a:solidFill>
+                  <a:srgbClr val="000000"/>
+                </a:solidFill>
+                <a:effectLst/>
+                <a:latin typeface="Consolas" panose="020B0609020204030204" pitchFamily="49" charset="0"/>
+              </a:rPr>
+              <a:t>arrayOfEmps</a:t>
+            </a:r>
+            <a:r>
+              <a:rPr kumimoji="0" lang="en-US" altLang="en-US" sz="2400" b="0" i="0" u="none" strike="noStrike" cap="none" normalizeH="0" baseline="0" dirty="0">
+                <a:ln>
+                  <a:noFill/>
+                </a:ln>
+                <a:solidFill>
+                  <a:srgbClr val="666600"/>
+                </a:solidFill>
+                <a:effectLst/>
+                <a:latin typeface="Consolas" panose="020B0609020204030204" pitchFamily="49" charset="0"/>
+              </a:rPr>
+              <a:t>);</a:t>
+            </a:r>
+            <a:r>
+              <a:rPr kumimoji="0" lang="en-US" altLang="en-US" sz="2400" b="0" i="0" u="none" strike="noStrike" cap="none" normalizeH="0" baseline="0" dirty="0">
+                <a:ln>
+                  <a:noFill/>
+                </a:ln>
+                <a:solidFill>
+                  <a:schemeClr val="tx1"/>
+                </a:solidFill>
+                <a:effectLst/>
+              </a:rPr>
+              <a:t> </a:t>
+            </a:r>
+            <a:endParaRPr kumimoji="0" lang="en-US" altLang="en-US" sz="2400" b="0" i="0" u="none" strike="noStrike" cap="none" normalizeH="0" baseline="0" dirty="0">
+              <a:ln>
+                <a:noFill/>
+              </a:ln>
+              <a:solidFill>
+                <a:schemeClr val="tx1"/>
+              </a:solidFill>
+              <a:effectLst/>
+              <a:latin typeface="Arial" panose="020B0604020202020204" pitchFamily="34" charset="0"/>
+            </a:endParaRPr>
+          </a:p>
+        </p:txBody>
+      </p:sp>
+      <p:sp>
+        <p:nvSpPr>
+          <p:cNvPr id="6" name="Rectangle 2">
+            <a:extLst>
+              <a:ext uri="{FF2B5EF4-FFF2-40B4-BE49-F238E27FC236}">
+                <a16:creationId xmlns:a16="http://schemas.microsoft.com/office/drawing/2014/main" id="{613A25C5-F042-4341-B74B-8086D3AFC28E}"/>
+              </a:ext>
+            </a:extLst>
+          </p:cNvPr>
+          <p:cNvSpPr>
+            <a:spLocks noChangeArrowheads="1"/>
+          </p:cNvSpPr>
+          <p:nvPr/>
+        </p:nvSpPr>
+        <p:spPr bwMode="auto">
+          <a:xfrm>
+            <a:off x="939800" y="4386877"/>
+            <a:ext cx="8835752" cy="1317923"/>
+          </a:xfrm>
+          <a:prstGeom prst="rect">
+            <a:avLst/>
+          </a:prstGeom>
+          <a:solidFill>
+            <a:srgbClr val="F7F7F9"/>
+          </a:solidFill>
+          <a:ln>
+            <a:noFill/>
+          </a:ln>
+          <a:effectLst/>
+          <a:extLst>
+            <a:ext uri="{91240B29-F687-4F45-9708-019B960494DF}">
+              <a14:hiddenLine xmlns:a14="http://schemas.microsoft.com/office/drawing/2010/main" w="9525">
+                <a:solidFill>
+                  <a:schemeClr val="tx1"/>
+                </a:solidFill>
+                <a:miter lim="800000"/>
+                <a:headEnd/>
+                <a:tailEnd/>
+              </a14:hiddenLine>
+            </a:ext>
+            <a:ext uri="{AF507438-7753-43E0-B8FC-AC1667EBCBE1}">
+              <a14:hiddenEffects xmlns:a14="http://schemas.microsoft.com/office/drawing/2010/main">
+                <a:effectLst>
+                  <a:outerShdw dist="35921" dir="2700000" algn="ctr" rotWithShape="0">
+                    <a:schemeClr val="bg2"/>
+                  </a:outerShdw>
+                </a:effectLst>
+              </a14:hiddenEffects>
+            </a:ext>
+          </a:extLst>
+        </p:spPr>
+        <p:txBody>
+          <a:bodyPr vert="horz" wrap="none" lIns="0" tIns="0" rIns="0" bIns="207897" numCol="1" anchor="ctr" anchorCtr="0" compatLnSpc="1">
+            <a:prstTxWarp prst="textNoShape">
+              <a:avLst/>
+            </a:prstTxWarp>
+            <a:spAutoFit/>
+          </a:bodyPr>
+          <a:lstStyle/>
+          <a:p>
+            <a:pPr marL="0" marR="0" lvl="0" indent="0" algn="l" defTabSz="914400" rtl="0" eaLnBrk="0" fontAlgn="base" latinLnBrk="0" hangingPunct="0">
+              <a:lnSpc>
+                <a:spcPct val="100000"/>
+              </a:lnSpc>
+              <a:spcBef>
+                <a:spcPct val="0"/>
+              </a:spcBef>
+              <a:spcAft>
+                <a:spcPct val="0"/>
+              </a:spcAft>
+              <a:buClrTx/>
+              <a:buSzTx/>
+              <a:buFontTx/>
+              <a:buNone/>
+              <a:tabLst/>
+            </a:pPr>
+            <a:r>
+              <a:rPr kumimoji="0" lang="en-US" altLang="en-US" sz="2400" b="0" i="0" u="none" strike="noStrike" cap="none" normalizeH="0" baseline="0" dirty="0">
+                <a:ln>
+                  <a:noFill/>
+                </a:ln>
+                <a:solidFill>
+                  <a:srgbClr val="660066"/>
+                </a:solidFill>
+                <a:effectLst/>
+                <a:latin typeface="Consolas" panose="020B0609020204030204" pitchFamily="49" charset="0"/>
+              </a:rPr>
+              <a:t>List</a:t>
+            </a:r>
+            <a:r>
+              <a:rPr kumimoji="0" lang="en-US" altLang="en-US" sz="2400" b="0" i="0" u="none" strike="noStrike" cap="none" normalizeH="0" baseline="0" dirty="0">
+                <a:ln>
+                  <a:noFill/>
+                </a:ln>
+                <a:solidFill>
+                  <a:srgbClr val="666600"/>
+                </a:solidFill>
+                <a:effectLst/>
+                <a:latin typeface="Consolas" panose="020B0609020204030204" pitchFamily="49" charset="0"/>
+              </a:rPr>
+              <a:t>&lt;</a:t>
+            </a:r>
+            <a:r>
+              <a:rPr kumimoji="0" lang="en-US" altLang="en-US" sz="2400" b="0" i="0" u="none" strike="noStrike" cap="none" normalizeH="0" baseline="0" dirty="0">
+                <a:ln>
+                  <a:noFill/>
+                </a:ln>
+                <a:solidFill>
+                  <a:srgbClr val="660066"/>
+                </a:solidFill>
+                <a:effectLst/>
+                <a:latin typeface="Consolas" panose="020B0609020204030204" pitchFamily="49" charset="0"/>
+              </a:rPr>
+              <a:t>Employee</a:t>
+            </a:r>
+            <a:r>
+              <a:rPr kumimoji="0" lang="en-US" altLang="en-US" sz="2400" b="0" i="0" u="none" strike="noStrike" cap="none" normalizeH="0" baseline="0" dirty="0">
+                <a:ln>
+                  <a:noFill/>
+                </a:ln>
+                <a:solidFill>
+                  <a:srgbClr val="666600"/>
+                </a:solidFill>
+                <a:effectLst/>
+                <a:latin typeface="Consolas" panose="020B0609020204030204" pitchFamily="49" charset="0"/>
+              </a:rPr>
+              <a:t>&gt;</a:t>
+            </a:r>
+            <a:r>
+              <a:rPr kumimoji="0" lang="en-US" altLang="en-US" sz="2400" b="0" i="0" u="none" strike="noStrike" cap="none" normalizeH="0" baseline="0" dirty="0">
+                <a:ln>
+                  <a:noFill/>
+                </a:ln>
+                <a:solidFill>
+                  <a:srgbClr val="000000"/>
+                </a:solidFill>
+                <a:effectLst/>
+                <a:latin typeface="Consolas" panose="020B0609020204030204" pitchFamily="49" charset="0"/>
+              </a:rPr>
+              <a:t> </a:t>
+            </a:r>
+            <a:r>
+              <a:rPr kumimoji="0" lang="en-US" altLang="en-US" sz="2400" b="0" i="0" u="none" strike="noStrike" cap="none" normalizeH="0" baseline="0" dirty="0" err="1">
+                <a:ln>
+                  <a:noFill/>
+                </a:ln>
+                <a:solidFill>
+                  <a:srgbClr val="000000"/>
+                </a:solidFill>
+                <a:effectLst/>
+                <a:latin typeface="Consolas" panose="020B0609020204030204" pitchFamily="49" charset="0"/>
+              </a:rPr>
+              <a:t>empList</a:t>
+            </a:r>
+            <a:r>
+              <a:rPr kumimoji="0" lang="en-US" altLang="en-US" sz="2400" b="0" i="0" u="none" strike="noStrike" cap="none" normalizeH="0" baseline="0" dirty="0">
+                <a:ln>
+                  <a:noFill/>
+                </a:ln>
+                <a:solidFill>
+                  <a:srgbClr val="000000"/>
+                </a:solidFill>
+                <a:effectLst/>
+                <a:latin typeface="Consolas" panose="020B0609020204030204" pitchFamily="49" charset="0"/>
+              </a:rPr>
+              <a:t> </a:t>
+            </a:r>
+            <a:r>
+              <a:rPr kumimoji="0" lang="en-US" altLang="en-US" sz="2400" b="0" i="0" u="none" strike="noStrike" cap="none" normalizeH="0" baseline="0" dirty="0">
+                <a:ln>
+                  <a:noFill/>
+                </a:ln>
+                <a:solidFill>
+                  <a:srgbClr val="666600"/>
+                </a:solidFill>
+                <a:effectLst/>
+                <a:latin typeface="Consolas" panose="020B0609020204030204" pitchFamily="49" charset="0"/>
+              </a:rPr>
+              <a:t>=</a:t>
+            </a:r>
+            <a:r>
+              <a:rPr kumimoji="0" lang="en-US" altLang="en-US" sz="2400" b="0" i="0" u="none" strike="noStrike" cap="none" normalizeH="0" baseline="0" dirty="0">
+                <a:ln>
+                  <a:noFill/>
+                </a:ln>
+                <a:solidFill>
+                  <a:srgbClr val="000000"/>
+                </a:solidFill>
+                <a:effectLst/>
+                <a:latin typeface="Consolas" panose="020B0609020204030204" pitchFamily="49" charset="0"/>
+              </a:rPr>
+              <a:t> </a:t>
+            </a:r>
+            <a:r>
+              <a:rPr kumimoji="0" lang="en-US" altLang="en-US" sz="2400" b="0" i="0" u="none" strike="noStrike" cap="none" normalizeH="0" baseline="0" dirty="0" err="1">
+                <a:ln>
+                  <a:noFill/>
+                </a:ln>
+                <a:solidFill>
+                  <a:srgbClr val="660066"/>
+                </a:solidFill>
+                <a:effectLst/>
+                <a:latin typeface="Consolas" panose="020B0609020204030204" pitchFamily="49" charset="0"/>
+              </a:rPr>
+              <a:t>Arrays</a:t>
+            </a:r>
+            <a:r>
+              <a:rPr kumimoji="0" lang="en-US" altLang="en-US" sz="2400" b="0" i="0" u="none" strike="noStrike" cap="none" normalizeH="0" baseline="0" dirty="0" err="1">
+                <a:ln>
+                  <a:noFill/>
+                </a:ln>
+                <a:solidFill>
+                  <a:srgbClr val="666600"/>
+                </a:solidFill>
+                <a:effectLst/>
+                <a:latin typeface="Consolas" panose="020B0609020204030204" pitchFamily="49" charset="0"/>
+              </a:rPr>
+              <a:t>.</a:t>
+            </a:r>
+            <a:r>
+              <a:rPr kumimoji="0" lang="en-US" altLang="en-US" sz="2400" b="0" i="0" u="none" strike="noStrike" cap="none" normalizeH="0" baseline="0" dirty="0" err="1">
+                <a:ln>
+                  <a:noFill/>
+                </a:ln>
+                <a:solidFill>
+                  <a:srgbClr val="000000"/>
+                </a:solidFill>
+                <a:effectLst/>
+                <a:latin typeface="Consolas" panose="020B0609020204030204" pitchFamily="49" charset="0"/>
+              </a:rPr>
+              <a:t>asList</a:t>
+            </a:r>
+            <a:r>
+              <a:rPr kumimoji="0" lang="en-US" altLang="en-US" sz="2400" b="0" i="0" u="none" strike="noStrike" cap="none" normalizeH="0" baseline="0" dirty="0">
+                <a:ln>
+                  <a:noFill/>
+                </a:ln>
+                <a:solidFill>
+                  <a:srgbClr val="666600"/>
+                </a:solidFill>
+                <a:effectLst/>
+                <a:latin typeface="Consolas" panose="020B0609020204030204" pitchFamily="49" charset="0"/>
+              </a:rPr>
+              <a:t>(</a:t>
+            </a:r>
+            <a:r>
+              <a:rPr kumimoji="0" lang="en-US" altLang="en-US" sz="2400" b="0" i="0" u="none" strike="noStrike" cap="none" normalizeH="0" baseline="0" dirty="0" err="1">
+                <a:ln>
+                  <a:noFill/>
+                </a:ln>
+                <a:solidFill>
+                  <a:srgbClr val="000000"/>
+                </a:solidFill>
+                <a:effectLst/>
+                <a:latin typeface="Consolas" panose="020B0609020204030204" pitchFamily="49" charset="0"/>
+              </a:rPr>
+              <a:t>arrayOfEmps</a:t>
+            </a:r>
+            <a:r>
+              <a:rPr kumimoji="0" lang="en-US" altLang="en-US" sz="2400" b="0" i="0" u="none" strike="noStrike" cap="none" normalizeH="0" baseline="0" dirty="0">
+                <a:ln>
+                  <a:noFill/>
+                </a:ln>
+                <a:solidFill>
+                  <a:srgbClr val="666600"/>
+                </a:solidFill>
+                <a:effectLst/>
+                <a:latin typeface="Consolas" panose="020B0609020204030204" pitchFamily="49" charset="0"/>
+              </a:rPr>
+              <a:t>);</a:t>
+            </a:r>
+          </a:p>
+          <a:p>
+            <a:pPr marL="0" marR="0" lvl="0" indent="0" algn="l" defTabSz="914400" rtl="0" eaLnBrk="0" fontAlgn="base" latinLnBrk="0" hangingPunct="0">
+              <a:lnSpc>
+                <a:spcPct val="100000"/>
+              </a:lnSpc>
+              <a:spcBef>
+                <a:spcPct val="0"/>
+              </a:spcBef>
+              <a:spcAft>
+                <a:spcPct val="0"/>
+              </a:spcAft>
+              <a:buClrTx/>
+              <a:buSzTx/>
+              <a:buFontTx/>
+              <a:buNone/>
+              <a:tabLst/>
+            </a:pPr>
+            <a:endParaRPr lang="en-US" altLang="en-US" sz="2400" dirty="0">
+              <a:solidFill>
+                <a:srgbClr val="000000"/>
+              </a:solidFill>
+              <a:latin typeface="Consolas" panose="020B0609020204030204" pitchFamily="49" charset="0"/>
+            </a:endParaRPr>
+          </a:p>
+          <a:p>
+            <a:pPr marL="0" marR="0" lvl="0" indent="0" algn="l" defTabSz="914400" rtl="0" eaLnBrk="0" fontAlgn="base" latinLnBrk="0" hangingPunct="0">
+              <a:lnSpc>
+                <a:spcPct val="100000"/>
+              </a:lnSpc>
+              <a:spcBef>
+                <a:spcPct val="0"/>
+              </a:spcBef>
+              <a:spcAft>
+                <a:spcPct val="0"/>
+              </a:spcAft>
+              <a:buClrTx/>
+              <a:buSzTx/>
+              <a:buFontTx/>
+              <a:buNone/>
+              <a:tabLst/>
+            </a:pPr>
+            <a:r>
+              <a:rPr kumimoji="0" lang="en-US" altLang="en-US" sz="2400" b="0" i="0" u="none" strike="noStrike" cap="none" normalizeH="0" baseline="0" dirty="0" err="1">
+                <a:ln>
+                  <a:noFill/>
+                </a:ln>
+                <a:solidFill>
+                  <a:srgbClr val="000000"/>
+                </a:solidFill>
+                <a:effectLst/>
+                <a:latin typeface="Consolas" panose="020B0609020204030204" pitchFamily="49" charset="0"/>
+              </a:rPr>
+              <a:t>empList</a:t>
+            </a:r>
+            <a:r>
+              <a:rPr kumimoji="0" lang="en-US" altLang="en-US" sz="2400" b="0" i="0" u="none" strike="noStrike" cap="none" normalizeH="0" baseline="0" dirty="0" err="1">
+                <a:ln>
+                  <a:noFill/>
+                </a:ln>
+                <a:solidFill>
+                  <a:srgbClr val="666600"/>
+                </a:solidFill>
+                <a:effectLst/>
+                <a:latin typeface="Consolas" panose="020B0609020204030204" pitchFamily="49" charset="0"/>
+              </a:rPr>
+              <a:t>.</a:t>
+            </a:r>
+            <a:r>
+              <a:rPr kumimoji="0" lang="en-US" altLang="en-US" sz="2400" b="0" i="0" u="none" strike="noStrike" cap="none" normalizeH="0" baseline="0" dirty="0" err="1">
+                <a:ln>
+                  <a:noFill/>
+                </a:ln>
+                <a:solidFill>
+                  <a:srgbClr val="000000"/>
+                </a:solidFill>
+                <a:effectLst/>
+                <a:latin typeface="Consolas" panose="020B0609020204030204" pitchFamily="49" charset="0"/>
+              </a:rPr>
+              <a:t>stream</a:t>
+            </a:r>
+            <a:r>
+              <a:rPr kumimoji="0" lang="en-US" altLang="en-US" sz="2400" b="0" i="0" u="none" strike="noStrike" cap="none" normalizeH="0" baseline="0" dirty="0">
+                <a:ln>
+                  <a:noFill/>
+                </a:ln>
+                <a:solidFill>
+                  <a:srgbClr val="666600"/>
+                </a:solidFill>
+                <a:effectLst/>
+                <a:latin typeface="Consolas" panose="020B0609020204030204" pitchFamily="49" charset="0"/>
+              </a:rPr>
+              <a:t>();</a:t>
+            </a:r>
+            <a:r>
+              <a:rPr kumimoji="0" lang="en-US" altLang="en-US" sz="2400" b="0" i="0" u="none" strike="noStrike" cap="none" normalizeH="0" baseline="0" dirty="0">
+                <a:ln>
+                  <a:noFill/>
+                </a:ln>
+                <a:solidFill>
+                  <a:schemeClr val="tx1"/>
+                </a:solidFill>
+                <a:effectLst/>
+              </a:rPr>
+              <a:t> </a:t>
+            </a:r>
+            <a:endParaRPr kumimoji="0" lang="en-US" altLang="en-US" sz="2400" b="0" i="0" u="none" strike="noStrike" cap="none" normalizeH="0" baseline="0" dirty="0">
+              <a:ln>
+                <a:noFill/>
+              </a:ln>
+              <a:solidFill>
+                <a:schemeClr val="tx1"/>
+              </a:solidFill>
+              <a:effectLst/>
+              <a:latin typeface="Arial" panose="020B0604020202020204" pitchFamily="34" charset="0"/>
+            </a:endParaRPr>
+          </a:p>
+        </p:txBody>
+      </p:sp>
+    </p:spTree>
+    <p:extLst>
+      <p:ext uri="{BB962C8B-B14F-4D97-AF65-F5344CB8AC3E}">
+        <p14:creationId xmlns:p14="http://schemas.microsoft.com/office/powerpoint/2010/main" val="928471011"/>
+      </p:ext>
+    </p:extLst>
+  </p:cSld>
+  <p:clrMapOvr>
+    <a:masterClrMapping/>
+  </p:clrMapOvr>
+</p:sld>
+</file>
+
+<file path=ppt/slides/slide17.xml><?xml version="1.0" encoding="utf-8"?>
+<p:sld xmlns:a="http://schemas.openxmlformats.org/drawingml/2006/main" xmlns:r="http://schemas.openxmlformats.org/officeDocument/2006/relationships" xmlns:p="http://schemas.openxmlformats.org/presentationml/2006/main">
+  <p:cSld>
+    <p:spTree>
+      <p:nvGrpSpPr>
+        <p:cNvPr id="1" name=""/>
+        <p:cNvGrpSpPr/>
+        <p:nvPr/>
+      </p:nvGrpSpPr>
+      <p:grpSpPr>
+        <a:xfrm>
+          <a:off x="0" y="0"/>
+          <a:ext cx="0" cy="0"/>
+          <a:chOff x="0" y="0"/>
+          <a:chExt cx="0" cy="0"/>
+        </a:xfrm>
+      </p:grpSpPr>
+      <p:sp>
+        <p:nvSpPr>
+          <p:cNvPr id="2" name="Title 1">
+            <a:extLst>
+              <a:ext uri="{FF2B5EF4-FFF2-40B4-BE49-F238E27FC236}">
+                <a16:creationId xmlns:a16="http://schemas.microsoft.com/office/drawing/2014/main" id="{ED503D44-BFEF-486C-92B2-25F7D584BB86}"/>
+              </a:ext>
+            </a:extLst>
+          </p:cNvPr>
+          <p:cNvSpPr>
+            <a:spLocks noGrp="1"/>
+          </p:cNvSpPr>
+          <p:nvPr>
+            <p:ph type="title"/>
+          </p:nvPr>
+        </p:nvSpPr>
+        <p:spPr/>
+        <p:txBody>
+          <a:bodyPr/>
+          <a:lstStyle/>
+          <a:p>
+            <a:r>
+              <a:rPr lang="en-US" dirty="0"/>
+              <a:t>Additional Resources</a:t>
+            </a:r>
+          </a:p>
+        </p:txBody>
+      </p:sp>
+      <p:sp>
+        <p:nvSpPr>
+          <p:cNvPr id="3" name="Content Placeholder 2">
+            <a:extLst>
+              <a:ext uri="{FF2B5EF4-FFF2-40B4-BE49-F238E27FC236}">
+                <a16:creationId xmlns:a16="http://schemas.microsoft.com/office/drawing/2014/main" id="{968C26B8-9E12-4ED3-9FBF-CFB685806119}"/>
+              </a:ext>
+            </a:extLst>
+          </p:cNvPr>
+          <p:cNvSpPr>
+            <a:spLocks noGrp="1"/>
+          </p:cNvSpPr>
+          <p:nvPr>
+            <p:ph idx="1"/>
+          </p:nvPr>
+        </p:nvSpPr>
+        <p:spPr/>
+        <p:txBody>
+          <a:bodyPr/>
+          <a:lstStyle/>
+          <a:p>
+            <a:r>
+              <a:rPr lang="en-US" dirty="0">
+                <a:hlinkClick r:id="rId2"/>
+              </a:rPr>
+              <a:t>https://stackify.com/streams-guide-java-8/</a:t>
+            </a:r>
+            <a:endParaRPr lang="en-US" dirty="0"/>
+          </a:p>
+          <a:p>
+            <a:r>
+              <a:rPr lang="en-US" dirty="0">
+                <a:hlinkClick r:id="rId3"/>
+              </a:rPr>
+              <a:t>https://www.baeldung.com/java-8-streams</a:t>
+            </a:r>
+            <a:endParaRPr lang="en-US" dirty="0"/>
+          </a:p>
+          <a:p>
+            <a:endParaRPr lang="en-US" dirty="0"/>
+          </a:p>
+        </p:txBody>
+      </p:sp>
+      <p:sp>
+        <p:nvSpPr>
+          <p:cNvPr id="4" name="Slide Number Placeholder 3">
+            <a:extLst>
+              <a:ext uri="{FF2B5EF4-FFF2-40B4-BE49-F238E27FC236}">
+                <a16:creationId xmlns:a16="http://schemas.microsoft.com/office/drawing/2014/main" id="{95C4AEE3-FE49-498A-A87D-FC4BE7639587}"/>
+              </a:ext>
+            </a:extLst>
+          </p:cNvPr>
+          <p:cNvSpPr>
+            <a:spLocks noGrp="1"/>
+          </p:cNvSpPr>
+          <p:nvPr>
+            <p:ph type="sldNum" sz="quarter" idx="12"/>
+          </p:nvPr>
+        </p:nvSpPr>
+        <p:spPr/>
+        <p:txBody>
+          <a:bodyPr/>
+          <a:lstStyle/>
+          <a:p>
+            <a:fld id="{945DE137-1981-4A6E-942B-1AACE1746372}" type="slidenum">
+              <a:rPr lang="en-US" smtClean="0"/>
+              <a:t>17</a:t>
+            </a:fld>
+            <a:endParaRPr lang="en-US"/>
+          </a:p>
+        </p:txBody>
+      </p:sp>
+    </p:spTree>
+    <p:extLst>
+      <p:ext uri="{BB962C8B-B14F-4D97-AF65-F5344CB8AC3E}">
+        <p14:creationId xmlns:p14="http://schemas.microsoft.com/office/powerpoint/2010/main" val="2545348796"/>
+      </p:ext>
+    </p:extLst>
+  </p:cSld>
+  <p:clrMapOvr>
+    <a:masterClrMapping/>
+  </p:clrMapOvr>
+</p:sld>
+</file>
+
+<file path=ppt/slides/slide18.xml><?xml version="1.0" encoding="utf-8"?>
+<p:sld xmlns:a="http://schemas.openxmlformats.org/drawingml/2006/main" xmlns:r="http://schemas.openxmlformats.org/officeDocument/2006/relationships" xmlns:p="http://schemas.openxmlformats.org/presentationml/2006/main">
+  <p:cSld>
+    <p:spTree>
+      <p:nvGrpSpPr>
+        <p:cNvPr id="1" name=""/>
+        <p:cNvGrpSpPr/>
+        <p:nvPr/>
+      </p:nvGrpSpPr>
+      <p:grpSpPr>
+        <a:xfrm>
+          <a:off x="0" y="0"/>
+          <a:ext cx="0" cy="0"/>
+          <a:chOff x="0" y="0"/>
+          <a:chExt cx="0" cy="0"/>
+        </a:xfrm>
+      </p:grpSpPr>
+      <p:sp>
+        <p:nvSpPr>
+          <p:cNvPr id="5" name="Title 4">
+            <a:extLst>
+              <a:ext uri="{FF2B5EF4-FFF2-40B4-BE49-F238E27FC236}">
+                <a16:creationId xmlns:a16="http://schemas.microsoft.com/office/drawing/2014/main" id="{3451DC19-7301-4A76-B7B6-014CEED408FB}"/>
+              </a:ext>
+            </a:extLst>
+          </p:cNvPr>
+          <p:cNvSpPr>
+            <a:spLocks noGrp="1"/>
+          </p:cNvSpPr>
+          <p:nvPr>
+            <p:ph type="title"/>
+          </p:nvPr>
+        </p:nvSpPr>
+        <p:spPr>
+          <a:xfrm>
+            <a:off x="1150776" y="1709738"/>
+            <a:ext cx="10196674" cy="2852737"/>
+          </a:xfrm>
+        </p:spPr>
+        <p:txBody>
+          <a:bodyPr/>
+          <a:lstStyle/>
+          <a:p>
+            <a:r>
+              <a:rPr lang="en-US" dirty="0"/>
+              <a:t>Coding Time!</a:t>
+            </a:r>
+          </a:p>
+        </p:txBody>
+      </p:sp>
+      <p:sp>
+        <p:nvSpPr>
+          <p:cNvPr id="6" name="Text Placeholder 5">
+            <a:extLst>
+              <a:ext uri="{FF2B5EF4-FFF2-40B4-BE49-F238E27FC236}">
+                <a16:creationId xmlns:a16="http://schemas.microsoft.com/office/drawing/2014/main" id="{754D214E-977A-482D-A3DE-7361432EDF97}"/>
+              </a:ext>
+            </a:extLst>
+          </p:cNvPr>
+          <p:cNvSpPr>
+            <a:spLocks noGrp="1"/>
+          </p:cNvSpPr>
+          <p:nvPr>
+            <p:ph type="body" idx="1"/>
+          </p:nvPr>
+        </p:nvSpPr>
+        <p:spPr/>
+        <p:txBody>
+          <a:bodyPr/>
+          <a:lstStyle/>
+          <a:p>
+            <a:r>
+              <a:rPr lang="en-US" dirty="0"/>
+              <a:t>Let’s streamline our </a:t>
+            </a:r>
+            <a:r>
+              <a:rPr lang="en-US" dirty="0" err="1"/>
+              <a:t>LoggingWorker</a:t>
+            </a:r>
+            <a:r>
+              <a:rPr lang="en-US" dirty="0"/>
+              <a:t> even more </a:t>
+            </a:r>
+            <a:r>
+              <a:rPr lang="en-US"/>
+              <a:t>with Streams</a:t>
+            </a:r>
+            <a:endParaRPr lang="en-US" dirty="0"/>
+          </a:p>
+        </p:txBody>
+      </p:sp>
+      <p:sp>
+        <p:nvSpPr>
+          <p:cNvPr id="4" name="Slide Number Placeholder 3">
+            <a:extLst>
+              <a:ext uri="{FF2B5EF4-FFF2-40B4-BE49-F238E27FC236}">
+                <a16:creationId xmlns:a16="http://schemas.microsoft.com/office/drawing/2014/main" id="{14599AA1-E29D-4CBB-84B3-17CEEDE3EC17}"/>
+              </a:ext>
+            </a:extLst>
+          </p:cNvPr>
+          <p:cNvSpPr>
+            <a:spLocks noGrp="1"/>
+          </p:cNvSpPr>
+          <p:nvPr>
+            <p:ph type="sldNum" sz="quarter" idx="12"/>
+          </p:nvPr>
+        </p:nvSpPr>
+        <p:spPr/>
+        <p:txBody>
+          <a:bodyPr/>
+          <a:lstStyle/>
+          <a:p>
+            <a:fld id="{945DE137-1981-4A6E-942B-1AACE1746372}" type="slidenum">
+              <a:rPr lang="en-US" smtClean="0"/>
+              <a:t>18</a:t>
+            </a:fld>
+            <a:endParaRPr lang="en-US"/>
+          </a:p>
+        </p:txBody>
+      </p:sp>
+      <p:pic>
+        <p:nvPicPr>
+          <p:cNvPr id="7" name="Picture 6">
+            <a:extLst>
+              <a:ext uri="{FF2B5EF4-FFF2-40B4-BE49-F238E27FC236}">
+                <a16:creationId xmlns:a16="http://schemas.microsoft.com/office/drawing/2014/main" id="{888FCB96-D3A3-42C6-B731-120ECD1335E0}"/>
+              </a:ext>
+            </a:extLst>
+          </p:cNvPr>
+          <p:cNvPicPr>
+            <a:picLocks noChangeAspect="1"/>
+          </p:cNvPicPr>
+          <p:nvPr/>
+        </p:nvPicPr>
+        <p:blipFill>
+          <a:blip r:embed="rId3"/>
+          <a:stretch>
+            <a:fillRect/>
+          </a:stretch>
+        </p:blipFill>
+        <p:spPr>
+          <a:xfrm>
+            <a:off x="298404" y="3395382"/>
+            <a:ext cx="1066892" cy="1066892"/>
+          </a:xfrm>
+          <a:prstGeom prst="rect">
+            <a:avLst/>
+          </a:prstGeom>
+        </p:spPr>
+      </p:pic>
+    </p:spTree>
+    <p:extLst>
+      <p:ext uri="{BB962C8B-B14F-4D97-AF65-F5344CB8AC3E}">
+        <p14:creationId xmlns:p14="http://schemas.microsoft.com/office/powerpoint/2010/main" val="2000822425"/>
+      </p:ext>
+    </p:extLst>
+  </p:cSld>
+  <p:clrMapOvr>
+    <a:masterClrMapping/>
+  </p:clrMapOvr>
+</p:sld>
+</file>
+
+<file path=ppt/slides/slide19.xml><?xml version="1.0" encoding="utf-8"?>
+<p:sld xmlns:a="http://schemas.openxmlformats.org/drawingml/2006/main" xmlns:r="http://schemas.openxmlformats.org/officeDocument/2006/relationships" xmlns:p="http://schemas.openxmlformats.org/presentationml/2006/main">
+  <p:cSld>
+    <p:spTree>
+      <p:nvGrpSpPr>
+        <p:cNvPr id="1" name=""/>
+        <p:cNvGrpSpPr/>
+        <p:nvPr/>
+      </p:nvGrpSpPr>
+      <p:grpSpPr>
+        <a:xfrm>
+          <a:off x="0" y="0"/>
+          <a:ext cx="0" cy="0"/>
+          <a:chOff x="0" y="0"/>
+          <a:chExt cx="0" cy="0"/>
+        </a:xfrm>
+      </p:grpSpPr>
+      <p:sp>
+        <p:nvSpPr>
+          <p:cNvPr id="5" name="Title 4">
+            <a:extLst>
+              <a:ext uri="{FF2B5EF4-FFF2-40B4-BE49-F238E27FC236}">
+                <a16:creationId xmlns:a16="http://schemas.microsoft.com/office/drawing/2014/main" id="{6067A831-CE5C-4FB9-9202-1D0AF3039898}"/>
+              </a:ext>
+            </a:extLst>
+          </p:cNvPr>
+          <p:cNvSpPr>
+            <a:spLocks noGrp="1"/>
+          </p:cNvSpPr>
+          <p:nvPr>
+            <p:ph type="title"/>
+          </p:nvPr>
+        </p:nvSpPr>
+        <p:spPr/>
+        <p:txBody>
+          <a:bodyPr/>
+          <a:lstStyle/>
+          <a:p>
+            <a:r>
+              <a:rPr lang="en-US" dirty="0"/>
+              <a:t>Observables</a:t>
+            </a:r>
+          </a:p>
+        </p:txBody>
+      </p:sp>
+      <p:sp>
+        <p:nvSpPr>
+          <p:cNvPr id="7" name="Text Placeholder 6">
+            <a:extLst>
+              <a:ext uri="{FF2B5EF4-FFF2-40B4-BE49-F238E27FC236}">
+                <a16:creationId xmlns:a16="http://schemas.microsoft.com/office/drawing/2014/main" id="{D222B0B5-7223-4EC7-B2BC-492302CDC412}"/>
+              </a:ext>
+            </a:extLst>
+          </p:cNvPr>
+          <p:cNvSpPr>
+            <a:spLocks noGrp="1"/>
+          </p:cNvSpPr>
+          <p:nvPr>
+            <p:ph type="body" idx="1"/>
+          </p:nvPr>
+        </p:nvSpPr>
+        <p:spPr/>
+        <p:txBody>
+          <a:bodyPr/>
+          <a:lstStyle/>
+          <a:p>
+            <a:endParaRPr lang="en-US"/>
+          </a:p>
+        </p:txBody>
+      </p:sp>
+      <p:sp>
+        <p:nvSpPr>
+          <p:cNvPr id="4" name="Slide Number Placeholder 3">
+            <a:extLst>
+              <a:ext uri="{FF2B5EF4-FFF2-40B4-BE49-F238E27FC236}">
+                <a16:creationId xmlns:a16="http://schemas.microsoft.com/office/drawing/2014/main" id="{F11632F6-D403-4F4D-8F7C-32CD42E792A4}"/>
+              </a:ext>
+            </a:extLst>
+          </p:cNvPr>
+          <p:cNvSpPr>
+            <a:spLocks noGrp="1"/>
+          </p:cNvSpPr>
+          <p:nvPr>
+            <p:ph type="sldNum" sz="quarter" idx="12"/>
+          </p:nvPr>
+        </p:nvSpPr>
+        <p:spPr/>
+        <p:txBody>
+          <a:bodyPr/>
+          <a:lstStyle/>
+          <a:p>
+            <a:fld id="{945DE137-1981-4A6E-942B-1AACE1746372}" type="slidenum">
+              <a:rPr lang="en-US" smtClean="0"/>
+              <a:t>19</a:t>
+            </a:fld>
+            <a:endParaRPr lang="en-US"/>
+          </a:p>
+        </p:txBody>
+      </p:sp>
+    </p:spTree>
+    <p:extLst>
+      <p:ext uri="{BB962C8B-B14F-4D97-AF65-F5344CB8AC3E}">
+        <p14:creationId xmlns:p14="http://schemas.microsoft.com/office/powerpoint/2010/main" val="3274359751"/>
+      </p:ext>
+    </p:extLst>
+  </p:cSld>
+  <p:clrMapOvr>
+    <a:masterClrMapping/>
+  </p:clrMapOvr>
+</p:sld>
+</file>
+
+<file path=ppt/slides/slide2.xml><?xml version="1.0" encoding="utf-8"?>
+<p:sld xmlns:a="http://schemas.openxmlformats.org/drawingml/2006/main" xmlns:r="http://schemas.openxmlformats.org/officeDocument/2006/relationships" xmlns:p="http://schemas.openxmlformats.org/presentationml/2006/main">
+  <p:cSld>
+    <p:spTree>
+      <p:nvGrpSpPr>
+        <p:cNvPr id="1" name=""/>
+        <p:cNvGrpSpPr/>
+        <p:nvPr/>
+      </p:nvGrpSpPr>
+      <p:grpSpPr>
+        <a:xfrm>
+          <a:off x="0" y="0"/>
+          <a:ext cx="0" cy="0"/>
+          <a:chOff x="0" y="0"/>
+          <a:chExt cx="0" cy="0"/>
+        </a:xfrm>
+      </p:grpSpPr>
+      <p:sp>
+        <p:nvSpPr>
+          <p:cNvPr id="2" name="Title 1">
+            <a:extLst>
+              <a:ext uri="{FF2B5EF4-FFF2-40B4-BE49-F238E27FC236}">
+                <a16:creationId xmlns:a16="http://schemas.microsoft.com/office/drawing/2014/main" id="{65944CE2-51B1-4B0B-BFA3-08D4FDB5FBF0}"/>
+              </a:ext>
+            </a:extLst>
+          </p:cNvPr>
+          <p:cNvSpPr>
+            <a:spLocks noGrp="1"/>
+          </p:cNvSpPr>
+          <p:nvPr>
+            <p:ph type="title"/>
+          </p:nvPr>
+        </p:nvSpPr>
+        <p:spPr/>
+        <p:txBody>
+          <a:bodyPr/>
+          <a:lstStyle/>
+          <a:p>
+            <a:r>
+              <a:rPr lang="en-US" dirty="0"/>
+              <a:t>Lesson Goals:</a:t>
+            </a:r>
+          </a:p>
+        </p:txBody>
+      </p:sp>
+      <p:sp>
+        <p:nvSpPr>
+          <p:cNvPr id="3" name="Content Placeholder 2">
+            <a:extLst>
+              <a:ext uri="{FF2B5EF4-FFF2-40B4-BE49-F238E27FC236}">
+                <a16:creationId xmlns:a16="http://schemas.microsoft.com/office/drawing/2014/main" id="{879089F3-F828-48F0-AEB3-6E88969AA0D7}"/>
+              </a:ext>
+            </a:extLst>
+          </p:cNvPr>
+          <p:cNvSpPr>
+            <a:spLocks noGrp="1"/>
+          </p:cNvSpPr>
+          <p:nvPr>
+            <p:ph idx="1"/>
+          </p:nvPr>
+        </p:nvSpPr>
+        <p:spPr/>
+        <p:txBody>
+          <a:bodyPr/>
+          <a:lstStyle/>
+          <a:p>
+            <a:pPr lvl="0"/>
+            <a:r>
+              <a:rPr lang="en-US" dirty="0"/>
+              <a:t>Batching/Prefetching from Worker Queues </a:t>
+            </a:r>
+          </a:p>
+          <a:p>
+            <a:pPr lvl="0"/>
+            <a:r>
+              <a:rPr lang="en-US" dirty="0"/>
+              <a:t>Timers</a:t>
+            </a:r>
+          </a:p>
+          <a:p>
+            <a:pPr lvl="0"/>
+            <a:r>
+              <a:rPr lang="en-US" dirty="0"/>
+              <a:t>Other approaches to Thread management</a:t>
+            </a:r>
+          </a:p>
+          <a:p>
+            <a:pPr lvl="0"/>
+            <a:r>
+              <a:rPr lang="en-US" dirty="0"/>
+              <a:t>Futures </a:t>
+            </a:r>
+          </a:p>
+          <a:p>
+            <a:r>
+              <a:rPr lang="en-US" dirty="0"/>
+              <a:t>Observables and Streams</a:t>
+            </a:r>
+          </a:p>
+        </p:txBody>
+      </p:sp>
+      <p:sp>
+        <p:nvSpPr>
+          <p:cNvPr id="4" name="Slide Number Placeholder 3">
+            <a:extLst>
+              <a:ext uri="{FF2B5EF4-FFF2-40B4-BE49-F238E27FC236}">
+                <a16:creationId xmlns:a16="http://schemas.microsoft.com/office/drawing/2014/main" id="{46A02775-028E-4110-911D-0F3F14E13102}"/>
+              </a:ext>
+            </a:extLst>
+          </p:cNvPr>
+          <p:cNvSpPr>
+            <a:spLocks noGrp="1"/>
+          </p:cNvSpPr>
+          <p:nvPr>
+            <p:ph type="sldNum" sz="quarter" idx="12"/>
+          </p:nvPr>
+        </p:nvSpPr>
+        <p:spPr/>
+        <p:txBody>
+          <a:bodyPr/>
+          <a:lstStyle/>
+          <a:p>
+            <a:fld id="{945DE137-1981-4A6E-942B-1AACE1746372}" type="slidenum">
+              <a:rPr lang="en-US" smtClean="0"/>
+              <a:t>2</a:t>
+            </a:fld>
+            <a:endParaRPr lang="en-US"/>
+          </a:p>
+        </p:txBody>
+      </p:sp>
+    </p:spTree>
+    <p:extLst>
+      <p:ext uri="{BB962C8B-B14F-4D97-AF65-F5344CB8AC3E}">
+        <p14:creationId xmlns:p14="http://schemas.microsoft.com/office/powerpoint/2010/main" val="2781154489"/>
+      </p:ext>
+    </p:extLst>
+  </p:cSld>
+  <p:clrMapOvr>
+    <a:masterClrMapping/>
+  </p:clrMapOvr>
+</p:sld>
+</file>
+
+<file path=ppt/slides/slide20.xml><?xml version="1.0" encoding="utf-8"?>
+<p:sld xmlns:a="http://schemas.openxmlformats.org/drawingml/2006/main" xmlns:r="http://schemas.openxmlformats.org/officeDocument/2006/relationships" xmlns:p="http://schemas.openxmlformats.org/presentationml/2006/main">
+  <p:cSld>
+    <p:spTree>
+      <p:nvGrpSpPr>
+        <p:cNvPr id="1" name=""/>
+        <p:cNvGrpSpPr/>
+        <p:nvPr/>
+      </p:nvGrpSpPr>
+      <p:grpSpPr>
+        <a:xfrm>
+          <a:off x="0" y="0"/>
+          <a:ext cx="0" cy="0"/>
+          <a:chOff x="0" y="0"/>
+          <a:chExt cx="0" cy="0"/>
+        </a:xfrm>
+      </p:grpSpPr>
+      <p:sp>
+        <p:nvSpPr>
+          <p:cNvPr id="5" name="Title 4">
+            <a:extLst>
+              <a:ext uri="{FF2B5EF4-FFF2-40B4-BE49-F238E27FC236}">
+                <a16:creationId xmlns:a16="http://schemas.microsoft.com/office/drawing/2014/main" id="{F2B7EE04-3F1C-4CBE-BBFD-363CA72C1155}"/>
+              </a:ext>
+            </a:extLst>
+          </p:cNvPr>
+          <p:cNvSpPr>
+            <a:spLocks noGrp="1"/>
+          </p:cNvSpPr>
+          <p:nvPr>
+            <p:ph type="title"/>
+          </p:nvPr>
+        </p:nvSpPr>
+        <p:spPr/>
+        <p:txBody>
+          <a:bodyPr/>
+          <a:lstStyle/>
+          <a:p>
+            <a:r>
+              <a:rPr lang="en-US" dirty="0"/>
+              <a:t>Observer Pattern</a:t>
+            </a:r>
+          </a:p>
+        </p:txBody>
+      </p:sp>
+      <p:sp>
+        <p:nvSpPr>
+          <p:cNvPr id="6" name="Content Placeholder 5">
+            <a:extLst>
+              <a:ext uri="{FF2B5EF4-FFF2-40B4-BE49-F238E27FC236}">
+                <a16:creationId xmlns:a16="http://schemas.microsoft.com/office/drawing/2014/main" id="{9BF63F7C-CD45-446E-8F6D-638A195A402F}"/>
+              </a:ext>
+            </a:extLst>
+          </p:cNvPr>
+          <p:cNvSpPr>
+            <a:spLocks noGrp="1"/>
+          </p:cNvSpPr>
+          <p:nvPr>
+            <p:ph idx="1"/>
+          </p:nvPr>
+        </p:nvSpPr>
+        <p:spPr/>
+        <p:txBody>
+          <a:bodyPr>
+            <a:normAutofit/>
+          </a:bodyPr>
+          <a:lstStyle/>
+          <a:p>
+            <a:r>
+              <a:rPr lang="en-US" dirty="0"/>
+              <a:t>A software design pattern in which an object, called the </a:t>
+            </a:r>
+            <a:r>
+              <a:rPr lang="en-US" b="1" i="1" dirty="0"/>
+              <a:t>subject</a:t>
+            </a:r>
+            <a:r>
+              <a:rPr lang="en-US" dirty="0"/>
+              <a:t>, maintains a list of its dependents, called </a:t>
+            </a:r>
+            <a:r>
+              <a:rPr lang="en-US" b="1" i="1" dirty="0"/>
+              <a:t>observer</a:t>
+            </a:r>
+            <a:r>
+              <a:rPr lang="en-US" i="1" dirty="0"/>
+              <a:t>s</a:t>
+            </a:r>
+            <a:r>
+              <a:rPr lang="en-US" dirty="0"/>
+              <a:t>, and notifies them automatically of any state changes.</a:t>
+            </a:r>
+          </a:p>
+          <a:p>
+            <a:r>
+              <a:rPr lang="en-US" dirty="0"/>
+              <a:t>The Observer pattern addresses the following problems:</a:t>
+            </a:r>
+          </a:p>
+          <a:p>
+            <a:pPr lvl="1"/>
+            <a:r>
+              <a:rPr lang="en-US" dirty="0"/>
+              <a:t>A one-to-many dependency between objects should be defined without making the objects tightly coupled.</a:t>
+            </a:r>
+          </a:p>
+          <a:p>
+            <a:pPr lvl="1"/>
+            <a:r>
+              <a:rPr lang="en-US" dirty="0"/>
+              <a:t>It should be ensured that when one object changes state an open-ended number of dependent objects are updated automatically.</a:t>
+            </a:r>
+          </a:p>
+          <a:p>
+            <a:pPr lvl="1"/>
+            <a:r>
+              <a:rPr lang="en-US" dirty="0"/>
+              <a:t>It should be possible that one object can notify an open-ended number of other objects.</a:t>
+            </a:r>
+          </a:p>
+          <a:p>
+            <a:endParaRPr lang="en-US" dirty="0"/>
+          </a:p>
+        </p:txBody>
+      </p:sp>
+      <p:sp>
+        <p:nvSpPr>
+          <p:cNvPr id="4" name="Slide Number Placeholder 3">
+            <a:extLst>
+              <a:ext uri="{FF2B5EF4-FFF2-40B4-BE49-F238E27FC236}">
+                <a16:creationId xmlns:a16="http://schemas.microsoft.com/office/drawing/2014/main" id="{8410DA25-57A4-4721-9FA2-8D27EA997748}"/>
+              </a:ext>
+            </a:extLst>
+          </p:cNvPr>
+          <p:cNvSpPr>
+            <a:spLocks noGrp="1"/>
+          </p:cNvSpPr>
+          <p:nvPr>
+            <p:ph type="sldNum" sz="quarter" idx="12"/>
+          </p:nvPr>
+        </p:nvSpPr>
+        <p:spPr/>
+        <p:txBody>
+          <a:bodyPr/>
+          <a:lstStyle/>
+          <a:p>
+            <a:fld id="{945DE137-1981-4A6E-942B-1AACE1746372}" type="slidenum">
+              <a:rPr lang="en-US" smtClean="0"/>
+              <a:t>20</a:t>
+            </a:fld>
+            <a:endParaRPr lang="en-US"/>
+          </a:p>
+        </p:txBody>
+      </p:sp>
+    </p:spTree>
+    <p:extLst>
+      <p:ext uri="{BB962C8B-B14F-4D97-AF65-F5344CB8AC3E}">
+        <p14:creationId xmlns:p14="http://schemas.microsoft.com/office/powerpoint/2010/main" val="3157344458"/>
+      </p:ext>
+    </p:extLst>
+  </p:cSld>
+  <p:clrMapOvr>
+    <a:masterClrMapping/>
+  </p:clrMapOvr>
+</p:sld>
+</file>
+
+<file path=ppt/slides/slide21.xml><?xml version="1.0" encoding="utf-8"?>
+<p:sld xmlns:a="http://schemas.openxmlformats.org/drawingml/2006/main" xmlns:r="http://schemas.openxmlformats.org/officeDocument/2006/relationships" xmlns:p="http://schemas.openxmlformats.org/presentationml/2006/main">
+  <p:cSld>
+    <p:spTree>
+      <p:nvGrpSpPr>
+        <p:cNvPr id="1" name=""/>
+        <p:cNvGrpSpPr/>
+        <p:nvPr/>
+      </p:nvGrpSpPr>
+      <p:grpSpPr>
+        <a:xfrm>
+          <a:off x="0" y="0"/>
+          <a:ext cx="0" cy="0"/>
+          <a:chOff x="0" y="0"/>
+          <a:chExt cx="0" cy="0"/>
+        </a:xfrm>
+      </p:grpSpPr>
+      <p:sp>
+        <p:nvSpPr>
+          <p:cNvPr id="2" name="Title 1">
+            <a:extLst>
+              <a:ext uri="{FF2B5EF4-FFF2-40B4-BE49-F238E27FC236}">
                 <a16:creationId xmlns:a16="http://schemas.microsoft.com/office/drawing/2014/main" id="{311FFB0F-9E19-46A6-8DEA-F4AAF79CEFCE}"/>
               </a:ext>
             </a:extLst>
@@ -7232,7 +9421,7 @@
           <a:p>
             <a:fld id="{945DE137-1981-4A6E-942B-1AACE1746372}" type="slidenum">
               <a:rPr lang="en-US" smtClean="0"/>
-              <a:t>16</a:t>
+              <a:t>21</a:t>
             </a:fld>
             <a:endParaRPr lang="en-US"/>
           </a:p>
@@ -7549,7 +9738,7 @@
 </p:sld>
 </file>
 
-<file path=ppt/slides/slide17.xml><?xml version="1.0" encoding="utf-8"?>
+<file path=ppt/slides/slide22.xml><?xml version="1.0" encoding="utf-8"?>
 <p:sld xmlns:a="http://schemas.openxmlformats.org/drawingml/2006/main" xmlns:r="http://schemas.openxmlformats.org/officeDocument/2006/relationships" xmlns:p="http://schemas.openxmlformats.org/presentationml/2006/main">
   <p:cSld>
     <p:spTree>
@@ -7659,7 +9848,7 @@
           <a:p>
             <a:fld id="{945DE137-1981-4A6E-942B-1AACE1746372}" type="slidenum">
               <a:rPr lang="en-US" smtClean="0"/>
-              <a:t>17</a:t>
+              <a:t>22</a:t>
             </a:fld>
             <a:endParaRPr lang="en-US"/>
           </a:p>
@@ -7678,7 +9867,7 @@
 </p:sld>
 </file>
 
-<file path=ppt/slides/slide18.xml><?xml version="1.0" encoding="utf-8"?>
+<file path=ppt/slides/slide23.xml><?xml version="1.0" encoding="utf-8"?>
 <p:sld xmlns:a="http://schemas.openxmlformats.org/drawingml/2006/main" xmlns:r="http://schemas.openxmlformats.org/officeDocument/2006/relationships" xmlns:p="http://schemas.openxmlformats.org/presentationml/2006/main">
   <p:cSld>
     <p:spTree>
@@ -7781,7 +9970,7 @@
           <a:p>
             <a:fld id="{945DE137-1981-4A6E-942B-1AACE1746372}" type="slidenum">
               <a:rPr lang="en-US" smtClean="0"/>
-              <a:t>18</a:t>
+              <a:t>23</a:t>
             </a:fld>
             <a:endParaRPr lang="en-US"/>
           </a:p>
@@ -7830,7 +10019,7 @@
 </p:sld>
 </file>
 
-<file path=ppt/slides/slide19.xml><?xml version="1.0" encoding="utf-8"?>
+<file path=ppt/slides/slide24.xml><?xml version="1.0" encoding="utf-8"?>
 <p:sld xmlns:a="http://schemas.openxmlformats.org/drawingml/2006/main" xmlns:r="http://schemas.openxmlformats.org/officeDocument/2006/relationships" xmlns:p="http://schemas.openxmlformats.org/presentationml/2006/main">
   <p:cSld>
     <p:spTree>
@@ -7933,7 +10122,7 @@
           <a:p>
             <a:fld id="{945DE137-1981-4A6E-942B-1AACE1746372}" type="slidenum">
               <a:rPr lang="en-US" smtClean="0"/>
-              <a:t>19</a:t>
+              <a:t>24</a:t>
             </a:fld>
             <a:endParaRPr lang="en-US"/>
           </a:p>
@@ -7982,7 +10171,7 @@
 </p:sld>
 </file>
 
-<file path=ppt/slides/slide2.xml><?xml version="1.0" encoding="utf-8"?>
+<file path=ppt/slides/slide25.xml><?xml version="1.0" encoding="utf-8"?>
 <p:sld xmlns:a="http://schemas.openxmlformats.org/drawingml/2006/main" xmlns:r="http://schemas.openxmlformats.org/officeDocument/2006/relationships" xmlns:p="http://schemas.openxmlformats.org/presentationml/2006/main">
   <p:cSld>
     <p:spTree>
@@ -8004,149 +10193,6 @@
           <p:cNvPr id="2" name="Title 1">
             <a:extLst>
               <a:ext uri="{FF2B5EF4-FFF2-40B4-BE49-F238E27FC236}">
-                <a16:creationId xmlns:a16="http://schemas.microsoft.com/office/drawing/2014/main" id="{65944CE2-51B1-4B0B-BFA3-08D4FDB5FBF0}"/>
-              </a:ext>
-            </a:extLst>
-          </p:cNvPr>
-          <p:cNvSpPr>
-            <a:spLocks noGrp="1"/>
-          </p:cNvSpPr>
-          <p:nvPr>
-            <p:ph type="title"/>
-          </p:nvPr>
-        </p:nvSpPr>
-        <p:spPr/>
-        <p:txBody>
-          <a:bodyPr/>
-          <a:lstStyle/>
-          <a:p>
-            <a:r>
-              <a:rPr lang="en-US" dirty="0"/>
-              <a:t>Lesson Goals:</a:t>
-            </a:r>
-          </a:p>
-        </p:txBody>
-      </p:sp>
-      <p:sp>
-        <p:nvSpPr>
-          <p:cNvPr id="3" name="Content Placeholder 2">
-            <a:extLst>
-              <a:ext uri="{FF2B5EF4-FFF2-40B4-BE49-F238E27FC236}">
-                <a16:creationId xmlns:a16="http://schemas.microsoft.com/office/drawing/2014/main" id="{879089F3-F828-48F0-AEB3-6E88969AA0D7}"/>
-              </a:ext>
-            </a:extLst>
-          </p:cNvPr>
-          <p:cNvSpPr>
-            <a:spLocks noGrp="1"/>
-          </p:cNvSpPr>
-          <p:nvPr>
-            <p:ph idx="1"/>
-          </p:nvPr>
-        </p:nvSpPr>
-        <p:spPr/>
-        <p:txBody>
-          <a:bodyPr/>
-          <a:lstStyle/>
-          <a:p>
-            <a:pPr lvl="0"/>
-            <a:r>
-              <a:rPr lang="en-US" dirty="0"/>
-              <a:t>Batching/Prefetching from Worker Queues </a:t>
-            </a:r>
-          </a:p>
-          <a:p>
-            <a:pPr lvl="0"/>
-            <a:r>
-              <a:rPr lang="en-US" dirty="0"/>
-              <a:t>Timers</a:t>
-            </a:r>
-          </a:p>
-          <a:p>
-            <a:pPr lvl="0"/>
-            <a:r>
-              <a:rPr lang="en-US" dirty="0"/>
-              <a:t>Other approaches to Thread management</a:t>
-            </a:r>
-          </a:p>
-          <a:p>
-            <a:pPr lvl="0"/>
-            <a:r>
-              <a:rPr lang="en-US" dirty="0"/>
-              <a:t>Futures </a:t>
-            </a:r>
-          </a:p>
-          <a:p>
-            <a:r>
-              <a:rPr lang="en-US" dirty="0"/>
-              <a:t>Observables and Streams</a:t>
-            </a:r>
-          </a:p>
-        </p:txBody>
-      </p:sp>
-      <p:sp>
-        <p:nvSpPr>
-          <p:cNvPr id="4" name="Slide Number Placeholder 3">
-            <a:extLst>
-              <a:ext uri="{FF2B5EF4-FFF2-40B4-BE49-F238E27FC236}">
-                <a16:creationId xmlns:a16="http://schemas.microsoft.com/office/drawing/2014/main" id="{46A02775-028E-4110-911D-0F3F14E13102}"/>
-              </a:ext>
-            </a:extLst>
-          </p:cNvPr>
-          <p:cNvSpPr>
-            <a:spLocks noGrp="1"/>
-          </p:cNvSpPr>
-          <p:nvPr>
-            <p:ph type="sldNum" sz="quarter" idx="12"/>
-          </p:nvPr>
-        </p:nvSpPr>
-        <p:spPr/>
-        <p:txBody>
-          <a:bodyPr/>
-          <a:lstStyle/>
-          <a:p>
-            <a:fld id="{945DE137-1981-4A6E-942B-1AACE1746372}" type="slidenum">
-              <a:rPr lang="en-US" smtClean="0"/>
-              <a:t>2</a:t>
-            </a:fld>
-            <a:endParaRPr lang="en-US"/>
-          </a:p>
-        </p:txBody>
-      </p:sp>
-    </p:spTree>
-    <p:extLst>
-      <p:ext uri="{BB962C8B-B14F-4D97-AF65-F5344CB8AC3E}">
-        <p14:creationId xmlns:p14="http://schemas.microsoft.com/office/powerpoint/2010/main" val="2781154489"/>
-      </p:ext>
-    </p:extLst>
-  </p:cSld>
-  <p:clrMapOvr>
-    <a:masterClrMapping/>
-  </p:clrMapOvr>
-</p:sld>
-</file>
-
-<file path=ppt/slides/slide20.xml><?xml version="1.0" encoding="utf-8"?>
-<p:sld xmlns:a="http://schemas.openxmlformats.org/drawingml/2006/main" xmlns:r="http://schemas.openxmlformats.org/officeDocument/2006/relationships" xmlns:p="http://schemas.openxmlformats.org/presentationml/2006/main">
-  <p:cSld>
-    <p:spTree>
-      <p:nvGrpSpPr>
-        <p:cNvPr id="1" name=""/>
-        <p:cNvGrpSpPr/>
-        <p:nvPr/>
-      </p:nvGrpSpPr>
-      <p:grpSpPr>
-        <a:xfrm>
-          <a:off x="0" y="0"/>
-          <a:ext cx="0" cy="0"/>
-          <a:chOff x="0" y="0"/>
-          <a:chExt cx="0" cy="0"/>
-        </a:xfrm>
-      </p:grpSpPr>
-      <p:sp>
-        <p:nvSpPr>
-          <p:cNvPr id="2" name="Title 1">
-            <a:extLst>
-              <a:ext uri="{FF2B5EF4-FFF2-40B4-BE49-F238E27FC236}">
                 <a16:creationId xmlns:a16="http://schemas.microsoft.com/office/drawing/2014/main" id="{1F2138DE-11AB-4C3D-86FA-C881DFFDC794}"/>
               </a:ext>
             </a:extLst>
@@ -8234,7 +10280,7 @@
           <a:p>
             <a:fld id="{945DE137-1981-4A6E-942B-1AACE1746372}" type="slidenum">
               <a:rPr lang="en-US" smtClean="0"/>
-              <a:t>20</a:t>
+              <a:t>25</a:t>
             </a:fld>
             <a:endParaRPr lang="en-US"/>
           </a:p>
@@ -8283,7 +10329,7 @@
 </p:sld>
 </file>
 
-<file path=ppt/slides/slide21.xml><?xml version="1.0" encoding="utf-8"?>
+<file path=ppt/slides/slide26.xml><?xml version="1.0" encoding="utf-8"?>
 <p:sld xmlns:a="http://schemas.openxmlformats.org/drawingml/2006/main" xmlns:r="http://schemas.openxmlformats.org/officeDocument/2006/relationships" xmlns:p="http://schemas.openxmlformats.org/presentationml/2006/main">
   <p:cSld>
     <p:spTree>
@@ -8386,7 +10432,7 @@
           <a:p>
             <a:fld id="{945DE137-1981-4A6E-942B-1AACE1746372}" type="slidenum">
               <a:rPr lang="en-US" smtClean="0"/>
-              <a:t>21</a:t>
+              <a:t>26</a:t>
             </a:fld>
             <a:endParaRPr lang="en-US"/>
           </a:p>
@@ -8435,7 +10481,7 @@
 </p:sld>
 </file>
 
-<file path=ppt/slides/slide22.xml><?xml version="1.0" encoding="utf-8"?>
+<file path=ppt/slides/slide27.xml><?xml version="1.0" encoding="utf-8"?>
 <p:sld xmlns:a="http://schemas.openxmlformats.org/drawingml/2006/main" xmlns:r="http://schemas.openxmlformats.org/officeDocument/2006/relationships" xmlns:p="http://schemas.openxmlformats.org/presentationml/2006/main">
   <p:cSld>
     <p:spTree>
@@ -8546,7 +10592,7 @@
           <a:p>
             <a:fld id="{945DE137-1981-4A6E-942B-1AACE1746372}" type="slidenum">
               <a:rPr lang="en-US" smtClean="0"/>
-              <a:t>22</a:t>
+              <a:t>27</a:t>
             </a:fld>
             <a:endParaRPr lang="en-US"/>
           </a:p>
@@ -8595,7 +10641,7 @@
 </p:sld>
 </file>
 
-<file path=ppt/slides/slide23.xml><?xml version="1.0" encoding="utf-8"?>
+<file path=ppt/slides/slide28.xml><?xml version="1.0" encoding="utf-8"?>
 <p:sld xmlns:a="http://schemas.openxmlformats.org/drawingml/2006/main" xmlns:r="http://schemas.openxmlformats.org/officeDocument/2006/relationships" xmlns:p="http://schemas.openxmlformats.org/presentationml/2006/main">
   <p:cSld>
     <p:spTree>
@@ -8614,6 +10660,151 @@
       </p:grpSpPr>
       <p:sp>
         <p:nvSpPr>
+          <p:cNvPr id="2" name="Title 1">
+            <a:extLst>
+              <a:ext uri="{FF2B5EF4-FFF2-40B4-BE49-F238E27FC236}">
+                <a16:creationId xmlns:a16="http://schemas.microsoft.com/office/drawing/2014/main" id="{223AE799-47FE-4EB9-A048-1F6924007533}"/>
+              </a:ext>
+            </a:extLst>
+          </p:cNvPr>
+          <p:cNvSpPr>
+            <a:spLocks noGrp="1"/>
+          </p:cNvSpPr>
+          <p:nvPr>
+            <p:ph type="title"/>
+          </p:nvPr>
+        </p:nvSpPr>
+        <p:spPr/>
+        <p:txBody>
+          <a:bodyPr/>
+          <a:lstStyle/>
+          <a:p>
+            <a:r>
+              <a:rPr lang="en-US" dirty="0"/>
+              <a:t>Additional Resources</a:t>
+            </a:r>
+          </a:p>
+        </p:txBody>
+      </p:sp>
+      <p:sp>
+        <p:nvSpPr>
+          <p:cNvPr id="3" name="Content Placeholder 2">
+            <a:extLst>
+              <a:ext uri="{FF2B5EF4-FFF2-40B4-BE49-F238E27FC236}">
+                <a16:creationId xmlns:a16="http://schemas.microsoft.com/office/drawing/2014/main" id="{465C1F0B-8453-40DA-BC2B-8EEA378343CC}"/>
+              </a:ext>
+            </a:extLst>
+          </p:cNvPr>
+          <p:cNvSpPr>
+            <a:spLocks noGrp="1"/>
+          </p:cNvSpPr>
+          <p:nvPr>
+            <p:ph idx="1"/>
+          </p:nvPr>
+        </p:nvSpPr>
+        <p:spPr/>
+        <p:txBody>
+          <a:bodyPr/>
+          <a:lstStyle/>
+          <a:p>
+            <a:r>
+              <a:rPr lang="en-US" dirty="0">
+                <a:hlinkClick r:id="rId2"/>
+              </a:rPr>
+              <a:t>http://reactivex.io/</a:t>
+            </a:r>
+            <a:endParaRPr lang="en-US" dirty="0"/>
+          </a:p>
+          <a:p>
+            <a:r>
+              <a:rPr lang="en-US" dirty="0">
+                <a:hlinkClick r:id="rId3"/>
+              </a:rPr>
+              <a:t>https://www.baeldung.com/rx-java</a:t>
+            </a:r>
+            <a:endParaRPr lang="en-US" dirty="0"/>
+          </a:p>
+          <a:p>
+            <a:r>
+              <a:rPr lang="en-US" dirty="0">
+                <a:hlinkClick r:id="rId4"/>
+              </a:rPr>
+              <a:t>https://www.baeldung.com/rxjava-tutorial</a:t>
+            </a:r>
+            <a:endParaRPr lang="en-US" dirty="0"/>
+          </a:p>
+          <a:p>
+            <a:r>
+              <a:rPr lang="en-US" dirty="0">
+                <a:hlinkClick r:id="rId5"/>
+              </a:rPr>
+              <a:t>https://www.baeldung.com/rxjava-schedulers</a:t>
+            </a:r>
+            <a:endParaRPr lang="en-US" dirty="0"/>
+          </a:p>
+        </p:txBody>
+      </p:sp>
+      <p:sp>
+        <p:nvSpPr>
+          <p:cNvPr id="4" name="Slide Number Placeholder 3">
+            <a:extLst>
+              <a:ext uri="{FF2B5EF4-FFF2-40B4-BE49-F238E27FC236}">
+                <a16:creationId xmlns:a16="http://schemas.microsoft.com/office/drawing/2014/main" id="{46373CAC-E64E-4663-AE32-1B430FDC7C2B}"/>
+              </a:ext>
+            </a:extLst>
+          </p:cNvPr>
+          <p:cNvSpPr>
+            <a:spLocks noGrp="1"/>
+          </p:cNvSpPr>
+          <p:nvPr>
+            <p:ph type="sldNum" sz="quarter" idx="12"/>
+          </p:nvPr>
+        </p:nvSpPr>
+        <p:spPr/>
+        <p:txBody>
+          <a:bodyPr/>
+          <a:lstStyle/>
+          <a:p>
+            <a:fld id="{945DE137-1981-4A6E-942B-1AACE1746372}" type="slidenum">
+              <a:rPr lang="en-US" smtClean="0"/>
+              <a:t>28</a:t>
+            </a:fld>
+            <a:endParaRPr lang="en-US"/>
+          </a:p>
+        </p:txBody>
+      </p:sp>
+    </p:spTree>
+    <p:extLst>
+      <p:ext uri="{BB962C8B-B14F-4D97-AF65-F5344CB8AC3E}">
+        <p14:creationId xmlns:p14="http://schemas.microsoft.com/office/powerpoint/2010/main" val="3160065541"/>
+      </p:ext>
+    </p:extLst>
+  </p:cSld>
+  <p:clrMapOvr>
+    <a:masterClrMapping/>
+  </p:clrMapOvr>
+</p:sld>
+</file>
+
+<file path=ppt/slides/slide29.xml><?xml version="1.0" encoding="utf-8"?>
+<p:sld xmlns:a="http://schemas.openxmlformats.org/drawingml/2006/main" xmlns:r="http://schemas.openxmlformats.org/officeDocument/2006/relationships" xmlns:p="http://schemas.openxmlformats.org/presentationml/2006/main">
+  <p:cSld>
+    <p:spTree>
+      <p:nvGrpSpPr>
+        <p:cNvPr id="1" name=""/>
+        <p:cNvGrpSpPr/>
+        <p:nvPr/>
+      </p:nvGrpSpPr>
+      <p:grpSpPr>
+        <a:xfrm>
+          <a:off x="0" y="0"/>
+          <a:ext cx="0" cy="0"/>
+          <a:chOff x="0" y="0"/>
+          <a:chExt cx="0" cy="0"/>
+        </a:xfrm>
+      </p:grpSpPr>
+      <p:sp>
+        <p:nvSpPr>
           <p:cNvPr id="5" name="Title 4">
             <a:extLst>
               <a:ext uri="{FF2B5EF4-FFF2-40B4-BE49-F238E27FC236}">
@@ -8704,7 +10895,7 @@
           <a:p>
             <a:fld id="{945DE137-1981-4A6E-942B-1AACE1746372}" type="slidenum">
               <a:rPr lang="en-US" smtClean="0"/>
-              <a:t>23</a:t>
+              <a:t>29</a:t>
             </a:fld>
             <a:endParaRPr lang="en-US"/>
           </a:p>
@@ -8753,118 +10944,6 @@
 </p:sld>
 </file>
 
-<file path=ppt/slides/slide24.xml><?xml version="1.0" encoding="utf-8"?>
-<p:sld xmlns:a="http://schemas.openxmlformats.org/drawingml/2006/main" xmlns:r="http://schemas.openxmlformats.org/officeDocument/2006/relationships" xmlns:p="http://schemas.openxmlformats.org/presentationml/2006/main">
-  <p:cSld>
-    <p:spTree>
-      <p:nvGrpSpPr>
-        <p:cNvPr id="1" name=""/>
-        <p:cNvGrpSpPr/>
-        <p:nvPr/>
-      </p:nvGrpSpPr>
-      <p:grpSpPr>
-        <a:xfrm>
-          <a:off x="0" y="0"/>
-          <a:ext cx="0" cy="0"/>
-          <a:chOff x="0" y="0"/>
-          <a:chExt cx="0" cy="0"/>
-        </a:xfrm>
-      </p:grpSpPr>
-      <p:sp>
-        <p:nvSpPr>
-          <p:cNvPr id="5" name="Title 4">
-            <a:extLst>
-              <a:ext uri="{FF2B5EF4-FFF2-40B4-BE49-F238E27FC236}">
-                <a16:creationId xmlns:a16="http://schemas.microsoft.com/office/drawing/2014/main" id="{3451DC19-7301-4A76-B7B6-014CEED408FB}"/>
-              </a:ext>
-            </a:extLst>
-          </p:cNvPr>
-          <p:cNvSpPr>
-            <a:spLocks noGrp="1"/>
-          </p:cNvSpPr>
-          <p:nvPr>
-            <p:ph type="title"/>
-          </p:nvPr>
-        </p:nvSpPr>
-        <p:spPr/>
-        <p:txBody>
-          <a:bodyPr/>
-          <a:lstStyle/>
-          <a:p>
-            <a:r>
-              <a:rPr lang="en-US" dirty="0"/>
-              <a:t>Thank You!</a:t>
-            </a:r>
-          </a:p>
-        </p:txBody>
-      </p:sp>
-      <p:sp>
-        <p:nvSpPr>
-          <p:cNvPr id="6" name="Text Placeholder 5">
-            <a:extLst>
-              <a:ext uri="{FF2B5EF4-FFF2-40B4-BE49-F238E27FC236}">
-                <a16:creationId xmlns:a16="http://schemas.microsoft.com/office/drawing/2014/main" id="{754D214E-977A-482D-A3DE-7361432EDF97}"/>
-              </a:ext>
-            </a:extLst>
-          </p:cNvPr>
-          <p:cNvSpPr>
-            <a:spLocks noGrp="1"/>
-          </p:cNvSpPr>
-          <p:nvPr>
-            <p:ph type="body" idx="1"/>
-          </p:nvPr>
-        </p:nvSpPr>
-        <p:spPr/>
-        <p:txBody>
-          <a:bodyPr/>
-          <a:lstStyle/>
-          <a:p>
-            <a:endParaRPr lang="en-US"/>
-          </a:p>
-        </p:txBody>
-      </p:sp>
-      <p:sp>
-        <p:nvSpPr>
-          <p:cNvPr id="4" name="Slide Number Placeholder 3">
-            <a:extLst>
-              <a:ext uri="{FF2B5EF4-FFF2-40B4-BE49-F238E27FC236}">
-                <a16:creationId xmlns:a16="http://schemas.microsoft.com/office/drawing/2014/main" id="{14599AA1-E29D-4CBB-84B3-17CEEDE3EC17}"/>
-              </a:ext>
-            </a:extLst>
-          </p:cNvPr>
-          <p:cNvSpPr>
-            <a:spLocks noGrp="1"/>
-          </p:cNvSpPr>
-          <p:nvPr>
-            <p:ph type="sldNum" sz="quarter" idx="12"/>
-          </p:nvPr>
-        </p:nvSpPr>
-        <p:spPr/>
-        <p:txBody>
-          <a:bodyPr/>
-          <a:lstStyle/>
-          <a:p>
-            <a:fld id="{945DE137-1981-4A6E-942B-1AACE1746372}" type="slidenum">
-              <a:rPr lang="en-US" smtClean="0"/>
-              <a:t>24</a:t>
-            </a:fld>
-            <a:endParaRPr lang="en-US"/>
-          </a:p>
-        </p:txBody>
-      </p:sp>
-    </p:spTree>
-    <p:extLst>
-      <p:ext uri="{BB962C8B-B14F-4D97-AF65-F5344CB8AC3E}">
-        <p14:creationId xmlns:p14="http://schemas.microsoft.com/office/powerpoint/2010/main" val="920939413"/>
-      </p:ext>
-    </p:extLst>
-  </p:cSld>
-  <p:clrMapOvr>
-    <a:masterClrMapping/>
-  </p:clrMapOvr>
-</p:sld>
-</file>
-
 <file path=ppt/slides/slide3.xml><?xml version="1.0" encoding="utf-8"?>
 <p:sld xmlns:a="http://schemas.openxmlformats.org/drawingml/2006/main" xmlns:r="http://schemas.openxmlformats.org/officeDocument/2006/relationships" xmlns:p="http://schemas.openxmlformats.org/presentationml/2006/main">
   <p:cSld>
@@ -8986,6 +11065,118 @@
     <p:extLst>
       <p:ext uri="{BB962C8B-B14F-4D97-AF65-F5344CB8AC3E}">
         <p14:creationId xmlns:p14="http://schemas.microsoft.com/office/powerpoint/2010/main" val="987661240"/>
+      </p:ext>
+    </p:extLst>
+  </p:cSld>
+  <p:clrMapOvr>
+    <a:masterClrMapping/>
+  </p:clrMapOvr>
+</p:sld>
+</file>
+
+<file path=ppt/slides/slide30.xml><?xml version="1.0" encoding="utf-8"?>
+<p:sld xmlns:a="http://schemas.openxmlformats.org/drawingml/2006/main" xmlns:r="http://schemas.openxmlformats.org/officeDocument/2006/relationships" xmlns:p="http://schemas.openxmlformats.org/presentationml/2006/main">
+  <p:cSld>
+    <p:spTree>
+      <p:nvGrpSpPr>
+        <p:cNvPr id="1" name=""/>
+        <p:cNvGrpSpPr/>
+        <p:nvPr/>
+      </p:nvGrpSpPr>
+      <p:grpSpPr>
+        <a:xfrm>
+          <a:off x="0" y="0"/>
+          <a:ext cx="0" cy="0"/>
+          <a:chOff x="0" y="0"/>
+          <a:chExt cx="0" cy="0"/>
+        </a:xfrm>
+      </p:grpSpPr>
+      <p:sp>
+        <p:nvSpPr>
+          <p:cNvPr id="5" name="Title 4">
+            <a:extLst>
+              <a:ext uri="{FF2B5EF4-FFF2-40B4-BE49-F238E27FC236}">
+                <a16:creationId xmlns:a16="http://schemas.microsoft.com/office/drawing/2014/main" id="{3451DC19-7301-4A76-B7B6-014CEED408FB}"/>
+              </a:ext>
+            </a:extLst>
+          </p:cNvPr>
+          <p:cNvSpPr>
+            <a:spLocks noGrp="1"/>
+          </p:cNvSpPr>
+          <p:nvPr>
+            <p:ph type="title"/>
+          </p:nvPr>
+        </p:nvSpPr>
+        <p:spPr/>
+        <p:txBody>
+          <a:bodyPr/>
+          <a:lstStyle/>
+          <a:p>
+            <a:r>
+              <a:rPr lang="en-US" dirty="0"/>
+              <a:t>Thank You!</a:t>
+            </a:r>
+          </a:p>
+        </p:txBody>
+      </p:sp>
+      <p:sp>
+        <p:nvSpPr>
+          <p:cNvPr id="6" name="Text Placeholder 5">
+            <a:extLst>
+              <a:ext uri="{FF2B5EF4-FFF2-40B4-BE49-F238E27FC236}">
+                <a16:creationId xmlns:a16="http://schemas.microsoft.com/office/drawing/2014/main" id="{754D214E-977A-482D-A3DE-7361432EDF97}"/>
+              </a:ext>
+            </a:extLst>
+          </p:cNvPr>
+          <p:cNvSpPr>
+            <a:spLocks noGrp="1"/>
+          </p:cNvSpPr>
+          <p:nvPr>
+            <p:ph type="body" idx="1"/>
+          </p:nvPr>
+        </p:nvSpPr>
+        <p:spPr/>
+        <p:txBody>
+          <a:bodyPr/>
+          <a:lstStyle/>
+          <a:p>
+            <a:endParaRPr lang="en-US"/>
+          </a:p>
+        </p:txBody>
+      </p:sp>
+      <p:sp>
+        <p:nvSpPr>
+          <p:cNvPr id="4" name="Slide Number Placeholder 3">
+            <a:extLst>
+              <a:ext uri="{FF2B5EF4-FFF2-40B4-BE49-F238E27FC236}">
+                <a16:creationId xmlns:a16="http://schemas.microsoft.com/office/drawing/2014/main" id="{14599AA1-E29D-4CBB-84B3-17CEEDE3EC17}"/>
+              </a:ext>
+            </a:extLst>
+          </p:cNvPr>
+          <p:cNvSpPr>
+            <a:spLocks noGrp="1"/>
+          </p:cNvSpPr>
+          <p:nvPr>
+            <p:ph type="sldNum" sz="quarter" idx="12"/>
+          </p:nvPr>
+        </p:nvSpPr>
+        <p:spPr/>
+        <p:txBody>
+          <a:bodyPr/>
+          <a:lstStyle/>
+          <a:p>
+            <a:fld id="{945DE137-1981-4A6E-942B-1AACE1746372}" type="slidenum">
+              <a:rPr lang="en-US" smtClean="0"/>
+              <a:t>30</a:t>
+            </a:fld>
+            <a:endParaRPr lang="en-US"/>
+          </a:p>
+        </p:txBody>
+      </p:sp>
+    </p:spTree>
+    <p:extLst>
+      <p:ext uri="{BB962C8B-B14F-4D97-AF65-F5344CB8AC3E}">
+        <p14:creationId xmlns:p14="http://schemas.microsoft.com/office/powerpoint/2010/main" val="920939413"/>
       </p:ext>
     </p:extLst>
   </p:cSld>

--- a/slide-decks/Asynchronous-programming-Part-2.pptx
+++ b/slide-decks/Asynchronous-programming-Part-2.pptx
@@ -5,7 +5,7 @@
     <p:sldMasterId id="2147483648" r:id="rId1"/>
   </p:sldMasterIdLst>
   <p:notesMasterIdLst>
-    <p:notesMasterId r:id="rId32"/>
+    <p:notesMasterId r:id="rId33"/>
   </p:notesMasterIdLst>
   <p:sldIdLst>
     <p:sldId id="256" r:id="rId2"/>
@@ -20,24 +20,25 @@
     <p:sldId id="308" r:id="rId11"/>
     <p:sldId id="309" r:id="rId12"/>
     <p:sldId id="310" r:id="rId13"/>
-    <p:sldId id="301" r:id="rId14"/>
-    <p:sldId id="322" r:id="rId15"/>
-    <p:sldId id="323" r:id="rId16"/>
-    <p:sldId id="324" r:id="rId17"/>
-    <p:sldId id="325" r:id="rId18"/>
-    <p:sldId id="327" r:id="rId19"/>
-    <p:sldId id="312" r:id="rId20"/>
-    <p:sldId id="313" r:id="rId21"/>
-    <p:sldId id="315" r:id="rId22"/>
-    <p:sldId id="316" r:id="rId23"/>
-    <p:sldId id="317" r:id="rId24"/>
-    <p:sldId id="318" r:id="rId25"/>
-    <p:sldId id="319" r:id="rId26"/>
-    <p:sldId id="320" r:id="rId27"/>
-    <p:sldId id="321" r:id="rId28"/>
-    <p:sldId id="326" r:id="rId29"/>
-    <p:sldId id="314" r:id="rId30"/>
-    <p:sldId id="311" r:id="rId31"/>
+    <p:sldId id="328" r:id="rId14"/>
+    <p:sldId id="301" r:id="rId15"/>
+    <p:sldId id="322" r:id="rId16"/>
+    <p:sldId id="323" r:id="rId17"/>
+    <p:sldId id="324" r:id="rId18"/>
+    <p:sldId id="325" r:id="rId19"/>
+    <p:sldId id="327" r:id="rId20"/>
+    <p:sldId id="312" r:id="rId21"/>
+    <p:sldId id="313" r:id="rId22"/>
+    <p:sldId id="315" r:id="rId23"/>
+    <p:sldId id="316" r:id="rId24"/>
+    <p:sldId id="317" r:id="rId25"/>
+    <p:sldId id="318" r:id="rId26"/>
+    <p:sldId id="319" r:id="rId27"/>
+    <p:sldId id="320" r:id="rId28"/>
+    <p:sldId id="321" r:id="rId29"/>
+    <p:sldId id="326" r:id="rId30"/>
+    <p:sldId id="314" r:id="rId31"/>
+    <p:sldId id="311" r:id="rId32"/>
   </p:sldIdLst>
   <p:sldSz cx="12192000" cy="6858000"/>
   <p:notesSz cx="6858000" cy="9144000"/>
@@ -1577,7 +1578,7 @@
           <a:p>
             <a:fld id="{4D3D7829-6833-49EA-A182-69C45F439246}" type="slidenum">
               <a:rPr lang="en-US" smtClean="0"/>
-              <a:t>13</a:t>
+              <a:t>14</a:t>
             </a:fld>
             <a:endParaRPr lang="en-US"/>
           </a:p>
@@ -1661,7 +1662,7 @@
           <a:p>
             <a:fld id="{4D3D7829-6833-49EA-A182-69C45F439246}" type="slidenum">
               <a:rPr lang="en-US" smtClean="0"/>
-              <a:t>18</a:t>
+              <a:t>19</a:t>
             </a:fld>
             <a:endParaRPr lang="en-US"/>
           </a:p>
@@ -1745,7 +1746,7 @@
           <a:p>
             <a:fld id="{4D3D7829-6833-49EA-A182-69C45F439246}" type="slidenum">
               <a:rPr lang="en-US" smtClean="0"/>
-              <a:t>29</a:t>
+              <a:t>30</a:t>
             </a:fld>
             <a:endParaRPr lang="en-US"/>
           </a:p>
@@ -1829,7 +1830,7 @@
           <a:p>
             <a:fld id="{4D3D7829-6833-49EA-A182-69C45F439246}" type="slidenum">
               <a:rPr lang="en-US" smtClean="0"/>
-              <a:t>30</a:t>
+              <a:t>31</a:t>
             </a:fld>
             <a:endParaRPr lang="en-US"/>
           </a:p>
@@ -6789,6 +6790,142 @@
       </p:grpSpPr>
       <p:sp>
         <p:nvSpPr>
+          <p:cNvPr id="2" name="Title 1">
+            <a:extLst>
+              <a:ext uri="{FF2B5EF4-FFF2-40B4-BE49-F238E27FC236}">
+                <a16:creationId xmlns:a16="http://schemas.microsoft.com/office/drawing/2014/main" id="{15D77B8B-D7BA-4133-8D1E-2AB4EF767593}"/>
+              </a:ext>
+            </a:extLst>
+          </p:cNvPr>
+          <p:cNvSpPr>
+            <a:spLocks noGrp="1"/>
+          </p:cNvSpPr>
+          <p:nvPr>
+            <p:ph type="title"/>
+          </p:nvPr>
+        </p:nvSpPr>
+        <p:spPr/>
+        <p:txBody>
+          <a:bodyPr/>
+          <a:lstStyle/>
+          <a:p>
+            <a:r>
+              <a:rPr lang="en-US" dirty="0"/>
+              <a:t>Additional Resources</a:t>
+            </a:r>
+          </a:p>
+        </p:txBody>
+      </p:sp>
+      <p:sp>
+        <p:nvSpPr>
+          <p:cNvPr id="3" name="Content Placeholder 2">
+            <a:extLst>
+              <a:ext uri="{FF2B5EF4-FFF2-40B4-BE49-F238E27FC236}">
+                <a16:creationId xmlns:a16="http://schemas.microsoft.com/office/drawing/2014/main" id="{3985EFA2-1989-45C8-99D5-8B2074C1A8B8}"/>
+              </a:ext>
+            </a:extLst>
+          </p:cNvPr>
+          <p:cNvSpPr>
+            <a:spLocks noGrp="1"/>
+          </p:cNvSpPr>
+          <p:nvPr>
+            <p:ph idx="1"/>
+          </p:nvPr>
+        </p:nvSpPr>
+        <p:spPr/>
+        <p:txBody>
+          <a:bodyPr/>
+          <a:lstStyle/>
+          <a:p>
+            <a:r>
+              <a:rPr lang="en-US" dirty="0">
+                <a:hlinkClick r:id="rId2"/>
+              </a:rPr>
+              <a:t>https://www.baeldung.com/java-runnable-callable</a:t>
+            </a:r>
+            <a:endParaRPr lang="en-US" dirty="0"/>
+          </a:p>
+          <a:p>
+            <a:r>
+              <a:rPr lang="en-US" dirty="0">
+                <a:hlinkClick r:id="rId3"/>
+              </a:rPr>
+              <a:t>https://www.baeldung.com/java-future</a:t>
+            </a:r>
+            <a:endParaRPr lang="en-US" dirty="0"/>
+          </a:p>
+          <a:p>
+            <a:r>
+              <a:rPr lang="en-US" dirty="0">
+                <a:hlinkClick r:id="rId4"/>
+              </a:rPr>
+              <a:t>https://www.baeldung.com/java-completablefuture</a:t>
+            </a:r>
+            <a:endParaRPr lang="en-US" dirty="0"/>
+          </a:p>
+        </p:txBody>
+      </p:sp>
+      <p:sp>
+        <p:nvSpPr>
+          <p:cNvPr id="4" name="Slide Number Placeholder 3">
+            <a:extLst>
+              <a:ext uri="{FF2B5EF4-FFF2-40B4-BE49-F238E27FC236}">
+                <a16:creationId xmlns:a16="http://schemas.microsoft.com/office/drawing/2014/main" id="{204776D3-427F-4BA0-BC34-F111CD856575}"/>
+              </a:ext>
+            </a:extLst>
+          </p:cNvPr>
+          <p:cNvSpPr>
+            <a:spLocks noGrp="1"/>
+          </p:cNvSpPr>
+          <p:nvPr>
+            <p:ph type="sldNum" sz="quarter" idx="12"/>
+          </p:nvPr>
+        </p:nvSpPr>
+        <p:spPr/>
+        <p:txBody>
+          <a:bodyPr/>
+          <a:lstStyle/>
+          <a:p>
+            <a:fld id="{945DE137-1981-4A6E-942B-1AACE1746372}" type="slidenum">
+              <a:rPr lang="en-US" smtClean="0"/>
+              <a:t>13</a:t>
+            </a:fld>
+            <a:endParaRPr lang="en-US"/>
+          </a:p>
+        </p:txBody>
+      </p:sp>
+    </p:spTree>
+    <p:extLst>
+      <p:ext uri="{BB962C8B-B14F-4D97-AF65-F5344CB8AC3E}">
+        <p14:creationId xmlns:p14="http://schemas.microsoft.com/office/powerpoint/2010/main" val="1201438232"/>
+      </p:ext>
+    </p:extLst>
+  </p:cSld>
+  <p:clrMapOvr>
+    <a:masterClrMapping/>
+  </p:clrMapOvr>
+</p:sld>
+</file>
+
+<file path=ppt/slides/slide14.xml><?xml version="1.0" encoding="utf-8"?>
+<p:sld xmlns:a="http://schemas.openxmlformats.org/drawingml/2006/main" xmlns:r="http://schemas.openxmlformats.org/officeDocument/2006/relationships" xmlns:p="http://schemas.openxmlformats.org/presentationml/2006/main">
+  <p:cSld>
+    <p:spTree>
+      <p:nvGrpSpPr>
+        <p:cNvPr id="1" name=""/>
+        <p:cNvGrpSpPr/>
+        <p:nvPr/>
+      </p:nvGrpSpPr>
+      <p:grpSpPr>
+        <a:xfrm>
+          <a:off x="0" y="0"/>
+          <a:ext cx="0" cy="0"/>
+          <a:chOff x="0" y="0"/>
+          <a:chExt cx="0" cy="0"/>
+        </a:xfrm>
+      </p:grpSpPr>
+      <p:sp>
+        <p:nvSpPr>
           <p:cNvPr id="5" name="Title 4">
             <a:extLst>
               <a:ext uri="{FF2B5EF4-FFF2-40B4-BE49-F238E27FC236}">
@@ -6871,7 +7008,7 @@
           <a:p>
             <a:fld id="{945DE137-1981-4A6E-942B-1AACE1746372}" type="slidenum">
               <a:rPr lang="en-US" smtClean="0"/>
-              <a:t>13</a:t>
+              <a:t>14</a:t>
             </a:fld>
             <a:endParaRPr lang="en-US"/>
           </a:p>
@@ -6920,118 +7057,6 @@
 </p:sld>
 </file>
 
-<file path=ppt/slides/slide14.xml><?xml version="1.0" encoding="utf-8"?>
-<p:sld xmlns:a="http://schemas.openxmlformats.org/drawingml/2006/main" xmlns:r="http://schemas.openxmlformats.org/officeDocument/2006/relationships" xmlns:p="http://schemas.openxmlformats.org/presentationml/2006/main">
-  <p:cSld>
-    <p:spTree>
-      <p:nvGrpSpPr>
-        <p:cNvPr id="1" name=""/>
-        <p:cNvGrpSpPr/>
-        <p:nvPr/>
-      </p:nvGrpSpPr>
-      <p:grpSpPr>
-        <a:xfrm>
-          <a:off x="0" y="0"/>
-          <a:ext cx="0" cy="0"/>
-          <a:chOff x="0" y="0"/>
-          <a:chExt cx="0" cy="0"/>
-        </a:xfrm>
-      </p:grpSpPr>
-      <p:sp>
-        <p:nvSpPr>
-          <p:cNvPr id="2" name="Title 1">
-            <a:extLst>
-              <a:ext uri="{FF2B5EF4-FFF2-40B4-BE49-F238E27FC236}">
-                <a16:creationId xmlns:a16="http://schemas.microsoft.com/office/drawing/2014/main" id="{3F3A755A-63E9-461C-A54B-F96661259C61}"/>
-              </a:ext>
-            </a:extLst>
-          </p:cNvPr>
-          <p:cNvSpPr>
-            <a:spLocks noGrp="1"/>
-          </p:cNvSpPr>
-          <p:nvPr>
-            <p:ph type="title"/>
-          </p:nvPr>
-        </p:nvSpPr>
-        <p:spPr/>
-        <p:txBody>
-          <a:bodyPr/>
-          <a:lstStyle/>
-          <a:p>
-            <a:r>
-              <a:rPr lang="en-US" dirty="0"/>
-              <a:t>Streams</a:t>
-            </a:r>
-          </a:p>
-        </p:txBody>
-      </p:sp>
-      <p:sp>
-        <p:nvSpPr>
-          <p:cNvPr id="3" name="Text Placeholder 2">
-            <a:extLst>
-              <a:ext uri="{FF2B5EF4-FFF2-40B4-BE49-F238E27FC236}">
-                <a16:creationId xmlns:a16="http://schemas.microsoft.com/office/drawing/2014/main" id="{364FE63C-D158-424B-A11D-4D1CC42B9961}"/>
-              </a:ext>
-            </a:extLst>
-          </p:cNvPr>
-          <p:cNvSpPr>
-            <a:spLocks noGrp="1"/>
-          </p:cNvSpPr>
-          <p:nvPr>
-            <p:ph type="body" idx="1"/>
-          </p:nvPr>
-        </p:nvSpPr>
-        <p:spPr/>
-        <p:txBody>
-          <a:bodyPr/>
-          <a:lstStyle/>
-          <a:p>
-            <a:endParaRPr lang="en-US"/>
-          </a:p>
-        </p:txBody>
-      </p:sp>
-      <p:sp>
-        <p:nvSpPr>
-          <p:cNvPr id="4" name="Slide Number Placeholder 3">
-            <a:extLst>
-              <a:ext uri="{FF2B5EF4-FFF2-40B4-BE49-F238E27FC236}">
-                <a16:creationId xmlns:a16="http://schemas.microsoft.com/office/drawing/2014/main" id="{9F31DA32-083A-4A76-A0F4-F8800BF0DB17}"/>
-              </a:ext>
-            </a:extLst>
-          </p:cNvPr>
-          <p:cNvSpPr>
-            <a:spLocks noGrp="1"/>
-          </p:cNvSpPr>
-          <p:nvPr>
-            <p:ph type="sldNum" sz="quarter" idx="12"/>
-          </p:nvPr>
-        </p:nvSpPr>
-        <p:spPr/>
-        <p:txBody>
-          <a:bodyPr/>
-          <a:lstStyle/>
-          <a:p>
-            <a:fld id="{945DE137-1981-4A6E-942B-1AACE1746372}" type="slidenum">
-              <a:rPr lang="en-US" smtClean="0"/>
-              <a:t>14</a:t>
-            </a:fld>
-            <a:endParaRPr lang="en-US"/>
-          </a:p>
-        </p:txBody>
-      </p:sp>
-    </p:spTree>
-    <p:extLst>
-      <p:ext uri="{BB962C8B-B14F-4D97-AF65-F5344CB8AC3E}">
-        <p14:creationId xmlns:p14="http://schemas.microsoft.com/office/powerpoint/2010/main" val="170561556"/>
-      </p:ext>
-    </p:extLst>
-  </p:cSld>
-  <p:clrMapOvr>
-    <a:masterClrMapping/>
-  </p:clrMapOvr>
-</p:sld>
-</file>
-
 <file path=ppt/slides/slide15.xml><?xml version="1.0" encoding="utf-8"?>
 <p:sld xmlns:a="http://schemas.openxmlformats.org/drawingml/2006/main" xmlns:r="http://schemas.openxmlformats.org/officeDocument/2006/relationships" xmlns:p="http://schemas.openxmlformats.org/presentationml/2006/main">
   <p:cSld>
@@ -7051,10 +7076,10 @@
       </p:grpSpPr>
       <p:sp>
         <p:nvSpPr>
-          <p:cNvPr id="5" name="Title 4">
-            <a:extLst>
-              <a:ext uri="{FF2B5EF4-FFF2-40B4-BE49-F238E27FC236}">
-                <a16:creationId xmlns:a16="http://schemas.microsoft.com/office/drawing/2014/main" id="{F9D6E749-ADD1-438D-8B33-67E0064E3290}"/>
+          <p:cNvPr id="2" name="Title 1">
+            <a:extLst>
+              <a:ext uri="{FF2B5EF4-FFF2-40B4-BE49-F238E27FC236}">
+                <a16:creationId xmlns:a16="http://schemas.microsoft.com/office/drawing/2014/main" id="{3F3A755A-63E9-461C-A54B-F96661259C61}"/>
               </a:ext>
             </a:extLst>
           </p:cNvPr>
@@ -7079,61 +7104,26 @@
       </p:sp>
       <p:sp>
         <p:nvSpPr>
-          <p:cNvPr id="6" name="Content Placeholder 5">
-            <a:extLst>
-              <a:ext uri="{FF2B5EF4-FFF2-40B4-BE49-F238E27FC236}">
-                <a16:creationId xmlns:a16="http://schemas.microsoft.com/office/drawing/2014/main" id="{AE495D7C-CBDE-4D6D-AE5D-D9C574A1D2F7}"/>
-              </a:ext>
-            </a:extLst>
-          </p:cNvPr>
-          <p:cNvSpPr>
-            <a:spLocks noGrp="1"/>
-          </p:cNvSpPr>
-          <p:nvPr>
-            <p:ph idx="1"/>
+          <p:cNvPr id="3" name="Text Placeholder 2">
+            <a:extLst>
+              <a:ext uri="{FF2B5EF4-FFF2-40B4-BE49-F238E27FC236}">
+                <a16:creationId xmlns:a16="http://schemas.microsoft.com/office/drawing/2014/main" id="{364FE63C-D158-424B-A11D-4D1CC42B9961}"/>
+              </a:ext>
+            </a:extLst>
+          </p:cNvPr>
+          <p:cNvSpPr>
+            <a:spLocks noGrp="1"/>
+          </p:cNvSpPr>
+          <p:nvPr>
+            <p:ph type="body" idx="1"/>
           </p:nvPr>
         </p:nvSpPr>
         <p:spPr/>
         <p:txBody>
-          <a:bodyPr>
-            <a:normAutofit/>
-          </a:bodyPr>
-          <a:lstStyle/>
-          <a:p>
-            <a:r>
-              <a:rPr lang="en-US" dirty="0"/>
-              <a:t>Streams are wrappers around a data source</a:t>
-            </a:r>
-          </a:p>
-          <a:p>
-            <a:r>
-              <a:rPr lang="en-US" dirty="0"/>
-              <a:t>Allow us to operate with that data source and making bulk processing convenient and fast.</a:t>
-            </a:r>
-          </a:p>
-          <a:p>
-            <a:r>
-              <a:rPr lang="en-US" dirty="0"/>
-              <a:t>A stream does not store data and is not a data structure. </a:t>
-            </a:r>
-          </a:p>
-          <a:p>
-            <a:r>
-              <a:rPr lang="en-US" dirty="0"/>
-              <a:t>A stream never modifies the underlying data source.</a:t>
-            </a:r>
-          </a:p>
-          <a:p>
-            <a:r>
-              <a:rPr lang="en-US" dirty="0"/>
-              <a:t>Supports functional-style operations on streams of elements.</a:t>
-            </a:r>
-          </a:p>
-          <a:p>
-            <a:r>
-              <a:rPr lang="en-US" dirty="0"/>
-              <a:t>Not to be confused with I/O streams</a:t>
-            </a:r>
+          <a:bodyPr/>
+          <a:lstStyle/>
+          <a:p>
+            <a:endParaRPr lang="en-US"/>
           </a:p>
         </p:txBody>
       </p:sp>
@@ -7142,7 +7132,7 @@
           <p:cNvPr id="4" name="Slide Number Placeholder 3">
             <a:extLst>
               <a:ext uri="{FF2B5EF4-FFF2-40B4-BE49-F238E27FC236}">
-                <a16:creationId xmlns:a16="http://schemas.microsoft.com/office/drawing/2014/main" id="{56F97D54-5126-45CC-87CC-F068C191BA31}"/>
+                <a16:creationId xmlns:a16="http://schemas.microsoft.com/office/drawing/2014/main" id="{9F31DA32-083A-4A76-A0F4-F8800BF0DB17}"/>
               </a:ext>
             </a:extLst>
           </p:cNvPr>
@@ -7169,7 +7159,7 @@
     </p:spTree>
     <p:extLst>
       <p:ext uri="{BB962C8B-B14F-4D97-AF65-F5344CB8AC3E}">
-        <p14:creationId xmlns:p14="http://schemas.microsoft.com/office/powerpoint/2010/main" val="1999189295"/>
+        <p14:creationId xmlns:p14="http://schemas.microsoft.com/office/powerpoint/2010/main" val="170561556"/>
       </p:ext>
     </p:extLst>
   </p:cSld>
@@ -7198,10 +7188,10 @@
       </p:grpSpPr>
       <p:sp>
         <p:nvSpPr>
-          <p:cNvPr id="2" name="Title 1">
-            <a:extLst>
-              <a:ext uri="{FF2B5EF4-FFF2-40B4-BE49-F238E27FC236}">
-                <a16:creationId xmlns:a16="http://schemas.microsoft.com/office/drawing/2014/main" id="{AD612774-0C09-4A74-9D88-7D006C5EDC0E}"/>
+          <p:cNvPr id="5" name="Title 4">
+            <a:extLst>
+              <a:ext uri="{FF2B5EF4-FFF2-40B4-BE49-F238E27FC236}">
+                <a16:creationId xmlns:a16="http://schemas.microsoft.com/office/drawing/2014/main" id="{F9D6E749-ADD1-438D-8B33-67E0064E3290}"/>
               </a:ext>
             </a:extLst>
           </p:cNvPr>
@@ -7219,7 +7209,67 @@
           <a:p>
             <a:r>
               <a:rPr lang="en-US" dirty="0"/>
-              <a:t>Creating Streams</a:t>
+              <a:t>Streams</a:t>
+            </a:r>
+          </a:p>
+        </p:txBody>
+      </p:sp>
+      <p:sp>
+        <p:nvSpPr>
+          <p:cNvPr id="6" name="Content Placeholder 5">
+            <a:extLst>
+              <a:ext uri="{FF2B5EF4-FFF2-40B4-BE49-F238E27FC236}">
+                <a16:creationId xmlns:a16="http://schemas.microsoft.com/office/drawing/2014/main" id="{AE495D7C-CBDE-4D6D-AE5D-D9C574A1D2F7}"/>
+              </a:ext>
+            </a:extLst>
+          </p:cNvPr>
+          <p:cNvSpPr>
+            <a:spLocks noGrp="1"/>
+          </p:cNvSpPr>
+          <p:nvPr>
+            <p:ph idx="1"/>
+          </p:nvPr>
+        </p:nvSpPr>
+        <p:spPr/>
+        <p:txBody>
+          <a:bodyPr>
+            <a:normAutofit/>
+          </a:bodyPr>
+          <a:lstStyle/>
+          <a:p>
+            <a:r>
+              <a:rPr lang="en-US" dirty="0"/>
+              <a:t>Streams are wrappers around a data source</a:t>
+            </a:r>
+          </a:p>
+          <a:p>
+            <a:r>
+              <a:rPr lang="en-US" dirty="0"/>
+              <a:t>Allow us to operate with that data source and making bulk processing convenient and fast.</a:t>
+            </a:r>
+          </a:p>
+          <a:p>
+            <a:r>
+              <a:rPr lang="en-US" dirty="0"/>
+              <a:t>A stream does not store data and is not a data structure. </a:t>
+            </a:r>
+          </a:p>
+          <a:p>
+            <a:r>
+              <a:rPr lang="en-US" dirty="0"/>
+              <a:t>A stream never modifies the underlying data source.</a:t>
+            </a:r>
+          </a:p>
+          <a:p>
+            <a:r>
+              <a:rPr lang="en-US" dirty="0"/>
+              <a:t>Supports functional-style operations on streams of elements.</a:t>
+            </a:r>
+          </a:p>
+          <a:p>
+            <a:r>
+              <a:rPr lang="en-US" dirty="0"/>
+              <a:t>Not to be confused with I/O streams</a:t>
             </a:r>
           </a:p>
         </p:txBody>
@@ -7229,7 +7279,7 @@
           <p:cNvPr id="4" name="Slide Number Placeholder 3">
             <a:extLst>
               <a:ext uri="{FF2B5EF4-FFF2-40B4-BE49-F238E27FC236}">
-                <a16:creationId xmlns:a16="http://schemas.microsoft.com/office/drawing/2014/main" id="{4E6EF7CE-8928-454B-8886-D14B4798FF6A}"/>
+                <a16:creationId xmlns:a16="http://schemas.microsoft.com/office/drawing/2014/main" id="{56F97D54-5126-45CC-87CC-F068C191BA31}"/>
               </a:ext>
             </a:extLst>
           </p:cNvPr>
@@ -7253,1327 +7303,10 @@
           </a:p>
         </p:txBody>
       </p:sp>
-      <p:sp>
-        <p:nvSpPr>
-          <p:cNvPr id="5" name="Rectangle 1">
-            <a:extLst>
-              <a:ext uri="{FF2B5EF4-FFF2-40B4-BE49-F238E27FC236}">
-                <a16:creationId xmlns:a16="http://schemas.microsoft.com/office/drawing/2014/main" id="{D6B6FEE0-ECB0-4883-9D2A-14EA538A0B46}"/>
-              </a:ext>
-            </a:extLst>
-          </p:cNvPr>
-          <p:cNvSpPr>
-            <a:spLocks noGrp="1" noChangeArrowheads="1"/>
-          </p:cNvSpPr>
-          <p:nvPr>
-            <p:ph idx="1"/>
-          </p:nvPr>
-        </p:nvSpPr>
-        <p:spPr bwMode="auto">
-          <a:xfrm>
-            <a:off x="939800" y="1685608"/>
-            <a:ext cx="9906000" cy="2425918"/>
-          </a:xfrm>
-          <a:prstGeom prst="rect">
-            <a:avLst/>
-          </a:prstGeom>
-          <a:solidFill>
-            <a:srgbClr val="F7F7F9"/>
-          </a:solidFill>
-          <a:ln>
-            <a:noFill/>
-          </a:ln>
-          <a:effectLst/>
-          <a:extLst>
-            <a:ext uri="{91240B29-F687-4F45-9708-019B960494DF}">
-              <a14:hiddenLine xmlns:a14="http://schemas.microsoft.com/office/drawing/2010/main" w="9525">
-                <a:solidFill>
-                  <a:schemeClr val="tx1"/>
-                </a:solidFill>
-                <a:miter lim="800000"/>
-                <a:headEnd/>
-                <a:tailEnd/>
-              </a14:hiddenLine>
-            </a:ext>
-            <a:ext uri="{AF507438-7753-43E0-B8FC-AC1667EBCBE1}">
-              <a14:hiddenEffects xmlns:a14="http://schemas.microsoft.com/office/drawing/2010/main">
-                <a:effectLst>
-                  <a:outerShdw dist="35921" dir="2700000" algn="ctr" rotWithShape="0">
-                    <a:schemeClr val="bg2"/>
-                  </a:outerShdw>
-                </a:effectLst>
-              </a14:hiddenEffects>
-            </a:ext>
-          </a:extLst>
-        </p:spPr>
-        <p:txBody>
-          <a:bodyPr vert="horz" wrap="square" lIns="0" tIns="0" rIns="0" bIns="207897" numCol="1" anchor="ctr" anchorCtr="0" compatLnSpc="1">
-            <a:prstTxWarp prst="textNoShape">
-              <a:avLst/>
-            </a:prstTxWarp>
-            <a:spAutoFit/>
-          </a:bodyPr>
-          <a:lstStyle/>
-          <a:p>
-            <a:pPr marL="0" marR="0" lvl="0" indent="0" algn="l" defTabSz="914400" rtl="0" eaLnBrk="0" fontAlgn="base" latinLnBrk="0" hangingPunct="0">
-              <a:lnSpc>
-                <a:spcPct val="100000"/>
-              </a:lnSpc>
-              <a:spcBef>
-                <a:spcPct val="0"/>
-              </a:spcBef>
-              <a:spcAft>
-                <a:spcPct val="0"/>
-              </a:spcAft>
-              <a:buClrTx/>
-              <a:buSzTx/>
-              <a:buFontTx/>
-              <a:buNone/>
-              <a:tabLst/>
-            </a:pPr>
-            <a:r>
-              <a:rPr kumimoji="0" lang="en-US" altLang="en-US" sz="2400" b="0" i="0" u="none" strike="noStrike" cap="none" normalizeH="0" baseline="0" dirty="0">
-                <a:ln>
-                  <a:noFill/>
-                </a:ln>
-                <a:solidFill>
-                  <a:srgbClr val="660066"/>
-                </a:solidFill>
-                <a:effectLst/>
-                <a:latin typeface="Consolas" panose="020B0609020204030204" pitchFamily="49" charset="0"/>
-              </a:rPr>
-              <a:t>Employee</a:t>
-            </a:r>
-            <a:r>
-              <a:rPr kumimoji="0" lang="en-US" altLang="en-US" sz="2400" b="0" i="0" u="none" strike="noStrike" cap="none" normalizeH="0" baseline="0" dirty="0">
-                <a:ln>
-                  <a:noFill/>
-                </a:ln>
-                <a:solidFill>
-                  <a:srgbClr val="666600"/>
-                </a:solidFill>
-                <a:effectLst/>
-                <a:latin typeface="Consolas" panose="020B0609020204030204" pitchFamily="49" charset="0"/>
-              </a:rPr>
-              <a:t>[]</a:t>
-            </a:r>
-            <a:r>
-              <a:rPr kumimoji="0" lang="en-US" altLang="en-US" sz="2400" b="0" i="0" u="none" strike="noStrike" cap="none" normalizeH="0" baseline="0" dirty="0">
-                <a:ln>
-                  <a:noFill/>
-                </a:ln>
-                <a:solidFill>
-                  <a:srgbClr val="000000"/>
-                </a:solidFill>
-                <a:effectLst/>
-                <a:latin typeface="Consolas" panose="020B0609020204030204" pitchFamily="49" charset="0"/>
-              </a:rPr>
-              <a:t> </a:t>
-            </a:r>
-            <a:r>
-              <a:rPr kumimoji="0" lang="en-US" altLang="en-US" sz="2400" b="0" i="0" u="none" strike="noStrike" cap="none" normalizeH="0" baseline="0" dirty="0" err="1">
-                <a:ln>
-                  <a:noFill/>
-                </a:ln>
-                <a:solidFill>
-                  <a:srgbClr val="000000"/>
-                </a:solidFill>
-                <a:effectLst/>
-                <a:latin typeface="Consolas" panose="020B0609020204030204" pitchFamily="49" charset="0"/>
-              </a:rPr>
-              <a:t>arrayOfEmps</a:t>
-            </a:r>
-            <a:r>
-              <a:rPr kumimoji="0" lang="en-US" altLang="en-US" sz="2400" b="0" i="0" u="none" strike="noStrike" cap="none" normalizeH="0" baseline="0" dirty="0">
-                <a:ln>
-                  <a:noFill/>
-                </a:ln>
-                <a:solidFill>
-                  <a:srgbClr val="000000"/>
-                </a:solidFill>
-                <a:effectLst/>
-                <a:latin typeface="Consolas" panose="020B0609020204030204" pitchFamily="49" charset="0"/>
-              </a:rPr>
-              <a:t> </a:t>
-            </a:r>
-            <a:r>
-              <a:rPr kumimoji="0" lang="en-US" altLang="en-US" sz="2400" b="0" i="0" u="none" strike="noStrike" cap="none" normalizeH="0" baseline="0" dirty="0">
-                <a:ln>
-                  <a:noFill/>
-                </a:ln>
-                <a:solidFill>
-                  <a:srgbClr val="666600"/>
-                </a:solidFill>
-                <a:effectLst/>
-                <a:latin typeface="Consolas" panose="020B0609020204030204" pitchFamily="49" charset="0"/>
-              </a:rPr>
-              <a:t>=</a:t>
-            </a:r>
-            <a:r>
-              <a:rPr kumimoji="0" lang="en-US" altLang="en-US" sz="2400" b="0" i="0" u="none" strike="noStrike" cap="none" normalizeH="0" baseline="0" dirty="0">
-                <a:ln>
-                  <a:noFill/>
-                </a:ln>
-                <a:solidFill>
-                  <a:srgbClr val="000000"/>
-                </a:solidFill>
-                <a:effectLst/>
-                <a:latin typeface="Consolas" panose="020B0609020204030204" pitchFamily="49" charset="0"/>
-              </a:rPr>
-              <a:t> </a:t>
-            </a:r>
-            <a:r>
-              <a:rPr kumimoji="0" lang="en-US" altLang="en-US" sz="2400" b="0" i="0" u="none" strike="noStrike" cap="none" normalizeH="0" baseline="0" dirty="0">
-                <a:ln>
-                  <a:noFill/>
-                </a:ln>
-                <a:solidFill>
-                  <a:srgbClr val="666600"/>
-                </a:solidFill>
-                <a:effectLst/>
-                <a:latin typeface="Consolas" panose="020B0609020204030204" pitchFamily="49" charset="0"/>
-              </a:rPr>
-              <a:t>{</a:t>
-            </a:r>
-            <a:r>
-              <a:rPr kumimoji="0" lang="en-US" altLang="en-US" sz="2400" b="0" i="0" u="none" strike="noStrike" cap="none" normalizeH="0" baseline="0" dirty="0">
-                <a:ln>
-                  <a:noFill/>
-                </a:ln>
-                <a:solidFill>
-                  <a:srgbClr val="000000"/>
-                </a:solidFill>
-                <a:effectLst/>
-                <a:latin typeface="Consolas" panose="020B0609020204030204" pitchFamily="49" charset="0"/>
-              </a:rPr>
-              <a:t> </a:t>
-            </a:r>
-          </a:p>
-          <a:p>
-            <a:pPr marL="0" marR="0" lvl="0" indent="0" algn="l" defTabSz="914400" rtl="0" eaLnBrk="0" fontAlgn="base" latinLnBrk="0" hangingPunct="0">
-              <a:lnSpc>
-                <a:spcPct val="100000"/>
-              </a:lnSpc>
-              <a:spcBef>
-                <a:spcPct val="0"/>
-              </a:spcBef>
-              <a:spcAft>
-                <a:spcPct val="0"/>
-              </a:spcAft>
-              <a:buClrTx/>
-              <a:buSzTx/>
-              <a:buFontTx/>
-              <a:buNone/>
-              <a:tabLst/>
-            </a:pPr>
-            <a:r>
-              <a:rPr kumimoji="0" lang="en-US" altLang="en-US" sz="2400" b="0" i="0" u="none" strike="noStrike" cap="none" normalizeH="0" baseline="0" dirty="0">
-                <a:ln>
-                  <a:noFill/>
-                </a:ln>
-                <a:solidFill>
-                  <a:srgbClr val="000088"/>
-                </a:solidFill>
-                <a:effectLst/>
-                <a:latin typeface="Consolas" panose="020B0609020204030204" pitchFamily="49" charset="0"/>
-              </a:rPr>
-              <a:t>	new</a:t>
-            </a:r>
-            <a:r>
-              <a:rPr kumimoji="0" lang="en-US" altLang="en-US" sz="2400" b="0" i="0" u="none" strike="noStrike" cap="none" normalizeH="0" baseline="0" dirty="0">
-                <a:ln>
-                  <a:noFill/>
-                </a:ln>
-                <a:solidFill>
-                  <a:srgbClr val="000000"/>
-                </a:solidFill>
-                <a:effectLst/>
-                <a:latin typeface="Consolas" panose="020B0609020204030204" pitchFamily="49" charset="0"/>
-              </a:rPr>
-              <a:t> </a:t>
-            </a:r>
-            <a:r>
-              <a:rPr kumimoji="0" lang="en-US" altLang="en-US" sz="2400" b="0" i="0" u="none" strike="noStrike" cap="none" normalizeH="0" baseline="0" dirty="0">
-                <a:ln>
-                  <a:noFill/>
-                </a:ln>
-                <a:solidFill>
-                  <a:srgbClr val="660066"/>
-                </a:solidFill>
-                <a:effectLst/>
-                <a:latin typeface="Consolas" panose="020B0609020204030204" pitchFamily="49" charset="0"/>
-              </a:rPr>
-              <a:t>Employee</a:t>
-            </a:r>
-            <a:r>
-              <a:rPr kumimoji="0" lang="en-US" altLang="en-US" sz="2400" b="0" i="0" u="none" strike="noStrike" cap="none" normalizeH="0" baseline="0" dirty="0">
-                <a:ln>
-                  <a:noFill/>
-                </a:ln>
-                <a:solidFill>
-                  <a:srgbClr val="666600"/>
-                </a:solidFill>
-                <a:effectLst/>
-                <a:latin typeface="Consolas" panose="020B0609020204030204" pitchFamily="49" charset="0"/>
-              </a:rPr>
-              <a:t>(</a:t>
-            </a:r>
-            <a:r>
-              <a:rPr kumimoji="0" lang="en-US" altLang="en-US" sz="2400" b="0" i="0" u="none" strike="noStrike" cap="none" normalizeH="0" baseline="0" dirty="0">
-                <a:ln>
-                  <a:noFill/>
-                </a:ln>
-                <a:solidFill>
-                  <a:srgbClr val="006666"/>
-                </a:solidFill>
-                <a:effectLst/>
-                <a:latin typeface="Consolas" panose="020B0609020204030204" pitchFamily="49" charset="0"/>
-              </a:rPr>
-              <a:t>1</a:t>
-            </a:r>
-            <a:r>
-              <a:rPr kumimoji="0" lang="en-US" altLang="en-US" sz="2400" b="0" i="0" u="none" strike="noStrike" cap="none" normalizeH="0" baseline="0" dirty="0">
-                <a:ln>
-                  <a:noFill/>
-                </a:ln>
-                <a:solidFill>
-                  <a:srgbClr val="666600"/>
-                </a:solidFill>
-                <a:effectLst/>
-                <a:latin typeface="Consolas" panose="020B0609020204030204" pitchFamily="49" charset="0"/>
-              </a:rPr>
-              <a:t>,</a:t>
-            </a:r>
-            <a:r>
-              <a:rPr kumimoji="0" lang="en-US" altLang="en-US" sz="2400" b="0" i="0" u="none" strike="noStrike" cap="none" normalizeH="0" baseline="0" dirty="0">
-                <a:ln>
-                  <a:noFill/>
-                </a:ln>
-                <a:solidFill>
-                  <a:srgbClr val="000000"/>
-                </a:solidFill>
-                <a:effectLst/>
-                <a:latin typeface="Consolas" panose="020B0609020204030204" pitchFamily="49" charset="0"/>
-              </a:rPr>
-              <a:t> </a:t>
-            </a:r>
-            <a:r>
-              <a:rPr kumimoji="0" lang="en-US" altLang="en-US" sz="2400" b="0" i="0" u="none" strike="noStrike" cap="none" normalizeH="0" baseline="0" dirty="0">
-                <a:ln>
-                  <a:noFill/>
-                </a:ln>
-                <a:solidFill>
-                  <a:srgbClr val="008800"/>
-                </a:solidFill>
-                <a:effectLst/>
-                <a:latin typeface="Consolas" panose="020B0609020204030204" pitchFamily="49" charset="0"/>
-              </a:rPr>
-              <a:t>"Jeff Bezos"</a:t>
-            </a:r>
-            <a:r>
-              <a:rPr kumimoji="0" lang="en-US" altLang="en-US" sz="2400" b="0" i="0" u="none" strike="noStrike" cap="none" normalizeH="0" baseline="0" dirty="0">
-                <a:ln>
-                  <a:noFill/>
-                </a:ln>
-                <a:solidFill>
-                  <a:srgbClr val="666600"/>
-                </a:solidFill>
-                <a:effectLst/>
-                <a:latin typeface="Consolas" panose="020B0609020204030204" pitchFamily="49" charset="0"/>
-              </a:rPr>
-              <a:t>,</a:t>
-            </a:r>
-            <a:r>
-              <a:rPr kumimoji="0" lang="en-US" altLang="en-US" sz="2400" b="0" i="0" u="none" strike="noStrike" cap="none" normalizeH="0" baseline="0" dirty="0">
-                <a:ln>
-                  <a:noFill/>
-                </a:ln>
-                <a:solidFill>
-                  <a:srgbClr val="000000"/>
-                </a:solidFill>
-                <a:effectLst/>
-                <a:latin typeface="Consolas" panose="020B0609020204030204" pitchFamily="49" charset="0"/>
-              </a:rPr>
-              <a:t> </a:t>
-            </a:r>
-            <a:r>
-              <a:rPr kumimoji="0" lang="en-US" altLang="en-US" sz="2400" b="0" i="0" u="none" strike="noStrike" cap="none" normalizeH="0" baseline="0" dirty="0">
-                <a:ln>
-                  <a:noFill/>
-                </a:ln>
-                <a:solidFill>
-                  <a:srgbClr val="006666"/>
-                </a:solidFill>
-                <a:effectLst/>
-                <a:latin typeface="Consolas" panose="020B0609020204030204" pitchFamily="49" charset="0"/>
-              </a:rPr>
-              <a:t>100000.0</a:t>
-            </a:r>
-            <a:r>
-              <a:rPr kumimoji="0" lang="en-US" altLang="en-US" sz="2400" b="0" i="0" u="none" strike="noStrike" cap="none" normalizeH="0" baseline="0" dirty="0">
-                <a:ln>
-                  <a:noFill/>
-                </a:ln>
-                <a:solidFill>
-                  <a:srgbClr val="666600"/>
-                </a:solidFill>
-                <a:effectLst/>
-                <a:latin typeface="Consolas" panose="020B0609020204030204" pitchFamily="49" charset="0"/>
-              </a:rPr>
-              <a:t>),</a:t>
-            </a:r>
-            <a:r>
-              <a:rPr kumimoji="0" lang="en-US" altLang="en-US" sz="2400" b="0" i="0" u="none" strike="noStrike" cap="none" normalizeH="0" baseline="0" dirty="0">
-                <a:ln>
-                  <a:noFill/>
-                </a:ln>
-                <a:solidFill>
-                  <a:srgbClr val="000000"/>
-                </a:solidFill>
-                <a:effectLst/>
-                <a:latin typeface="Consolas" panose="020B0609020204030204" pitchFamily="49" charset="0"/>
-              </a:rPr>
-              <a:t> </a:t>
-            </a:r>
-          </a:p>
-          <a:p>
-            <a:pPr marL="0" marR="0" lvl="0" indent="0" algn="l" defTabSz="914400" rtl="0" eaLnBrk="0" fontAlgn="base" latinLnBrk="0" hangingPunct="0">
-              <a:lnSpc>
-                <a:spcPct val="100000"/>
-              </a:lnSpc>
-              <a:spcBef>
-                <a:spcPct val="0"/>
-              </a:spcBef>
-              <a:spcAft>
-                <a:spcPct val="0"/>
-              </a:spcAft>
-              <a:buClrTx/>
-              <a:buSzTx/>
-              <a:buFontTx/>
-              <a:buNone/>
-              <a:tabLst/>
-            </a:pPr>
-            <a:r>
-              <a:rPr kumimoji="0" lang="en-US" altLang="en-US" sz="2400" b="0" i="0" u="none" strike="noStrike" cap="none" normalizeH="0" baseline="0" dirty="0">
-                <a:ln>
-                  <a:noFill/>
-                </a:ln>
-                <a:solidFill>
-                  <a:srgbClr val="000088"/>
-                </a:solidFill>
-                <a:effectLst/>
-                <a:latin typeface="Consolas" panose="020B0609020204030204" pitchFamily="49" charset="0"/>
-              </a:rPr>
-              <a:t>	new</a:t>
-            </a:r>
-            <a:r>
-              <a:rPr kumimoji="0" lang="en-US" altLang="en-US" sz="2400" b="0" i="0" u="none" strike="noStrike" cap="none" normalizeH="0" baseline="0" dirty="0">
-                <a:ln>
-                  <a:noFill/>
-                </a:ln>
-                <a:solidFill>
-                  <a:srgbClr val="000000"/>
-                </a:solidFill>
-                <a:effectLst/>
-                <a:latin typeface="Consolas" panose="020B0609020204030204" pitchFamily="49" charset="0"/>
-              </a:rPr>
-              <a:t> </a:t>
-            </a:r>
-            <a:r>
-              <a:rPr kumimoji="0" lang="en-US" altLang="en-US" sz="2400" b="0" i="0" u="none" strike="noStrike" cap="none" normalizeH="0" baseline="0" dirty="0">
-                <a:ln>
-                  <a:noFill/>
-                </a:ln>
-                <a:solidFill>
-                  <a:srgbClr val="660066"/>
-                </a:solidFill>
-                <a:effectLst/>
-                <a:latin typeface="Consolas" panose="020B0609020204030204" pitchFamily="49" charset="0"/>
-              </a:rPr>
-              <a:t>Employee</a:t>
-            </a:r>
-            <a:r>
-              <a:rPr kumimoji="0" lang="en-US" altLang="en-US" sz="2400" b="0" i="0" u="none" strike="noStrike" cap="none" normalizeH="0" baseline="0" dirty="0">
-                <a:ln>
-                  <a:noFill/>
-                </a:ln>
-                <a:solidFill>
-                  <a:srgbClr val="666600"/>
-                </a:solidFill>
-                <a:effectLst/>
-                <a:latin typeface="Consolas" panose="020B0609020204030204" pitchFamily="49" charset="0"/>
-              </a:rPr>
-              <a:t>(</a:t>
-            </a:r>
-            <a:r>
-              <a:rPr kumimoji="0" lang="en-US" altLang="en-US" sz="2400" b="0" i="0" u="none" strike="noStrike" cap="none" normalizeH="0" baseline="0" dirty="0">
-                <a:ln>
-                  <a:noFill/>
-                </a:ln>
-                <a:solidFill>
-                  <a:srgbClr val="006666"/>
-                </a:solidFill>
-                <a:effectLst/>
-                <a:latin typeface="Consolas" panose="020B0609020204030204" pitchFamily="49" charset="0"/>
-              </a:rPr>
-              <a:t>2</a:t>
-            </a:r>
-            <a:r>
-              <a:rPr kumimoji="0" lang="en-US" altLang="en-US" sz="2400" b="0" i="0" u="none" strike="noStrike" cap="none" normalizeH="0" baseline="0" dirty="0">
-                <a:ln>
-                  <a:noFill/>
-                </a:ln>
-                <a:solidFill>
-                  <a:srgbClr val="666600"/>
-                </a:solidFill>
-                <a:effectLst/>
-                <a:latin typeface="Consolas" panose="020B0609020204030204" pitchFamily="49" charset="0"/>
-              </a:rPr>
-              <a:t>,</a:t>
-            </a:r>
-            <a:r>
-              <a:rPr kumimoji="0" lang="en-US" altLang="en-US" sz="2400" b="0" i="0" u="none" strike="noStrike" cap="none" normalizeH="0" baseline="0" dirty="0">
-                <a:ln>
-                  <a:noFill/>
-                </a:ln>
-                <a:solidFill>
-                  <a:srgbClr val="000000"/>
-                </a:solidFill>
-                <a:effectLst/>
-                <a:latin typeface="Consolas" panose="020B0609020204030204" pitchFamily="49" charset="0"/>
-              </a:rPr>
-              <a:t> </a:t>
-            </a:r>
-            <a:r>
-              <a:rPr kumimoji="0" lang="en-US" altLang="en-US" sz="2400" b="0" i="0" u="none" strike="noStrike" cap="none" normalizeH="0" baseline="0" dirty="0">
-                <a:ln>
-                  <a:noFill/>
-                </a:ln>
-                <a:solidFill>
-                  <a:srgbClr val="008800"/>
-                </a:solidFill>
-                <a:effectLst/>
-                <a:latin typeface="Consolas" panose="020B0609020204030204" pitchFamily="49" charset="0"/>
-              </a:rPr>
-              <a:t>"Bill Gates"</a:t>
-            </a:r>
-            <a:r>
-              <a:rPr kumimoji="0" lang="en-US" altLang="en-US" sz="2400" b="0" i="0" u="none" strike="noStrike" cap="none" normalizeH="0" baseline="0" dirty="0">
-                <a:ln>
-                  <a:noFill/>
-                </a:ln>
-                <a:solidFill>
-                  <a:srgbClr val="666600"/>
-                </a:solidFill>
-                <a:effectLst/>
-                <a:latin typeface="Consolas" panose="020B0609020204030204" pitchFamily="49" charset="0"/>
-              </a:rPr>
-              <a:t>,</a:t>
-            </a:r>
-            <a:r>
-              <a:rPr kumimoji="0" lang="en-US" altLang="en-US" sz="2400" b="0" i="0" u="none" strike="noStrike" cap="none" normalizeH="0" baseline="0" dirty="0">
-                <a:ln>
-                  <a:noFill/>
-                </a:ln>
-                <a:solidFill>
-                  <a:srgbClr val="000000"/>
-                </a:solidFill>
-                <a:effectLst/>
-                <a:latin typeface="Consolas" panose="020B0609020204030204" pitchFamily="49" charset="0"/>
-              </a:rPr>
-              <a:t> </a:t>
-            </a:r>
-            <a:r>
-              <a:rPr kumimoji="0" lang="en-US" altLang="en-US" sz="2400" b="0" i="0" u="none" strike="noStrike" cap="none" normalizeH="0" baseline="0" dirty="0">
-                <a:ln>
-                  <a:noFill/>
-                </a:ln>
-                <a:solidFill>
-                  <a:srgbClr val="006666"/>
-                </a:solidFill>
-                <a:effectLst/>
-                <a:latin typeface="Consolas" panose="020B0609020204030204" pitchFamily="49" charset="0"/>
-              </a:rPr>
-              <a:t>200000.0</a:t>
-            </a:r>
-            <a:r>
-              <a:rPr kumimoji="0" lang="en-US" altLang="en-US" sz="2400" b="0" i="0" u="none" strike="noStrike" cap="none" normalizeH="0" baseline="0" dirty="0">
-                <a:ln>
-                  <a:noFill/>
-                </a:ln>
-                <a:solidFill>
-                  <a:srgbClr val="666600"/>
-                </a:solidFill>
-                <a:effectLst/>
-                <a:latin typeface="Consolas" panose="020B0609020204030204" pitchFamily="49" charset="0"/>
-              </a:rPr>
-              <a:t>),</a:t>
-            </a:r>
-            <a:r>
-              <a:rPr kumimoji="0" lang="en-US" altLang="en-US" sz="2400" b="0" i="0" u="none" strike="noStrike" cap="none" normalizeH="0" baseline="0" dirty="0">
-                <a:ln>
-                  <a:noFill/>
-                </a:ln>
-                <a:solidFill>
-                  <a:srgbClr val="000000"/>
-                </a:solidFill>
-                <a:effectLst/>
-                <a:latin typeface="Consolas" panose="020B0609020204030204" pitchFamily="49" charset="0"/>
-              </a:rPr>
-              <a:t> </a:t>
-            </a:r>
-          </a:p>
-          <a:p>
-            <a:pPr marL="0" marR="0" lvl="0" indent="0" algn="l" defTabSz="914400" rtl="0" eaLnBrk="0" fontAlgn="base" latinLnBrk="0" hangingPunct="0">
-              <a:lnSpc>
-                <a:spcPct val="100000"/>
-              </a:lnSpc>
-              <a:spcBef>
-                <a:spcPct val="0"/>
-              </a:spcBef>
-              <a:spcAft>
-                <a:spcPct val="0"/>
-              </a:spcAft>
-              <a:buClrTx/>
-              <a:buSzTx/>
-              <a:buFontTx/>
-              <a:buNone/>
-              <a:tabLst/>
-            </a:pPr>
-            <a:r>
-              <a:rPr kumimoji="0" lang="en-US" altLang="en-US" sz="2400" b="0" i="0" u="none" strike="noStrike" cap="none" normalizeH="0" baseline="0" dirty="0">
-                <a:ln>
-                  <a:noFill/>
-                </a:ln>
-                <a:solidFill>
-                  <a:srgbClr val="000088"/>
-                </a:solidFill>
-                <a:effectLst/>
-                <a:latin typeface="Consolas" panose="020B0609020204030204" pitchFamily="49" charset="0"/>
-              </a:rPr>
-              <a:t>	new</a:t>
-            </a:r>
-            <a:r>
-              <a:rPr kumimoji="0" lang="en-US" altLang="en-US" sz="2400" b="0" i="0" u="none" strike="noStrike" cap="none" normalizeH="0" baseline="0" dirty="0">
-                <a:ln>
-                  <a:noFill/>
-                </a:ln>
-                <a:solidFill>
-                  <a:srgbClr val="000000"/>
-                </a:solidFill>
-                <a:effectLst/>
-                <a:latin typeface="Consolas" panose="020B0609020204030204" pitchFamily="49" charset="0"/>
-              </a:rPr>
-              <a:t> </a:t>
-            </a:r>
-            <a:r>
-              <a:rPr kumimoji="0" lang="en-US" altLang="en-US" sz="2400" b="0" i="0" u="none" strike="noStrike" cap="none" normalizeH="0" baseline="0" dirty="0">
-                <a:ln>
-                  <a:noFill/>
-                </a:ln>
-                <a:solidFill>
-                  <a:srgbClr val="660066"/>
-                </a:solidFill>
-                <a:effectLst/>
-                <a:latin typeface="Consolas" panose="020B0609020204030204" pitchFamily="49" charset="0"/>
-              </a:rPr>
-              <a:t>Employee</a:t>
-            </a:r>
-            <a:r>
-              <a:rPr kumimoji="0" lang="en-US" altLang="en-US" sz="2400" b="0" i="0" u="none" strike="noStrike" cap="none" normalizeH="0" baseline="0" dirty="0">
-                <a:ln>
-                  <a:noFill/>
-                </a:ln>
-                <a:solidFill>
-                  <a:srgbClr val="666600"/>
-                </a:solidFill>
-                <a:effectLst/>
-                <a:latin typeface="Consolas" panose="020B0609020204030204" pitchFamily="49" charset="0"/>
-              </a:rPr>
-              <a:t>(</a:t>
-            </a:r>
-            <a:r>
-              <a:rPr kumimoji="0" lang="en-US" altLang="en-US" sz="2400" b="0" i="0" u="none" strike="noStrike" cap="none" normalizeH="0" baseline="0" dirty="0">
-                <a:ln>
-                  <a:noFill/>
-                </a:ln>
-                <a:solidFill>
-                  <a:srgbClr val="006666"/>
-                </a:solidFill>
-                <a:effectLst/>
-                <a:latin typeface="Consolas" panose="020B0609020204030204" pitchFamily="49" charset="0"/>
-              </a:rPr>
-              <a:t>3</a:t>
-            </a:r>
-            <a:r>
-              <a:rPr kumimoji="0" lang="en-US" altLang="en-US" sz="2400" b="0" i="0" u="none" strike="noStrike" cap="none" normalizeH="0" baseline="0" dirty="0">
-                <a:ln>
-                  <a:noFill/>
-                </a:ln>
-                <a:solidFill>
-                  <a:srgbClr val="666600"/>
-                </a:solidFill>
-                <a:effectLst/>
-                <a:latin typeface="Consolas" panose="020B0609020204030204" pitchFamily="49" charset="0"/>
-              </a:rPr>
-              <a:t>,</a:t>
-            </a:r>
-            <a:r>
-              <a:rPr kumimoji="0" lang="en-US" altLang="en-US" sz="2400" b="0" i="0" u="none" strike="noStrike" cap="none" normalizeH="0" baseline="0" dirty="0">
-                <a:ln>
-                  <a:noFill/>
-                </a:ln>
-                <a:solidFill>
-                  <a:srgbClr val="000000"/>
-                </a:solidFill>
-                <a:effectLst/>
-                <a:latin typeface="Consolas" panose="020B0609020204030204" pitchFamily="49" charset="0"/>
-              </a:rPr>
-              <a:t> </a:t>
-            </a:r>
-            <a:r>
-              <a:rPr kumimoji="0" lang="en-US" altLang="en-US" sz="2400" b="0" i="0" u="none" strike="noStrike" cap="none" normalizeH="0" baseline="0" dirty="0">
-                <a:ln>
-                  <a:noFill/>
-                </a:ln>
-                <a:solidFill>
-                  <a:srgbClr val="008800"/>
-                </a:solidFill>
-                <a:effectLst/>
-                <a:latin typeface="Consolas" panose="020B0609020204030204" pitchFamily="49" charset="0"/>
-              </a:rPr>
-              <a:t>"Mark Zuckerberg"</a:t>
-            </a:r>
-            <a:r>
-              <a:rPr kumimoji="0" lang="en-US" altLang="en-US" sz="2400" b="0" i="0" u="none" strike="noStrike" cap="none" normalizeH="0" baseline="0" dirty="0">
-                <a:ln>
-                  <a:noFill/>
-                </a:ln>
-                <a:solidFill>
-                  <a:srgbClr val="666600"/>
-                </a:solidFill>
-                <a:effectLst/>
-                <a:latin typeface="Consolas" panose="020B0609020204030204" pitchFamily="49" charset="0"/>
-              </a:rPr>
-              <a:t>,</a:t>
-            </a:r>
-            <a:r>
-              <a:rPr kumimoji="0" lang="en-US" altLang="en-US" sz="2400" b="0" i="0" u="none" strike="noStrike" cap="none" normalizeH="0" baseline="0" dirty="0">
-                <a:ln>
-                  <a:noFill/>
-                </a:ln>
-                <a:solidFill>
-                  <a:srgbClr val="000000"/>
-                </a:solidFill>
-                <a:effectLst/>
-                <a:latin typeface="Consolas" panose="020B0609020204030204" pitchFamily="49" charset="0"/>
-              </a:rPr>
-              <a:t> </a:t>
-            </a:r>
-            <a:r>
-              <a:rPr kumimoji="0" lang="en-US" altLang="en-US" sz="2400" b="0" i="0" u="none" strike="noStrike" cap="none" normalizeH="0" baseline="0" dirty="0">
-                <a:ln>
-                  <a:noFill/>
-                </a:ln>
-                <a:solidFill>
-                  <a:srgbClr val="006666"/>
-                </a:solidFill>
-                <a:effectLst/>
-                <a:latin typeface="Consolas" panose="020B0609020204030204" pitchFamily="49" charset="0"/>
-              </a:rPr>
-              <a:t>300000.0</a:t>
-            </a:r>
-            <a:r>
-              <a:rPr kumimoji="0" lang="en-US" altLang="en-US" sz="2400" b="0" i="0" u="none" strike="noStrike" cap="none" normalizeH="0" baseline="0" dirty="0">
-                <a:ln>
-                  <a:noFill/>
-                </a:ln>
-                <a:solidFill>
-                  <a:srgbClr val="666600"/>
-                </a:solidFill>
-                <a:effectLst/>
-                <a:latin typeface="Consolas" panose="020B0609020204030204" pitchFamily="49" charset="0"/>
-              </a:rPr>
-              <a:t>)</a:t>
-            </a:r>
-            <a:r>
-              <a:rPr kumimoji="0" lang="en-US" altLang="en-US" sz="2400" b="0" i="0" u="none" strike="noStrike" cap="none" normalizeH="0" baseline="0" dirty="0">
-                <a:ln>
-                  <a:noFill/>
-                </a:ln>
-                <a:solidFill>
-                  <a:srgbClr val="000000"/>
-                </a:solidFill>
-                <a:effectLst/>
-                <a:latin typeface="Consolas" panose="020B0609020204030204" pitchFamily="49" charset="0"/>
-              </a:rPr>
-              <a:t> </a:t>
-            </a:r>
-            <a:r>
-              <a:rPr kumimoji="0" lang="en-US" altLang="en-US" sz="2400" b="0" i="0" u="none" strike="noStrike" cap="none" normalizeH="0" baseline="0" dirty="0">
-                <a:ln>
-                  <a:noFill/>
-                </a:ln>
-                <a:solidFill>
-                  <a:srgbClr val="666600"/>
-                </a:solidFill>
-                <a:effectLst/>
-                <a:latin typeface="Consolas" panose="020B0609020204030204" pitchFamily="49" charset="0"/>
-              </a:rPr>
-              <a:t>};</a:t>
-            </a:r>
-            <a:r>
-              <a:rPr kumimoji="0" lang="en-US" altLang="en-US" sz="2400" b="0" i="0" u="none" strike="noStrike" cap="none" normalizeH="0" baseline="0" dirty="0">
-                <a:ln>
-                  <a:noFill/>
-                </a:ln>
-                <a:solidFill>
-                  <a:srgbClr val="000000"/>
-                </a:solidFill>
-                <a:effectLst/>
-                <a:latin typeface="Consolas" panose="020B0609020204030204" pitchFamily="49" charset="0"/>
-              </a:rPr>
-              <a:t> </a:t>
-            </a:r>
-          </a:p>
-          <a:p>
-            <a:pPr marL="0" marR="0" lvl="0" indent="0" algn="l" defTabSz="914400" rtl="0" eaLnBrk="0" fontAlgn="base" latinLnBrk="0" hangingPunct="0">
-              <a:lnSpc>
-                <a:spcPct val="100000"/>
-              </a:lnSpc>
-              <a:spcBef>
-                <a:spcPct val="0"/>
-              </a:spcBef>
-              <a:spcAft>
-                <a:spcPct val="0"/>
-              </a:spcAft>
-              <a:buClrTx/>
-              <a:buSzTx/>
-              <a:buFontTx/>
-              <a:buNone/>
-              <a:tabLst/>
-            </a:pPr>
-            <a:endParaRPr lang="en-US" altLang="en-US" sz="2400" dirty="0">
-              <a:solidFill>
-                <a:srgbClr val="000000"/>
-              </a:solidFill>
-              <a:latin typeface="Consolas" panose="020B0609020204030204" pitchFamily="49" charset="0"/>
-            </a:endParaRPr>
-          </a:p>
-          <a:p>
-            <a:pPr marL="0" marR="0" lvl="0" indent="0" algn="l" defTabSz="914400" rtl="0" eaLnBrk="0" fontAlgn="base" latinLnBrk="0" hangingPunct="0">
-              <a:lnSpc>
-                <a:spcPct val="100000"/>
-              </a:lnSpc>
-              <a:spcBef>
-                <a:spcPct val="0"/>
-              </a:spcBef>
-              <a:spcAft>
-                <a:spcPct val="0"/>
-              </a:spcAft>
-              <a:buClrTx/>
-              <a:buSzTx/>
-              <a:buFontTx/>
-              <a:buNone/>
-              <a:tabLst/>
-            </a:pPr>
-            <a:r>
-              <a:rPr kumimoji="0" lang="en-US" altLang="en-US" sz="2400" b="0" i="0" u="none" strike="noStrike" cap="none" normalizeH="0" baseline="0" dirty="0" err="1">
-                <a:ln>
-                  <a:noFill/>
-                </a:ln>
-                <a:solidFill>
-                  <a:srgbClr val="660066"/>
-                </a:solidFill>
-                <a:effectLst/>
-                <a:latin typeface="Consolas" panose="020B0609020204030204" pitchFamily="49" charset="0"/>
-              </a:rPr>
-              <a:t>Stream</a:t>
-            </a:r>
-            <a:r>
-              <a:rPr kumimoji="0" lang="en-US" altLang="en-US" sz="2400" b="0" i="0" u="none" strike="noStrike" cap="none" normalizeH="0" baseline="0" dirty="0" err="1">
-                <a:ln>
-                  <a:noFill/>
-                </a:ln>
-                <a:solidFill>
-                  <a:srgbClr val="666600"/>
-                </a:solidFill>
-                <a:effectLst/>
-                <a:latin typeface="Consolas" panose="020B0609020204030204" pitchFamily="49" charset="0"/>
-              </a:rPr>
-              <a:t>.</a:t>
-            </a:r>
-            <a:r>
-              <a:rPr kumimoji="0" lang="en-US" altLang="en-US" sz="2400" b="0" i="0" u="none" strike="noStrike" cap="none" normalizeH="0" baseline="0" dirty="0" err="1">
-                <a:ln>
-                  <a:noFill/>
-                </a:ln>
-                <a:solidFill>
-                  <a:srgbClr val="000088"/>
-                </a:solidFill>
-                <a:effectLst/>
-                <a:latin typeface="Consolas" panose="020B0609020204030204" pitchFamily="49" charset="0"/>
-              </a:rPr>
-              <a:t>of</a:t>
-            </a:r>
-            <a:r>
-              <a:rPr kumimoji="0" lang="en-US" altLang="en-US" sz="2400" b="0" i="0" u="none" strike="noStrike" cap="none" normalizeH="0" baseline="0" dirty="0">
-                <a:ln>
-                  <a:noFill/>
-                </a:ln>
-                <a:solidFill>
-                  <a:srgbClr val="666600"/>
-                </a:solidFill>
-                <a:effectLst/>
-                <a:latin typeface="Consolas" panose="020B0609020204030204" pitchFamily="49" charset="0"/>
-              </a:rPr>
-              <a:t>(</a:t>
-            </a:r>
-            <a:r>
-              <a:rPr kumimoji="0" lang="en-US" altLang="en-US" sz="2400" b="0" i="0" u="none" strike="noStrike" cap="none" normalizeH="0" baseline="0" dirty="0" err="1">
-                <a:ln>
-                  <a:noFill/>
-                </a:ln>
-                <a:solidFill>
-                  <a:srgbClr val="000000"/>
-                </a:solidFill>
-                <a:effectLst/>
-                <a:latin typeface="Consolas" panose="020B0609020204030204" pitchFamily="49" charset="0"/>
-              </a:rPr>
-              <a:t>arrayOfEmps</a:t>
-            </a:r>
-            <a:r>
-              <a:rPr kumimoji="0" lang="en-US" altLang="en-US" sz="2400" b="0" i="0" u="none" strike="noStrike" cap="none" normalizeH="0" baseline="0" dirty="0">
-                <a:ln>
-                  <a:noFill/>
-                </a:ln>
-                <a:solidFill>
-                  <a:srgbClr val="666600"/>
-                </a:solidFill>
-                <a:effectLst/>
-                <a:latin typeface="Consolas" panose="020B0609020204030204" pitchFamily="49" charset="0"/>
-              </a:rPr>
-              <a:t>);</a:t>
-            </a:r>
-            <a:r>
-              <a:rPr kumimoji="0" lang="en-US" altLang="en-US" sz="2400" b="0" i="0" u="none" strike="noStrike" cap="none" normalizeH="0" baseline="0" dirty="0">
-                <a:ln>
-                  <a:noFill/>
-                </a:ln>
-                <a:solidFill>
-                  <a:schemeClr val="tx1"/>
-                </a:solidFill>
-                <a:effectLst/>
-              </a:rPr>
-              <a:t> </a:t>
-            </a:r>
-            <a:endParaRPr kumimoji="0" lang="en-US" altLang="en-US" sz="2400" b="0" i="0" u="none" strike="noStrike" cap="none" normalizeH="0" baseline="0" dirty="0">
-              <a:ln>
-                <a:noFill/>
-              </a:ln>
-              <a:solidFill>
-                <a:schemeClr val="tx1"/>
-              </a:solidFill>
-              <a:effectLst/>
-              <a:latin typeface="Arial" panose="020B0604020202020204" pitchFamily="34" charset="0"/>
-            </a:endParaRPr>
-          </a:p>
-        </p:txBody>
-      </p:sp>
-      <p:sp>
-        <p:nvSpPr>
-          <p:cNvPr id="6" name="Rectangle 2">
-            <a:extLst>
-              <a:ext uri="{FF2B5EF4-FFF2-40B4-BE49-F238E27FC236}">
-                <a16:creationId xmlns:a16="http://schemas.microsoft.com/office/drawing/2014/main" id="{613A25C5-F042-4341-B74B-8086D3AFC28E}"/>
-              </a:ext>
-            </a:extLst>
-          </p:cNvPr>
-          <p:cNvSpPr>
-            <a:spLocks noChangeArrowheads="1"/>
-          </p:cNvSpPr>
-          <p:nvPr/>
-        </p:nvSpPr>
-        <p:spPr bwMode="auto">
-          <a:xfrm>
-            <a:off x="939800" y="4386877"/>
-            <a:ext cx="8835752" cy="1317923"/>
-          </a:xfrm>
-          <a:prstGeom prst="rect">
-            <a:avLst/>
-          </a:prstGeom>
-          <a:solidFill>
-            <a:srgbClr val="F7F7F9"/>
-          </a:solidFill>
-          <a:ln>
-            <a:noFill/>
-          </a:ln>
-          <a:effectLst/>
-          <a:extLst>
-            <a:ext uri="{91240B29-F687-4F45-9708-019B960494DF}">
-              <a14:hiddenLine xmlns:a14="http://schemas.microsoft.com/office/drawing/2010/main" w="9525">
-                <a:solidFill>
-                  <a:schemeClr val="tx1"/>
-                </a:solidFill>
-                <a:miter lim="800000"/>
-                <a:headEnd/>
-                <a:tailEnd/>
-              </a14:hiddenLine>
-            </a:ext>
-            <a:ext uri="{AF507438-7753-43E0-B8FC-AC1667EBCBE1}">
-              <a14:hiddenEffects xmlns:a14="http://schemas.microsoft.com/office/drawing/2010/main">
-                <a:effectLst>
-                  <a:outerShdw dist="35921" dir="2700000" algn="ctr" rotWithShape="0">
-                    <a:schemeClr val="bg2"/>
-                  </a:outerShdw>
-                </a:effectLst>
-              </a14:hiddenEffects>
-            </a:ext>
-          </a:extLst>
-        </p:spPr>
-        <p:txBody>
-          <a:bodyPr vert="horz" wrap="none" lIns="0" tIns="0" rIns="0" bIns="207897" numCol="1" anchor="ctr" anchorCtr="0" compatLnSpc="1">
-            <a:prstTxWarp prst="textNoShape">
-              <a:avLst/>
-            </a:prstTxWarp>
-            <a:spAutoFit/>
-          </a:bodyPr>
-          <a:lstStyle/>
-          <a:p>
-            <a:pPr marL="0" marR="0" lvl="0" indent="0" algn="l" defTabSz="914400" rtl="0" eaLnBrk="0" fontAlgn="base" latinLnBrk="0" hangingPunct="0">
-              <a:lnSpc>
-                <a:spcPct val="100000"/>
-              </a:lnSpc>
-              <a:spcBef>
-                <a:spcPct val="0"/>
-              </a:spcBef>
-              <a:spcAft>
-                <a:spcPct val="0"/>
-              </a:spcAft>
-              <a:buClrTx/>
-              <a:buSzTx/>
-              <a:buFontTx/>
-              <a:buNone/>
-              <a:tabLst/>
-            </a:pPr>
-            <a:r>
-              <a:rPr kumimoji="0" lang="en-US" altLang="en-US" sz="2400" b="0" i="0" u="none" strike="noStrike" cap="none" normalizeH="0" baseline="0" dirty="0">
-                <a:ln>
-                  <a:noFill/>
-                </a:ln>
-                <a:solidFill>
-                  <a:srgbClr val="660066"/>
-                </a:solidFill>
-                <a:effectLst/>
-                <a:latin typeface="Consolas" panose="020B0609020204030204" pitchFamily="49" charset="0"/>
-              </a:rPr>
-              <a:t>List</a:t>
-            </a:r>
-            <a:r>
-              <a:rPr kumimoji="0" lang="en-US" altLang="en-US" sz="2400" b="0" i="0" u="none" strike="noStrike" cap="none" normalizeH="0" baseline="0" dirty="0">
-                <a:ln>
-                  <a:noFill/>
-                </a:ln>
-                <a:solidFill>
-                  <a:srgbClr val="666600"/>
-                </a:solidFill>
-                <a:effectLst/>
-                <a:latin typeface="Consolas" panose="020B0609020204030204" pitchFamily="49" charset="0"/>
-              </a:rPr>
-              <a:t>&lt;</a:t>
-            </a:r>
-            <a:r>
-              <a:rPr kumimoji="0" lang="en-US" altLang="en-US" sz="2400" b="0" i="0" u="none" strike="noStrike" cap="none" normalizeH="0" baseline="0" dirty="0">
-                <a:ln>
-                  <a:noFill/>
-                </a:ln>
-                <a:solidFill>
-                  <a:srgbClr val="660066"/>
-                </a:solidFill>
-                <a:effectLst/>
-                <a:latin typeface="Consolas" panose="020B0609020204030204" pitchFamily="49" charset="0"/>
-              </a:rPr>
-              <a:t>Employee</a:t>
-            </a:r>
-            <a:r>
-              <a:rPr kumimoji="0" lang="en-US" altLang="en-US" sz="2400" b="0" i="0" u="none" strike="noStrike" cap="none" normalizeH="0" baseline="0" dirty="0">
-                <a:ln>
-                  <a:noFill/>
-                </a:ln>
-                <a:solidFill>
-                  <a:srgbClr val="666600"/>
-                </a:solidFill>
-                <a:effectLst/>
-                <a:latin typeface="Consolas" panose="020B0609020204030204" pitchFamily="49" charset="0"/>
-              </a:rPr>
-              <a:t>&gt;</a:t>
-            </a:r>
-            <a:r>
-              <a:rPr kumimoji="0" lang="en-US" altLang="en-US" sz="2400" b="0" i="0" u="none" strike="noStrike" cap="none" normalizeH="0" baseline="0" dirty="0">
-                <a:ln>
-                  <a:noFill/>
-                </a:ln>
-                <a:solidFill>
-                  <a:srgbClr val="000000"/>
-                </a:solidFill>
-                <a:effectLst/>
-                <a:latin typeface="Consolas" panose="020B0609020204030204" pitchFamily="49" charset="0"/>
-              </a:rPr>
-              <a:t> </a:t>
-            </a:r>
-            <a:r>
-              <a:rPr kumimoji="0" lang="en-US" altLang="en-US" sz="2400" b="0" i="0" u="none" strike="noStrike" cap="none" normalizeH="0" baseline="0" dirty="0" err="1">
-                <a:ln>
-                  <a:noFill/>
-                </a:ln>
-                <a:solidFill>
-                  <a:srgbClr val="000000"/>
-                </a:solidFill>
-                <a:effectLst/>
-                <a:latin typeface="Consolas" panose="020B0609020204030204" pitchFamily="49" charset="0"/>
-              </a:rPr>
-              <a:t>empList</a:t>
-            </a:r>
-            <a:r>
-              <a:rPr kumimoji="0" lang="en-US" altLang="en-US" sz="2400" b="0" i="0" u="none" strike="noStrike" cap="none" normalizeH="0" baseline="0" dirty="0">
-                <a:ln>
-                  <a:noFill/>
-                </a:ln>
-                <a:solidFill>
-                  <a:srgbClr val="000000"/>
-                </a:solidFill>
-                <a:effectLst/>
-                <a:latin typeface="Consolas" panose="020B0609020204030204" pitchFamily="49" charset="0"/>
-              </a:rPr>
-              <a:t> </a:t>
-            </a:r>
-            <a:r>
-              <a:rPr kumimoji="0" lang="en-US" altLang="en-US" sz="2400" b="0" i="0" u="none" strike="noStrike" cap="none" normalizeH="0" baseline="0" dirty="0">
-                <a:ln>
-                  <a:noFill/>
-                </a:ln>
-                <a:solidFill>
-                  <a:srgbClr val="666600"/>
-                </a:solidFill>
-                <a:effectLst/>
-                <a:latin typeface="Consolas" panose="020B0609020204030204" pitchFamily="49" charset="0"/>
-              </a:rPr>
-              <a:t>=</a:t>
-            </a:r>
-            <a:r>
-              <a:rPr kumimoji="0" lang="en-US" altLang="en-US" sz="2400" b="0" i="0" u="none" strike="noStrike" cap="none" normalizeH="0" baseline="0" dirty="0">
-                <a:ln>
-                  <a:noFill/>
-                </a:ln>
-                <a:solidFill>
-                  <a:srgbClr val="000000"/>
-                </a:solidFill>
-                <a:effectLst/>
-                <a:latin typeface="Consolas" panose="020B0609020204030204" pitchFamily="49" charset="0"/>
-              </a:rPr>
-              <a:t> </a:t>
-            </a:r>
-            <a:r>
-              <a:rPr kumimoji="0" lang="en-US" altLang="en-US" sz="2400" b="0" i="0" u="none" strike="noStrike" cap="none" normalizeH="0" baseline="0" dirty="0" err="1">
-                <a:ln>
-                  <a:noFill/>
-                </a:ln>
-                <a:solidFill>
-                  <a:srgbClr val="660066"/>
-                </a:solidFill>
-                <a:effectLst/>
-                <a:latin typeface="Consolas" panose="020B0609020204030204" pitchFamily="49" charset="0"/>
-              </a:rPr>
-              <a:t>Arrays</a:t>
-            </a:r>
-            <a:r>
-              <a:rPr kumimoji="0" lang="en-US" altLang="en-US" sz="2400" b="0" i="0" u="none" strike="noStrike" cap="none" normalizeH="0" baseline="0" dirty="0" err="1">
-                <a:ln>
-                  <a:noFill/>
-                </a:ln>
-                <a:solidFill>
-                  <a:srgbClr val="666600"/>
-                </a:solidFill>
-                <a:effectLst/>
-                <a:latin typeface="Consolas" panose="020B0609020204030204" pitchFamily="49" charset="0"/>
-              </a:rPr>
-              <a:t>.</a:t>
-            </a:r>
-            <a:r>
-              <a:rPr kumimoji="0" lang="en-US" altLang="en-US" sz="2400" b="0" i="0" u="none" strike="noStrike" cap="none" normalizeH="0" baseline="0" dirty="0" err="1">
-                <a:ln>
-                  <a:noFill/>
-                </a:ln>
-                <a:solidFill>
-                  <a:srgbClr val="000000"/>
-                </a:solidFill>
-                <a:effectLst/>
-                <a:latin typeface="Consolas" panose="020B0609020204030204" pitchFamily="49" charset="0"/>
-              </a:rPr>
-              <a:t>asList</a:t>
-            </a:r>
-            <a:r>
-              <a:rPr kumimoji="0" lang="en-US" altLang="en-US" sz="2400" b="0" i="0" u="none" strike="noStrike" cap="none" normalizeH="0" baseline="0" dirty="0">
-                <a:ln>
-                  <a:noFill/>
-                </a:ln>
-                <a:solidFill>
-                  <a:srgbClr val="666600"/>
-                </a:solidFill>
-                <a:effectLst/>
-                <a:latin typeface="Consolas" panose="020B0609020204030204" pitchFamily="49" charset="0"/>
-              </a:rPr>
-              <a:t>(</a:t>
-            </a:r>
-            <a:r>
-              <a:rPr kumimoji="0" lang="en-US" altLang="en-US" sz="2400" b="0" i="0" u="none" strike="noStrike" cap="none" normalizeH="0" baseline="0" dirty="0" err="1">
-                <a:ln>
-                  <a:noFill/>
-                </a:ln>
-                <a:solidFill>
-                  <a:srgbClr val="000000"/>
-                </a:solidFill>
-                <a:effectLst/>
-                <a:latin typeface="Consolas" panose="020B0609020204030204" pitchFamily="49" charset="0"/>
-              </a:rPr>
-              <a:t>arrayOfEmps</a:t>
-            </a:r>
-            <a:r>
-              <a:rPr kumimoji="0" lang="en-US" altLang="en-US" sz="2400" b="0" i="0" u="none" strike="noStrike" cap="none" normalizeH="0" baseline="0" dirty="0">
-                <a:ln>
-                  <a:noFill/>
-                </a:ln>
-                <a:solidFill>
-                  <a:srgbClr val="666600"/>
-                </a:solidFill>
-                <a:effectLst/>
-                <a:latin typeface="Consolas" panose="020B0609020204030204" pitchFamily="49" charset="0"/>
-              </a:rPr>
-              <a:t>);</a:t>
-            </a:r>
-          </a:p>
-          <a:p>
-            <a:pPr marL="0" marR="0" lvl="0" indent="0" algn="l" defTabSz="914400" rtl="0" eaLnBrk="0" fontAlgn="base" latinLnBrk="0" hangingPunct="0">
-              <a:lnSpc>
-                <a:spcPct val="100000"/>
-              </a:lnSpc>
-              <a:spcBef>
-                <a:spcPct val="0"/>
-              </a:spcBef>
-              <a:spcAft>
-                <a:spcPct val="0"/>
-              </a:spcAft>
-              <a:buClrTx/>
-              <a:buSzTx/>
-              <a:buFontTx/>
-              <a:buNone/>
-              <a:tabLst/>
-            </a:pPr>
-            <a:endParaRPr lang="en-US" altLang="en-US" sz="2400" dirty="0">
-              <a:solidFill>
-                <a:srgbClr val="000000"/>
-              </a:solidFill>
-              <a:latin typeface="Consolas" panose="020B0609020204030204" pitchFamily="49" charset="0"/>
-            </a:endParaRPr>
-          </a:p>
-          <a:p>
-            <a:pPr marL="0" marR="0" lvl="0" indent="0" algn="l" defTabSz="914400" rtl="0" eaLnBrk="0" fontAlgn="base" latinLnBrk="0" hangingPunct="0">
-              <a:lnSpc>
-                <a:spcPct val="100000"/>
-              </a:lnSpc>
-              <a:spcBef>
-                <a:spcPct val="0"/>
-              </a:spcBef>
-              <a:spcAft>
-                <a:spcPct val="0"/>
-              </a:spcAft>
-              <a:buClrTx/>
-              <a:buSzTx/>
-              <a:buFontTx/>
-              <a:buNone/>
-              <a:tabLst/>
-            </a:pPr>
-            <a:r>
-              <a:rPr kumimoji="0" lang="en-US" altLang="en-US" sz="2400" b="0" i="0" u="none" strike="noStrike" cap="none" normalizeH="0" baseline="0" dirty="0" err="1">
-                <a:ln>
-                  <a:noFill/>
-                </a:ln>
-                <a:solidFill>
-                  <a:srgbClr val="000000"/>
-                </a:solidFill>
-                <a:effectLst/>
-                <a:latin typeface="Consolas" panose="020B0609020204030204" pitchFamily="49" charset="0"/>
-              </a:rPr>
-              <a:t>empList</a:t>
-            </a:r>
-            <a:r>
-              <a:rPr kumimoji="0" lang="en-US" altLang="en-US" sz="2400" b="0" i="0" u="none" strike="noStrike" cap="none" normalizeH="0" baseline="0" dirty="0" err="1">
-                <a:ln>
-                  <a:noFill/>
-                </a:ln>
-                <a:solidFill>
-                  <a:srgbClr val="666600"/>
-                </a:solidFill>
-                <a:effectLst/>
-                <a:latin typeface="Consolas" panose="020B0609020204030204" pitchFamily="49" charset="0"/>
-              </a:rPr>
-              <a:t>.</a:t>
-            </a:r>
-            <a:r>
-              <a:rPr kumimoji="0" lang="en-US" altLang="en-US" sz="2400" b="0" i="0" u="none" strike="noStrike" cap="none" normalizeH="0" baseline="0" dirty="0" err="1">
-                <a:ln>
-                  <a:noFill/>
-                </a:ln>
-                <a:solidFill>
-                  <a:srgbClr val="000000"/>
-                </a:solidFill>
-                <a:effectLst/>
-                <a:latin typeface="Consolas" panose="020B0609020204030204" pitchFamily="49" charset="0"/>
-              </a:rPr>
-              <a:t>stream</a:t>
-            </a:r>
-            <a:r>
-              <a:rPr kumimoji="0" lang="en-US" altLang="en-US" sz="2400" b="0" i="0" u="none" strike="noStrike" cap="none" normalizeH="0" baseline="0" dirty="0">
-                <a:ln>
-                  <a:noFill/>
-                </a:ln>
-                <a:solidFill>
-                  <a:srgbClr val="666600"/>
-                </a:solidFill>
-                <a:effectLst/>
-                <a:latin typeface="Consolas" panose="020B0609020204030204" pitchFamily="49" charset="0"/>
-              </a:rPr>
-              <a:t>();</a:t>
-            </a:r>
-            <a:r>
-              <a:rPr kumimoji="0" lang="en-US" altLang="en-US" sz="2400" b="0" i="0" u="none" strike="noStrike" cap="none" normalizeH="0" baseline="0" dirty="0">
-                <a:ln>
-                  <a:noFill/>
-                </a:ln>
-                <a:solidFill>
-                  <a:schemeClr val="tx1"/>
-                </a:solidFill>
-                <a:effectLst/>
-              </a:rPr>
-              <a:t> </a:t>
-            </a:r>
-            <a:endParaRPr kumimoji="0" lang="en-US" altLang="en-US" sz="2400" b="0" i="0" u="none" strike="noStrike" cap="none" normalizeH="0" baseline="0" dirty="0">
-              <a:ln>
-                <a:noFill/>
-              </a:ln>
-              <a:solidFill>
-                <a:schemeClr val="tx1"/>
-              </a:solidFill>
-              <a:effectLst/>
-              <a:latin typeface="Arial" panose="020B0604020202020204" pitchFamily="34" charset="0"/>
-            </a:endParaRPr>
-          </a:p>
-        </p:txBody>
-      </p:sp>
     </p:spTree>
     <p:extLst>
       <p:ext uri="{BB962C8B-B14F-4D97-AF65-F5344CB8AC3E}">
-        <p14:creationId xmlns:p14="http://schemas.microsoft.com/office/powerpoint/2010/main" val="928471011"/>
+        <p14:creationId xmlns:p14="http://schemas.microsoft.com/office/powerpoint/2010/main" val="1999189295"/>
       </p:ext>
     </p:extLst>
   </p:cSld>
@@ -8605,7 +7338,7 @@
           <p:cNvPr id="2" name="Title 1">
             <a:extLst>
               <a:ext uri="{FF2B5EF4-FFF2-40B4-BE49-F238E27FC236}">
-                <a16:creationId xmlns:a16="http://schemas.microsoft.com/office/drawing/2014/main" id="{ED503D44-BFEF-486C-92B2-25F7D584BB86}"/>
+                <a16:creationId xmlns:a16="http://schemas.microsoft.com/office/drawing/2014/main" id="{AD612774-0C09-4A74-9D88-7D006C5EDC0E}"/>
               </a:ext>
             </a:extLst>
           </p:cNvPr>
@@ -8623,51 +7356,8 @@
           <a:p>
             <a:r>
               <a:rPr lang="en-US" dirty="0"/>
-              <a:t>Additional Resources</a:t>
-            </a:r>
-          </a:p>
-        </p:txBody>
-      </p:sp>
-      <p:sp>
-        <p:nvSpPr>
-          <p:cNvPr id="3" name="Content Placeholder 2">
-            <a:extLst>
-              <a:ext uri="{FF2B5EF4-FFF2-40B4-BE49-F238E27FC236}">
-                <a16:creationId xmlns:a16="http://schemas.microsoft.com/office/drawing/2014/main" id="{968C26B8-9E12-4ED3-9FBF-CFB685806119}"/>
-              </a:ext>
-            </a:extLst>
-          </p:cNvPr>
-          <p:cNvSpPr>
-            <a:spLocks noGrp="1"/>
-          </p:cNvSpPr>
-          <p:nvPr>
-            <p:ph idx="1"/>
-          </p:nvPr>
-        </p:nvSpPr>
-        <p:spPr/>
-        <p:txBody>
-          <a:bodyPr/>
-          <a:lstStyle/>
-          <a:p>
-            <a:r>
-              <a:rPr lang="en-US" dirty="0">
-                <a:hlinkClick r:id="rId2"/>
-              </a:rPr>
-              <a:t>https://stackify.com/streams-guide-java-8/</a:t>
-            </a:r>
-            <a:endParaRPr lang="en-US" dirty="0"/>
-          </a:p>
-          <a:p>
-            <a:r>
-              <a:rPr lang="en-US" dirty="0">
-                <a:hlinkClick r:id="rId3"/>
-              </a:rPr>
-              <a:t>https://www.baeldung.com/java-8-streams</a:t>
-            </a:r>
-            <a:endParaRPr lang="en-US" dirty="0"/>
-          </a:p>
-          <a:p>
-            <a:endParaRPr lang="en-US" dirty="0"/>
+              <a:t>Creating Streams</a:t>
+            </a:r>
           </a:p>
         </p:txBody>
       </p:sp>
@@ -8676,7 +7366,7 @@
           <p:cNvPr id="4" name="Slide Number Placeholder 3">
             <a:extLst>
               <a:ext uri="{FF2B5EF4-FFF2-40B4-BE49-F238E27FC236}">
-                <a16:creationId xmlns:a16="http://schemas.microsoft.com/office/drawing/2014/main" id="{95C4AEE3-FE49-498A-A87D-FC4BE7639587}"/>
+                <a16:creationId xmlns:a16="http://schemas.microsoft.com/office/drawing/2014/main" id="{4E6EF7CE-8928-454B-8886-D14B4798FF6A}"/>
               </a:ext>
             </a:extLst>
           </p:cNvPr>
@@ -8700,10 +7390,1327 @@
           </a:p>
         </p:txBody>
       </p:sp>
+      <p:sp>
+        <p:nvSpPr>
+          <p:cNvPr id="5" name="Rectangle 1">
+            <a:extLst>
+              <a:ext uri="{FF2B5EF4-FFF2-40B4-BE49-F238E27FC236}">
+                <a16:creationId xmlns:a16="http://schemas.microsoft.com/office/drawing/2014/main" id="{D6B6FEE0-ECB0-4883-9D2A-14EA538A0B46}"/>
+              </a:ext>
+            </a:extLst>
+          </p:cNvPr>
+          <p:cNvSpPr>
+            <a:spLocks noGrp="1" noChangeArrowheads="1"/>
+          </p:cNvSpPr>
+          <p:nvPr>
+            <p:ph idx="1"/>
+          </p:nvPr>
+        </p:nvSpPr>
+        <p:spPr bwMode="auto">
+          <a:xfrm>
+            <a:off x="939800" y="1685608"/>
+            <a:ext cx="9906000" cy="2425918"/>
+          </a:xfrm>
+          <a:prstGeom prst="rect">
+            <a:avLst/>
+          </a:prstGeom>
+          <a:solidFill>
+            <a:srgbClr val="F7F7F9"/>
+          </a:solidFill>
+          <a:ln>
+            <a:noFill/>
+          </a:ln>
+          <a:effectLst/>
+          <a:extLst>
+            <a:ext uri="{91240B29-F687-4F45-9708-019B960494DF}">
+              <a14:hiddenLine xmlns:a14="http://schemas.microsoft.com/office/drawing/2010/main" w="9525">
+                <a:solidFill>
+                  <a:schemeClr val="tx1"/>
+                </a:solidFill>
+                <a:miter lim="800000"/>
+                <a:headEnd/>
+                <a:tailEnd/>
+              </a14:hiddenLine>
+            </a:ext>
+            <a:ext uri="{AF507438-7753-43E0-B8FC-AC1667EBCBE1}">
+              <a14:hiddenEffects xmlns:a14="http://schemas.microsoft.com/office/drawing/2010/main">
+                <a:effectLst>
+                  <a:outerShdw dist="35921" dir="2700000" algn="ctr" rotWithShape="0">
+                    <a:schemeClr val="bg2"/>
+                  </a:outerShdw>
+                </a:effectLst>
+              </a14:hiddenEffects>
+            </a:ext>
+          </a:extLst>
+        </p:spPr>
+        <p:txBody>
+          <a:bodyPr vert="horz" wrap="square" lIns="0" tIns="0" rIns="0" bIns="207897" numCol="1" anchor="ctr" anchorCtr="0" compatLnSpc="1">
+            <a:prstTxWarp prst="textNoShape">
+              <a:avLst/>
+            </a:prstTxWarp>
+            <a:spAutoFit/>
+          </a:bodyPr>
+          <a:lstStyle/>
+          <a:p>
+            <a:pPr marL="0" marR="0" lvl="0" indent="0" algn="l" defTabSz="914400" rtl="0" eaLnBrk="0" fontAlgn="base" latinLnBrk="0" hangingPunct="0">
+              <a:lnSpc>
+                <a:spcPct val="100000"/>
+              </a:lnSpc>
+              <a:spcBef>
+                <a:spcPct val="0"/>
+              </a:spcBef>
+              <a:spcAft>
+                <a:spcPct val="0"/>
+              </a:spcAft>
+              <a:buClrTx/>
+              <a:buSzTx/>
+              <a:buFontTx/>
+              <a:buNone/>
+              <a:tabLst/>
+            </a:pPr>
+            <a:r>
+              <a:rPr kumimoji="0" lang="en-US" altLang="en-US" sz="2400" b="0" i="0" u="none" strike="noStrike" cap="none" normalizeH="0" baseline="0" dirty="0">
+                <a:ln>
+                  <a:noFill/>
+                </a:ln>
+                <a:solidFill>
+                  <a:srgbClr val="660066"/>
+                </a:solidFill>
+                <a:effectLst/>
+                <a:latin typeface="Consolas" panose="020B0609020204030204" pitchFamily="49" charset="0"/>
+              </a:rPr>
+              <a:t>Employee</a:t>
+            </a:r>
+            <a:r>
+              <a:rPr kumimoji="0" lang="en-US" altLang="en-US" sz="2400" b="0" i="0" u="none" strike="noStrike" cap="none" normalizeH="0" baseline="0" dirty="0">
+                <a:ln>
+                  <a:noFill/>
+                </a:ln>
+                <a:solidFill>
+                  <a:srgbClr val="666600"/>
+                </a:solidFill>
+                <a:effectLst/>
+                <a:latin typeface="Consolas" panose="020B0609020204030204" pitchFamily="49" charset="0"/>
+              </a:rPr>
+              <a:t>[]</a:t>
+            </a:r>
+            <a:r>
+              <a:rPr kumimoji="0" lang="en-US" altLang="en-US" sz="2400" b="0" i="0" u="none" strike="noStrike" cap="none" normalizeH="0" baseline="0" dirty="0">
+                <a:ln>
+                  <a:noFill/>
+                </a:ln>
+                <a:solidFill>
+                  <a:srgbClr val="000000"/>
+                </a:solidFill>
+                <a:effectLst/>
+                <a:latin typeface="Consolas" panose="020B0609020204030204" pitchFamily="49" charset="0"/>
+              </a:rPr>
+              <a:t> </a:t>
+            </a:r>
+            <a:r>
+              <a:rPr kumimoji="0" lang="en-US" altLang="en-US" sz="2400" b="0" i="0" u="none" strike="noStrike" cap="none" normalizeH="0" baseline="0" dirty="0" err="1">
+                <a:ln>
+                  <a:noFill/>
+                </a:ln>
+                <a:solidFill>
+                  <a:srgbClr val="000000"/>
+                </a:solidFill>
+                <a:effectLst/>
+                <a:latin typeface="Consolas" panose="020B0609020204030204" pitchFamily="49" charset="0"/>
+              </a:rPr>
+              <a:t>arrayOfEmps</a:t>
+            </a:r>
+            <a:r>
+              <a:rPr kumimoji="0" lang="en-US" altLang="en-US" sz="2400" b="0" i="0" u="none" strike="noStrike" cap="none" normalizeH="0" baseline="0" dirty="0">
+                <a:ln>
+                  <a:noFill/>
+                </a:ln>
+                <a:solidFill>
+                  <a:srgbClr val="000000"/>
+                </a:solidFill>
+                <a:effectLst/>
+                <a:latin typeface="Consolas" panose="020B0609020204030204" pitchFamily="49" charset="0"/>
+              </a:rPr>
+              <a:t> </a:t>
+            </a:r>
+            <a:r>
+              <a:rPr kumimoji="0" lang="en-US" altLang="en-US" sz="2400" b="0" i="0" u="none" strike="noStrike" cap="none" normalizeH="0" baseline="0" dirty="0">
+                <a:ln>
+                  <a:noFill/>
+                </a:ln>
+                <a:solidFill>
+                  <a:srgbClr val="666600"/>
+                </a:solidFill>
+                <a:effectLst/>
+                <a:latin typeface="Consolas" panose="020B0609020204030204" pitchFamily="49" charset="0"/>
+              </a:rPr>
+              <a:t>=</a:t>
+            </a:r>
+            <a:r>
+              <a:rPr kumimoji="0" lang="en-US" altLang="en-US" sz="2400" b="0" i="0" u="none" strike="noStrike" cap="none" normalizeH="0" baseline="0" dirty="0">
+                <a:ln>
+                  <a:noFill/>
+                </a:ln>
+                <a:solidFill>
+                  <a:srgbClr val="000000"/>
+                </a:solidFill>
+                <a:effectLst/>
+                <a:latin typeface="Consolas" panose="020B0609020204030204" pitchFamily="49" charset="0"/>
+              </a:rPr>
+              <a:t> </a:t>
+            </a:r>
+            <a:r>
+              <a:rPr kumimoji="0" lang="en-US" altLang="en-US" sz="2400" b="0" i="0" u="none" strike="noStrike" cap="none" normalizeH="0" baseline="0" dirty="0">
+                <a:ln>
+                  <a:noFill/>
+                </a:ln>
+                <a:solidFill>
+                  <a:srgbClr val="666600"/>
+                </a:solidFill>
+                <a:effectLst/>
+                <a:latin typeface="Consolas" panose="020B0609020204030204" pitchFamily="49" charset="0"/>
+              </a:rPr>
+              <a:t>{</a:t>
+            </a:r>
+            <a:r>
+              <a:rPr kumimoji="0" lang="en-US" altLang="en-US" sz="2400" b="0" i="0" u="none" strike="noStrike" cap="none" normalizeH="0" baseline="0" dirty="0">
+                <a:ln>
+                  <a:noFill/>
+                </a:ln>
+                <a:solidFill>
+                  <a:srgbClr val="000000"/>
+                </a:solidFill>
+                <a:effectLst/>
+                <a:latin typeface="Consolas" panose="020B0609020204030204" pitchFamily="49" charset="0"/>
+              </a:rPr>
+              <a:t> </a:t>
+            </a:r>
+          </a:p>
+          <a:p>
+            <a:pPr marL="0" marR="0" lvl="0" indent="0" algn="l" defTabSz="914400" rtl="0" eaLnBrk="0" fontAlgn="base" latinLnBrk="0" hangingPunct="0">
+              <a:lnSpc>
+                <a:spcPct val="100000"/>
+              </a:lnSpc>
+              <a:spcBef>
+                <a:spcPct val="0"/>
+              </a:spcBef>
+              <a:spcAft>
+                <a:spcPct val="0"/>
+              </a:spcAft>
+              <a:buClrTx/>
+              <a:buSzTx/>
+              <a:buFontTx/>
+              <a:buNone/>
+              <a:tabLst/>
+            </a:pPr>
+            <a:r>
+              <a:rPr kumimoji="0" lang="en-US" altLang="en-US" sz="2400" b="0" i="0" u="none" strike="noStrike" cap="none" normalizeH="0" baseline="0" dirty="0">
+                <a:ln>
+                  <a:noFill/>
+                </a:ln>
+                <a:solidFill>
+                  <a:srgbClr val="000088"/>
+                </a:solidFill>
+                <a:effectLst/>
+                <a:latin typeface="Consolas" panose="020B0609020204030204" pitchFamily="49" charset="0"/>
+              </a:rPr>
+              <a:t>	new</a:t>
+            </a:r>
+            <a:r>
+              <a:rPr kumimoji="0" lang="en-US" altLang="en-US" sz="2400" b="0" i="0" u="none" strike="noStrike" cap="none" normalizeH="0" baseline="0" dirty="0">
+                <a:ln>
+                  <a:noFill/>
+                </a:ln>
+                <a:solidFill>
+                  <a:srgbClr val="000000"/>
+                </a:solidFill>
+                <a:effectLst/>
+                <a:latin typeface="Consolas" panose="020B0609020204030204" pitchFamily="49" charset="0"/>
+              </a:rPr>
+              <a:t> </a:t>
+            </a:r>
+            <a:r>
+              <a:rPr kumimoji="0" lang="en-US" altLang="en-US" sz="2400" b="0" i="0" u="none" strike="noStrike" cap="none" normalizeH="0" baseline="0" dirty="0">
+                <a:ln>
+                  <a:noFill/>
+                </a:ln>
+                <a:solidFill>
+                  <a:srgbClr val="660066"/>
+                </a:solidFill>
+                <a:effectLst/>
+                <a:latin typeface="Consolas" panose="020B0609020204030204" pitchFamily="49" charset="0"/>
+              </a:rPr>
+              <a:t>Employee</a:t>
+            </a:r>
+            <a:r>
+              <a:rPr kumimoji="0" lang="en-US" altLang="en-US" sz="2400" b="0" i="0" u="none" strike="noStrike" cap="none" normalizeH="0" baseline="0" dirty="0">
+                <a:ln>
+                  <a:noFill/>
+                </a:ln>
+                <a:solidFill>
+                  <a:srgbClr val="666600"/>
+                </a:solidFill>
+                <a:effectLst/>
+                <a:latin typeface="Consolas" panose="020B0609020204030204" pitchFamily="49" charset="0"/>
+              </a:rPr>
+              <a:t>(</a:t>
+            </a:r>
+            <a:r>
+              <a:rPr kumimoji="0" lang="en-US" altLang="en-US" sz="2400" b="0" i="0" u="none" strike="noStrike" cap="none" normalizeH="0" baseline="0" dirty="0">
+                <a:ln>
+                  <a:noFill/>
+                </a:ln>
+                <a:solidFill>
+                  <a:srgbClr val="006666"/>
+                </a:solidFill>
+                <a:effectLst/>
+                <a:latin typeface="Consolas" panose="020B0609020204030204" pitchFamily="49" charset="0"/>
+              </a:rPr>
+              <a:t>1</a:t>
+            </a:r>
+            <a:r>
+              <a:rPr kumimoji="0" lang="en-US" altLang="en-US" sz="2400" b="0" i="0" u="none" strike="noStrike" cap="none" normalizeH="0" baseline="0" dirty="0">
+                <a:ln>
+                  <a:noFill/>
+                </a:ln>
+                <a:solidFill>
+                  <a:srgbClr val="666600"/>
+                </a:solidFill>
+                <a:effectLst/>
+                <a:latin typeface="Consolas" panose="020B0609020204030204" pitchFamily="49" charset="0"/>
+              </a:rPr>
+              <a:t>,</a:t>
+            </a:r>
+            <a:r>
+              <a:rPr kumimoji="0" lang="en-US" altLang="en-US" sz="2400" b="0" i="0" u="none" strike="noStrike" cap="none" normalizeH="0" baseline="0" dirty="0">
+                <a:ln>
+                  <a:noFill/>
+                </a:ln>
+                <a:solidFill>
+                  <a:srgbClr val="000000"/>
+                </a:solidFill>
+                <a:effectLst/>
+                <a:latin typeface="Consolas" panose="020B0609020204030204" pitchFamily="49" charset="0"/>
+              </a:rPr>
+              <a:t> </a:t>
+            </a:r>
+            <a:r>
+              <a:rPr kumimoji="0" lang="en-US" altLang="en-US" sz="2400" b="0" i="0" u="none" strike="noStrike" cap="none" normalizeH="0" baseline="0" dirty="0">
+                <a:ln>
+                  <a:noFill/>
+                </a:ln>
+                <a:solidFill>
+                  <a:srgbClr val="008800"/>
+                </a:solidFill>
+                <a:effectLst/>
+                <a:latin typeface="Consolas" panose="020B0609020204030204" pitchFamily="49" charset="0"/>
+              </a:rPr>
+              <a:t>"Jeff Bezos"</a:t>
+            </a:r>
+            <a:r>
+              <a:rPr kumimoji="0" lang="en-US" altLang="en-US" sz="2400" b="0" i="0" u="none" strike="noStrike" cap="none" normalizeH="0" baseline="0" dirty="0">
+                <a:ln>
+                  <a:noFill/>
+                </a:ln>
+                <a:solidFill>
+                  <a:srgbClr val="666600"/>
+                </a:solidFill>
+                <a:effectLst/>
+                <a:latin typeface="Consolas" panose="020B0609020204030204" pitchFamily="49" charset="0"/>
+              </a:rPr>
+              <a:t>,</a:t>
+            </a:r>
+            <a:r>
+              <a:rPr kumimoji="0" lang="en-US" altLang="en-US" sz="2400" b="0" i="0" u="none" strike="noStrike" cap="none" normalizeH="0" baseline="0" dirty="0">
+                <a:ln>
+                  <a:noFill/>
+                </a:ln>
+                <a:solidFill>
+                  <a:srgbClr val="000000"/>
+                </a:solidFill>
+                <a:effectLst/>
+                <a:latin typeface="Consolas" panose="020B0609020204030204" pitchFamily="49" charset="0"/>
+              </a:rPr>
+              <a:t> </a:t>
+            </a:r>
+            <a:r>
+              <a:rPr kumimoji="0" lang="en-US" altLang="en-US" sz="2400" b="0" i="0" u="none" strike="noStrike" cap="none" normalizeH="0" baseline="0" dirty="0">
+                <a:ln>
+                  <a:noFill/>
+                </a:ln>
+                <a:solidFill>
+                  <a:srgbClr val="006666"/>
+                </a:solidFill>
+                <a:effectLst/>
+                <a:latin typeface="Consolas" panose="020B0609020204030204" pitchFamily="49" charset="0"/>
+              </a:rPr>
+              <a:t>100000.0</a:t>
+            </a:r>
+            <a:r>
+              <a:rPr kumimoji="0" lang="en-US" altLang="en-US" sz="2400" b="0" i="0" u="none" strike="noStrike" cap="none" normalizeH="0" baseline="0" dirty="0">
+                <a:ln>
+                  <a:noFill/>
+                </a:ln>
+                <a:solidFill>
+                  <a:srgbClr val="666600"/>
+                </a:solidFill>
+                <a:effectLst/>
+                <a:latin typeface="Consolas" panose="020B0609020204030204" pitchFamily="49" charset="0"/>
+              </a:rPr>
+              <a:t>),</a:t>
+            </a:r>
+            <a:r>
+              <a:rPr kumimoji="0" lang="en-US" altLang="en-US" sz="2400" b="0" i="0" u="none" strike="noStrike" cap="none" normalizeH="0" baseline="0" dirty="0">
+                <a:ln>
+                  <a:noFill/>
+                </a:ln>
+                <a:solidFill>
+                  <a:srgbClr val="000000"/>
+                </a:solidFill>
+                <a:effectLst/>
+                <a:latin typeface="Consolas" panose="020B0609020204030204" pitchFamily="49" charset="0"/>
+              </a:rPr>
+              <a:t> </a:t>
+            </a:r>
+          </a:p>
+          <a:p>
+            <a:pPr marL="0" marR="0" lvl="0" indent="0" algn="l" defTabSz="914400" rtl="0" eaLnBrk="0" fontAlgn="base" latinLnBrk="0" hangingPunct="0">
+              <a:lnSpc>
+                <a:spcPct val="100000"/>
+              </a:lnSpc>
+              <a:spcBef>
+                <a:spcPct val="0"/>
+              </a:spcBef>
+              <a:spcAft>
+                <a:spcPct val="0"/>
+              </a:spcAft>
+              <a:buClrTx/>
+              <a:buSzTx/>
+              <a:buFontTx/>
+              <a:buNone/>
+              <a:tabLst/>
+            </a:pPr>
+            <a:r>
+              <a:rPr kumimoji="0" lang="en-US" altLang="en-US" sz="2400" b="0" i="0" u="none" strike="noStrike" cap="none" normalizeH="0" baseline="0" dirty="0">
+                <a:ln>
+                  <a:noFill/>
+                </a:ln>
+                <a:solidFill>
+                  <a:srgbClr val="000088"/>
+                </a:solidFill>
+                <a:effectLst/>
+                <a:latin typeface="Consolas" panose="020B0609020204030204" pitchFamily="49" charset="0"/>
+              </a:rPr>
+              <a:t>	new</a:t>
+            </a:r>
+            <a:r>
+              <a:rPr kumimoji="0" lang="en-US" altLang="en-US" sz="2400" b="0" i="0" u="none" strike="noStrike" cap="none" normalizeH="0" baseline="0" dirty="0">
+                <a:ln>
+                  <a:noFill/>
+                </a:ln>
+                <a:solidFill>
+                  <a:srgbClr val="000000"/>
+                </a:solidFill>
+                <a:effectLst/>
+                <a:latin typeface="Consolas" panose="020B0609020204030204" pitchFamily="49" charset="0"/>
+              </a:rPr>
+              <a:t> </a:t>
+            </a:r>
+            <a:r>
+              <a:rPr kumimoji="0" lang="en-US" altLang="en-US" sz="2400" b="0" i="0" u="none" strike="noStrike" cap="none" normalizeH="0" baseline="0" dirty="0">
+                <a:ln>
+                  <a:noFill/>
+                </a:ln>
+                <a:solidFill>
+                  <a:srgbClr val="660066"/>
+                </a:solidFill>
+                <a:effectLst/>
+                <a:latin typeface="Consolas" panose="020B0609020204030204" pitchFamily="49" charset="0"/>
+              </a:rPr>
+              <a:t>Employee</a:t>
+            </a:r>
+            <a:r>
+              <a:rPr kumimoji="0" lang="en-US" altLang="en-US" sz="2400" b="0" i="0" u="none" strike="noStrike" cap="none" normalizeH="0" baseline="0" dirty="0">
+                <a:ln>
+                  <a:noFill/>
+                </a:ln>
+                <a:solidFill>
+                  <a:srgbClr val="666600"/>
+                </a:solidFill>
+                <a:effectLst/>
+                <a:latin typeface="Consolas" panose="020B0609020204030204" pitchFamily="49" charset="0"/>
+              </a:rPr>
+              <a:t>(</a:t>
+            </a:r>
+            <a:r>
+              <a:rPr kumimoji="0" lang="en-US" altLang="en-US" sz="2400" b="0" i="0" u="none" strike="noStrike" cap="none" normalizeH="0" baseline="0" dirty="0">
+                <a:ln>
+                  <a:noFill/>
+                </a:ln>
+                <a:solidFill>
+                  <a:srgbClr val="006666"/>
+                </a:solidFill>
+                <a:effectLst/>
+                <a:latin typeface="Consolas" panose="020B0609020204030204" pitchFamily="49" charset="0"/>
+              </a:rPr>
+              <a:t>2</a:t>
+            </a:r>
+            <a:r>
+              <a:rPr kumimoji="0" lang="en-US" altLang="en-US" sz="2400" b="0" i="0" u="none" strike="noStrike" cap="none" normalizeH="0" baseline="0" dirty="0">
+                <a:ln>
+                  <a:noFill/>
+                </a:ln>
+                <a:solidFill>
+                  <a:srgbClr val="666600"/>
+                </a:solidFill>
+                <a:effectLst/>
+                <a:latin typeface="Consolas" panose="020B0609020204030204" pitchFamily="49" charset="0"/>
+              </a:rPr>
+              <a:t>,</a:t>
+            </a:r>
+            <a:r>
+              <a:rPr kumimoji="0" lang="en-US" altLang="en-US" sz="2400" b="0" i="0" u="none" strike="noStrike" cap="none" normalizeH="0" baseline="0" dirty="0">
+                <a:ln>
+                  <a:noFill/>
+                </a:ln>
+                <a:solidFill>
+                  <a:srgbClr val="000000"/>
+                </a:solidFill>
+                <a:effectLst/>
+                <a:latin typeface="Consolas" panose="020B0609020204030204" pitchFamily="49" charset="0"/>
+              </a:rPr>
+              <a:t> </a:t>
+            </a:r>
+            <a:r>
+              <a:rPr kumimoji="0" lang="en-US" altLang="en-US" sz="2400" b="0" i="0" u="none" strike="noStrike" cap="none" normalizeH="0" baseline="0" dirty="0">
+                <a:ln>
+                  <a:noFill/>
+                </a:ln>
+                <a:solidFill>
+                  <a:srgbClr val="008800"/>
+                </a:solidFill>
+                <a:effectLst/>
+                <a:latin typeface="Consolas" panose="020B0609020204030204" pitchFamily="49" charset="0"/>
+              </a:rPr>
+              <a:t>"Bill Gates"</a:t>
+            </a:r>
+            <a:r>
+              <a:rPr kumimoji="0" lang="en-US" altLang="en-US" sz="2400" b="0" i="0" u="none" strike="noStrike" cap="none" normalizeH="0" baseline="0" dirty="0">
+                <a:ln>
+                  <a:noFill/>
+                </a:ln>
+                <a:solidFill>
+                  <a:srgbClr val="666600"/>
+                </a:solidFill>
+                <a:effectLst/>
+                <a:latin typeface="Consolas" panose="020B0609020204030204" pitchFamily="49" charset="0"/>
+              </a:rPr>
+              <a:t>,</a:t>
+            </a:r>
+            <a:r>
+              <a:rPr kumimoji="0" lang="en-US" altLang="en-US" sz="2400" b="0" i="0" u="none" strike="noStrike" cap="none" normalizeH="0" baseline="0" dirty="0">
+                <a:ln>
+                  <a:noFill/>
+                </a:ln>
+                <a:solidFill>
+                  <a:srgbClr val="000000"/>
+                </a:solidFill>
+                <a:effectLst/>
+                <a:latin typeface="Consolas" panose="020B0609020204030204" pitchFamily="49" charset="0"/>
+              </a:rPr>
+              <a:t> </a:t>
+            </a:r>
+            <a:r>
+              <a:rPr kumimoji="0" lang="en-US" altLang="en-US" sz="2400" b="0" i="0" u="none" strike="noStrike" cap="none" normalizeH="0" baseline="0" dirty="0">
+                <a:ln>
+                  <a:noFill/>
+                </a:ln>
+                <a:solidFill>
+                  <a:srgbClr val="006666"/>
+                </a:solidFill>
+                <a:effectLst/>
+                <a:latin typeface="Consolas" panose="020B0609020204030204" pitchFamily="49" charset="0"/>
+              </a:rPr>
+              <a:t>200000.0</a:t>
+            </a:r>
+            <a:r>
+              <a:rPr kumimoji="0" lang="en-US" altLang="en-US" sz="2400" b="0" i="0" u="none" strike="noStrike" cap="none" normalizeH="0" baseline="0" dirty="0">
+                <a:ln>
+                  <a:noFill/>
+                </a:ln>
+                <a:solidFill>
+                  <a:srgbClr val="666600"/>
+                </a:solidFill>
+                <a:effectLst/>
+                <a:latin typeface="Consolas" panose="020B0609020204030204" pitchFamily="49" charset="0"/>
+              </a:rPr>
+              <a:t>),</a:t>
+            </a:r>
+            <a:r>
+              <a:rPr kumimoji="0" lang="en-US" altLang="en-US" sz="2400" b="0" i="0" u="none" strike="noStrike" cap="none" normalizeH="0" baseline="0" dirty="0">
+                <a:ln>
+                  <a:noFill/>
+                </a:ln>
+                <a:solidFill>
+                  <a:srgbClr val="000000"/>
+                </a:solidFill>
+                <a:effectLst/>
+                <a:latin typeface="Consolas" panose="020B0609020204030204" pitchFamily="49" charset="0"/>
+              </a:rPr>
+              <a:t> </a:t>
+            </a:r>
+          </a:p>
+          <a:p>
+            <a:pPr marL="0" marR="0" lvl="0" indent="0" algn="l" defTabSz="914400" rtl="0" eaLnBrk="0" fontAlgn="base" latinLnBrk="0" hangingPunct="0">
+              <a:lnSpc>
+                <a:spcPct val="100000"/>
+              </a:lnSpc>
+              <a:spcBef>
+                <a:spcPct val="0"/>
+              </a:spcBef>
+              <a:spcAft>
+                <a:spcPct val="0"/>
+              </a:spcAft>
+              <a:buClrTx/>
+              <a:buSzTx/>
+              <a:buFontTx/>
+              <a:buNone/>
+              <a:tabLst/>
+            </a:pPr>
+            <a:r>
+              <a:rPr kumimoji="0" lang="en-US" altLang="en-US" sz="2400" b="0" i="0" u="none" strike="noStrike" cap="none" normalizeH="0" baseline="0" dirty="0">
+                <a:ln>
+                  <a:noFill/>
+                </a:ln>
+                <a:solidFill>
+                  <a:srgbClr val="000088"/>
+                </a:solidFill>
+                <a:effectLst/>
+                <a:latin typeface="Consolas" panose="020B0609020204030204" pitchFamily="49" charset="0"/>
+              </a:rPr>
+              <a:t>	new</a:t>
+            </a:r>
+            <a:r>
+              <a:rPr kumimoji="0" lang="en-US" altLang="en-US" sz="2400" b="0" i="0" u="none" strike="noStrike" cap="none" normalizeH="0" baseline="0" dirty="0">
+                <a:ln>
+                  <a:noFill/>
+                </a:ln>
+                <a:solidFill>
+                  <a:srgbClr val="000000"/>
+                </a:solidFill>
+                <a:effectLst/>
+                <a:latin typeface="Consolas" panose="020B0609020204030204" pitchFamily="49" charset="0"/>
+              </a:rPr>
+              <a:t> </a:t>
+            </a:r>
+            <a:r>
+              <a:rPr kumimoji="0" lang="en-US" altLang="en-US" sz="2400" b="0" i="0" u="none" strike="noStrike" cap="none" normalizeH="0" baseline="0" dirty="0">
+                <a:ln>
+                  <a:noFill/>
+                </a:ln>
+                <a:solidFill>
+                  <a:srgbClr val="660066"/>
+                </a:solidFill>
+                <a:effectLst/>
+                <a:latin typeface="Consolas" panose="020B0609020204030204" pitchFamily="49" charset="0"/>
+              </a:rPr>
+              <a:t>Employee</a:t>
+            </a:r>
+            <a:r>
+              <a:rPr kumimoji="0" lang="en-US" altLang="en-US" sz="2400" b="0" i="0" u="none" strike="noStrike" cap="none" normalizeH="0" baseline="0" dirty="0">
+                <a:ln>
+                  <a:noFill/>
+                </a:ln>
+                <a:solidFill>
+                  <a:srgbClr val="666600"/>
+                </a:solidFill>
+                <a:effectLst/>
+                <a:latin typeface="Consolas" panose="020B0609020204030204" pitchFamily="49" charset="0"/>
+              </a:rPr>
+              <a:t>(</a:t>
+            </a:r>
+            <a:r>
+              <a:rPr kumimoji="0" lang="en-US" altLang="en-US" sz="2400" b="0" i="0" u="none" strike="noStrike" cap="none" normalizeH="0" baseline="0" dirty="0">
+                <a:ln>
+                  <a:noFill/>
+                </a:ln>
+                <a:solidFill>
+                  <a:srgbClr val="006666"/>
+                </a:solidFill>
+                <a:effectLst/>
+                <a:latin typeface="Consolas" panose="020B0609020204030204" pitchFamily="49" charset="0"/>
+              </a:rPr>
+              <a:t>3</a:t>
+            </a:r>
+            <a:r>
+              <a:rPr kumimoji="0" lang="en-US" altLang="en-US" sz="2400" b="0" i="0" u="none" strike="noStrike" cap="none" normalizeH="0" baseline="0" dirty="0">
+                <a:ln>
+                  <a:noFill/>
+                </a:ln>
+                <a:solidFill>
+                  <a:srgbClr val="666600"/>
+                </a:solidFill>
+                <a:effectLst/>
+                <a:latin typeface="Consolas" panose="020B0609020204030204" pitchFamily="49" charset="0"/>
+              </a:rPr>
+              <a:t>,</a:t>
+            </a:r>
+            <a:r>
+              <a:rPr kumimoji="0" lang="en-US" altLang="en-US" sz="2400" b="0" i="0" u="none" strike="noStrike" cap="none" normalizeH="0" baseline="0" dirty="0">
+                <a:ln>
+                  <a:noFill/>
+                </a:ln>
+                <a:solidFill>
+                  <a:srgbClr val="000000"/>
+                </a:solidFill>
+                <a:effectLst/>
+                <a:latin typeface="Consolas" panose="020B0609020204030204" pitchFamily="49" charset="0"/>
+              </a:rPr>
+              <a:t> </a:t>
+            </a:r>
+            <a:r>
+              <a:rPr kumimoji="0" lang="en-US" altLang="en-US" sz="2400" b="0" i="0" u="none" strike="noStrike" cap="none" normalizeH="0" baseline="0" dirty="0">
+                <a:ln>
+                  <a:noFill/>
+                </a:ln>
+                <a:solidFill>
+                  <a:srgbClr val="008800"/>
+                </a:solidFill>
+                <a:effectLst/>
+                <a:latin typeface="Consolas" panose="020B0609020204030204" pitchFamily="49" charset="0"/>
+              </a:rPr>
+              <a:t>"Mark Zuckerberg"</a:t>
+            </a:r>
+            <a:r>
+              <a:rPr kumimoji="0" lang="en-US" altLang="en-US" sz="2400" b="0" i="0" u="none" strike="noStrike" cap="none" normalizeH="0" baseline="0" dirty="0">
+                <a:ln>
+                  <a:noFill/>
+                </a:ln>
+                <a:solidFill>
+                  <a:srgbClr val="666600"/>
+                </a:solidFill>
+                <a:effectLst/>
+                <a:latin typeface="Consolas" panose="020B0609020204030204" pitchFamily="49" charset="0"/>
+              </a:rPr>
+              <a:t>,</a:t>
+            </a:r>
+            <a:r>
+              <a:rPr kumimoji="0" lang="en-US" altLang="en-US" sz="2400" b="0" i="0" u="none" strike="noStrike" cap="none" normalizeH="0" baseline="0" dirty="0">
+                <a:ln>
+                  <a:noFill/>
+                </a:ln>
+                <a:solidFill>
+                  <a:srgbClr val="000000"/>
+                </a:solidFill>
+                <a:effectLst/>
+                <a:latin typeface="Consolas" panose="020B0609020204030204" pitchFamily="49" charset="0"/>
+              </a:rPr>
+              <a:t> </a:t>
+            </a:r>
+            <a:r>
+              <a:rPr kumimoji="0" lang="en-US" altLang="en-US" sz="2400" b="0" i="0" u="none" strike="noStrike" cap="none" normalizeH="0" baseline="0" dirty="0">
+                <a:ln>
+                  <a:noFill/>
+                </a:ln>
+                <a:solidFill>
+                  <a:srgbClr val="006666"/>
+                </a:solidFill>
+                <a:effectLst/>
+                <a:latin typeface="Consolas" panose="020B0609020204030204" pitchFamily="49" charset="0"/>
+              </a:rPr>
+              <a:t>300000.0</a:t>
+            </a:r>
+            <a:r>
+              <a:rPr kumimoji="0" lang="en-US" altLang="en-US" sz="2400" b="0" i="0" u="none" strike="noStrike" cap="none" normalizeH="0" baseline="0" dirty="0">
+                <a:ln>
+                  <a:noFill/>
+                </a:ln>
+                <a:solidFill>
+                  <a:srgbClr val="666600"/>
+                </a:solidFill>
+                <a:effectLst/>
+                <a:latin typeface="Consolas" panose="020B0609020204030204" pitchFamily="49" charset="0"/>
+              </a:rPr>
+              <a:t>)</a:t>
+            </a:r>
+            <a:r>
+              <a:rPr kumimoji="0" lang="en-US" altLang="en-US" sz="2400" b="0" i="0" u="none" strike="noStrike" cap="none" normalizeH="0" baseline="0" dirty="0">
+                <a:ln>
+                  <a:noFill/>
+                </a:ln>
+                <a:solidFill>
+                  <a:srgbClr val="000000"/>
+                </a:solidFill>
+                <a:effectLst/>
+                <a:latin typeface="Consolas" panose="020B0609020204030204" pitchFamily="49" charset="0"/>
+              </a:rPr>
+              <a:t> </a:t>
+            </a:r>
+            <a:r>
+              <a:rPr kumimoji="0" lang="en-US" altLang="en-US" sz="2400" b="0" i="0" u="none" strike="noStrike" cap="none" normalizeH="0" baseline="0" dirty="0">
+                <a:ln>
+                  <a:noFill/>
+                </a:ln>
+                <a:solidFill>
+                  <a:srgbClr val="666600"/>
+                </a:solidFill>
+                <a:effectLst/>
+                <a:latin typeface="Consolas" panose="020B0609020204030204" pitchFamily="49" charset="0"/>
+              </a:rPr>
+              <a:t>};</a:t>
+            </a:r>
+            <a:r>
+              <a:rPr kumimoji="0" lang="en-US" altLang="en-US" sz="2400" b="0" i="0" u="none" strike="noStrike" cap="none" normalizeH="0" baseline="0" dirty="0">
+                <a:ln>
+                  <a:noFill/>
+                </a:ln>
+                <a:solidFill>
+                  <a:srgbClr val="000000"/>
+                </a:solidFill>
+                <a:effectLst/>
+                <a:latin typeface="Consolas" panose="020B0609020204030204" pitchFamily="49" charset="0"/>
+              </a:rPr>
+              <a:t> </a:t>
+            </a:r>
+          </a:p>
+          <a:p>
+            <a:pPr marL="0" marR="0" lvl="0" indent="0" algn="l" defTabSz="914400" rtl="0" eaLnBrk="0" fontAlgn="base" latinLnBrk="0" hangingPunct="0">
+              <a:lnSpc>
+                <a:spcPct val="100000"/>
+              </a:lnSpc>
+              <a:spcBef>
+                <a:spcPct val="0"/>
+              </a:spcBef>
+              <a:spcAft>
+                <a:spcPct val="0"/>
+              </a:spcAft>
+              <a:buClrTx/>
+              <a:buSzTx/>
+              <a:buFontTx/>
+              <a:buNone/>
+              <a:tabLst/>
+            </a:pPr>
+            <a:endParaRPr lang="en-US" altLang="en-US" sz="2400" dirty="0">
+              <a:solidFill>
+                <a:srgbClr val="000000"/>
+              </a:solidFill>
+              <a:latin typeface="Consolas" panose="020B0609020204030204" pitchFamily="49" charset="0"/>
+            </a:endParaRPr>
+          </a:p>
+          <a:p>
+            <a:pPr marL="0" marR="0" lvl="0" indent="0" algn="l" defTabSz="914400" rtl="0" eaLnBrk="0" fontAlgn="base" latinLnBrk="0" hangingPunct="0">
+              <a:lnSpc>
+                <a:spcPct val="100000"/>
+              </a:lnSpc>
+              <a:spcBef>
+                <a:spcPct val="0"/>
+              </a:spcBef>
+              <a:spcAft>
+                <a:spcPct val="0"/>
+              </a:spcAft>
+              <a:buClrTx/>
+              <a:buSzTx/>
+              <a:buFontTx/>
+              <a:buNone/>
+              <a:tabLst/>
+            </a:pPr>
+            <a:r>
+              <a:rPr kumimoji="0" lang="en-US" altLang="en-US" sz="2400" b="0" i="0" u="none" strike="noStrike" cap="none" normalizeH="0" baseline="0" dirty="0" err="1">
+                <a:ln>
+                  <a:noFill/>
+                </a:ln>
+                <a:solidFill>
+                  <a:srgbClr val="660066"/>
+                </a:solidFill>
+                <a:effectLst/>
+                <a:latin typeface="Consolas" panose="020B0609020204030204" pitchFamily="49" charset="0"/>
+              </a:rPr>
+              <a:t>Stream</a:t>
+            </a:r>
+            <a:r>
+              <a:rPr kumimoji="0" lang="en-US" altLang="en-US" sz="2400" b="0" i="0" u="none" strike="noStrike" cap="none" normalizeH="0" baseline="0" dirty="0" err="1">
+                <a:ln>
+                  <a:noFill/>
+                </a:ln>
+                <a:solidFill>
+                  <a:srgbClr val="666600"/>
+                </a:solidFill>
+                <a:effectLst/>
+                <a:latin typeface="Consolas" panose="020B0609020204030204" pitchFamily="49" charset="0"/>
+              </a:rPr>
+              <a:t>.</a:t>
+            </a:r>
+            <a:r>
+              <a:rPr kumimoji="0" lang="en-US" altLang="en-US" sz="2400" b="0" i="0" u="none" strike="noStrike" cap="none" normalizeH="0" baseline="0" dirty="0" err="1">
+                <a:ln>
+                  <a:noFill/>
+                </a:ln>
+                <a:solidFill>
+                  <a:srgbClr val="000088"/>
+                </a:solidFill>
+                <a:effectLst/>
+                <a:latin typeface="Consolas" panose="020B0609020204030204" pitchFamily="49" charset="0"/>
+              </a:rPr>
+              <a:t>of</a:t>
+            </a:r>
+            <a:r>
+              <a:rPr kumimoji="0" lang="en-US" altLang="en-US" sz="2400" b="0" i="0" u="none" strike="noStrike" cap="none" normalizeH="0" baseline="0" dirty="0">
+                <a:ln>
+                  <a:noFill/>
+                </a:ln>
+                <a:solidFill>
+                  <a:srgbClr val="666600"/>
+                </a:solidFill>
+                <a:effectLst/>
+                <a:latin typeface="Consolas" panose="020B0609020204030204" pitchFamily="49" charset="0"/>
+              </a:rPr>
+              <a:t>(</a:t>
+            </a:r>
+            <a:r>
+              <a:rPr kumimoji="0" lang="en-US" altLang="en-US" sz="2400" b="0" i="0" u="none" strike="noStrike" cap="none" normalizeH="0" baseline="0" dirty="0" err="1">
+                <a:ln>
+                  <a:noFill/>
+                </a:ln>
+                <a:solidFill>
+                  <a:srgbClr val="000000"/>
+                </a:solidFill>
+                <a:effectLst/>
+                <a:latin typeface="Consolas" panose="020B0609020204030204" pitchFamily="49" charset="0"/>
+              </a:rPr>
+              <a:t>arrayOfEmps</a:t>
+            </a:r>
+            <a:r>
+              <a:rPr kumimoji="0" lang="en-US" altLang="en-US" sz="2400" b="0" i="0" u="none" strike="noStrike" cap="none" normalizeH="0" baseline="0" dirty="0">
+                <a:ln>
+                  <a:noFill/>
+                </a:ln>
+                <a:solidFill>
+                  <a:srgbClr val="666600"/>
+                </a:solidFill>
+                <a:effectLst/>
+                <a:latin typeface="Consolas" panose="020B0609020204030204" pitchFamily="49" charset="0"/>
+              </a:rPr>
+              <a:t>);</a:t>
+            </a:r>
+            <a:r>
+              <a:rPr kumimoji="0" lang="en-US" altLang="en-US" sz="2400" b="0" i="0" u="none" strike="noStrike" cap="none" normalizeH="0" baseline="0" dirty="0">
+                <a:ln>
+                  <a:noFill/>
+                </a:ln>
+                <a:solidFill>
+                  <a:schemeClr val="tx1"/>
+                </a:solidFill>
+                <a:effectLst/>
+              </a:rPr>
+              <a:t> </a:t>
+            </a:r>
+            <a:endParaRPr kumimoji="0" lang="en-US" altLang="en-US" sz="2400" b="0" i="0" u="none" strike="noStrike" cap="none" normalizeH="0" baseline="0" dirty="0">
+              <a:ln>
+                <a:noFill/>
+              </a:ln>
+              <a:solidFill>
+                <a:schemeClr val="tx1"/>
+              </a:solidFill>
+              <a:effectLst/>
+              <a:latin typeface="Arial" panose="020B0604020202020204" pitchFamily="34" charset="0"/>
+            </a:endParaRPr>
+          </a:p>
+        </p:txBody>
+      </p:sp>
+      <p:sp>
+        <p:nvSpPr>
+          <p:cNvPr id="6" name="Rectangle 2">
+            <a:extLst>
+              <a:ext uri="{FF2B5EF4-FFF2-40B4-BE49-F238E27FC236}">
+                <a16:creationId xmlns:a16="http://schemas.microsoft.com/office/drawing/2014/main" id="{613A25C5-F042-4341-B74B-8086D3AFC28E}"/>
+              </a:ext>
+            </a:extLst>
+          </p:cNvPr>
+          <p:cNvSpPr>
+            <a:spLocks noChangeArrowheads="1"/>
+          </p:cNvSpPr>
+          <p:nvPr/>
+        </p:nvSpPr>
+        <p:spPr bwMode="auto">
+          <a:xfrm>
+            <a:off x="939800" y="4386877"/>
+            <a:ext cx="8835752" cy="1317923"/>
+          </a:xfrm>
+          <a:prstGeom prst="rect">
+            <a:avLst/>
+          </a:prstGeom>
+          <a:solidFill>
+            <a:srgbClr val="F7F7F9"/>
+          </a:solidFill>
+          <a:ln>
+            <a:noFill/>
+          </a:ln>
+          <a:effectLst/>
+          <a:extLst>
+            <a:ext uri="{91240B29-F687-4F45-9708-019B960494DF}">
+              <a14:hiddenLine xmlns:a14="http://schemas.microsoft.com/office/drawing/2010/main" w="9525">
+                <a:solidFill>
+                  <a:schemeClr val="tx1"/>
+                </a:solidFill>
+                <a:miter lim="800000"/>
+                <a:headEnd/>
+                <a:tailEnd/>
+              </a14:hiddenLine>
+            </a:ext>
+            <a:ext uri="{AF507438-7753-43E0-B8FC-AC1667EBCBE1}">
+              <a14:hiddenEffects xmlns:a14="http://schemas.microsoft.com/office/drawing/2010/main">
+                <a:effectLst>
+                  <a:outerShdw dist="35921" dir="2700000" algn="ctr" rotWithShape="0">
+                    <a:schemeClr val="bg2"/>
+                  </a:outerShdw>
+                </a:effectLst>
+              </a14:hiddenEffects>
+            </a:ext>
+          </a:extLst>
+        </p:spPr>
+        <p:txBody>
+          <a:bodyPr vert="horz" wrap="none" lIns="0" tIns="0" rIns="0" bIns="207897" numCol="1" anchor="ctr" anchorCtr="0" compatLnSpc="1">
+            <a:prstTxWarp prst="textNoShape">
+              <a:avLst/>
+            </a:prstTxWarp>
+            <a:spAutoFit/>
+          </a:bodyPr>
+          <a:lstStyle/>
+          <a:p>
+            <a:pPr marL="0" marR="0" lvl="0" indent="0" algn="l" defTabSz="914400" rtl="0" eaLnBrk="0" fontAlgn="base" latinLnBrk="0" hangingPunct="0">
+              <a:lnSpc>
+                <a:spcPct val="100000"/>
+              </a:lnSpc>
+              <a:spcBef>
+                <a:spcPct val="0"/>
+              </a:spcBef>
+              <a:spcAft>
+                <a:spcPct val="0"/>
+              </a:spcAft>
+              <a:buClrTx/>
+              <a:buSzTx/>
+              <a:buFontTx/>
+              <a:buNone/>
+              <a:tabLst/>
+            </a:pPr>
+            <a:r>
+              <a:rPr kumimoji="0" lang="en-US" altLang="en-US" sz="2400" b="0" i="0" u="none" strike="noStrike" cap="none" normalizeH="0" baseline="0" dirty="0">
+                <a:ln>
+                  <a:noFill/>
+                </a:ln>
+                <a:solidFill>
+                  <a:srgbClr val="660066"/>
+                </a:solidFill>
+                <a:effectLst/>
+                <a:latin typeface="Consolas" panose="020B0609020204030204" pitchFamily="49" charset="0"/>
+              </a:rPr>
+              <a:t>List</a:t>
+            </a:r>
+            <a:r>
+              <a:rPr kumimoji="0" lang="en-US" altLang="en-US" sz="2400" b="0" i="0" u="none" strike="noStrike" cap="none" normalizeH="0" baseline="0" dirty="0">
+                <a:ln>
+                  <a:noFill/>
+                </a:ln>
+                <a:solidFill>
+                  <a:srgbClr val="666600"/>
+                </a:solidFill>
+                <a:effectLst/>
+                <a:latin typeface="Consolas" panose="020B0609020204030204" pitchFamily="49" charset="0"/>
+              </a:rPr>
+              <a:t>&lt;</a:t>
+            </a:r>
+            <a:r>
+              <a:rPr kumimoji="0" lang="en-US" altLang="en-US" sz="2400" b="0" i="0" u="none" strike="noStrike" cap="none" normalizeH="0" baseline="0" dirty="0">
+                <a:ln>
+                  <a:noFill/>
+                </a:ln>
+                <a:solidFill>
+                  <a:srgbClr val="660066"/>
+                </a:solidFill>
+                <a:effectLst/>
+                <a:latin typeface="Consolas" panose="020B0609020204030204" pitchFamily="49" charset="0"/>
+              </a:rPr>
+              <a:t>Employee</a:t>
+            </a:r>
+            <a:r>
+              <a:rPr kumimoji="0" lang="en-US" altLang="en-US" sz="2400" b="0" i="0" u="none" strike="noStrike" cap="none" normalizeH="0" baseline="0" dirty="0">
+                <a:ln>
+                  <a:noFill/>
+                </a:ln>
+                <a:solidFill>
+                  <a:srgbClr val="666600"/>
+                </a:solidFill>
+                <a:effectLst/>
+                <a:latin typeface="Consolas" panose="020B0609020204030204" pitchFamily="49" charset="0"/>
+              </a:rPr>
+              <a:t>&gt;</a:t>
+            </a:r>
+            <a:r>
+              <a:rPr kumimoji="0" lang="en-US" altLang="en-US" sz="2400" b="0" i="0" u="none" strike="noStrike" cap="none" normalizeH="0" baseline="0" dirty="0">
+                <a:ln>
+                  <a:noFill/>
+                </a:ln>
+                <a:solidFill>
+                  <a:srgbClr val="000000"/>
+                </a:solidFill>
+                <a:effectLst/>
+                <a:latin typeface="Consolas" panose="020B0609020204030204" pitchFamily="49" charset="0"/>
+              </a:rPr>
+              <a:t> </a:t>
+            </a:r>
+            <a:r>
+              <a:rPr kumimoji="0" lang="en-US" altLang="en-US" sz="2400" b="0" i="0" u="none" strike="noStrike" cap="none" normalizeH="0" baseline="0" dirty="0" err="1">
+                <a:ln>
+                  <a:noFill/>
+                </a:ln>
+                <a:solidFill>
+                  <a:srgbClr val="000000"/>
+                </a:solidFill>
+                <a:effectLst/>
+                <a:latin typeface="Consolas" panose="020B0609020204030204" pitchFamily="49" charset="0"/>
+              </a:rPr>
+              <a:t>empList</a:t>
+            </a:r>
+            <a:r>
+              <a:rPr kumimoji="0" lang="en-US" altLang="en-US" sz="2400" b="0" i="0" u="none" strike="noStrike" cap="none" normalizeH="0" baseline="0" dirty="0">
+                <a:ln>
+                  <a:noFill/>
+                </a:ln>
+                <a:solidFill>
+                  <a:srgbClr val="000000"/>
+                </a:solidFill>
+                <a:effectLst/>
+                <a:latin typeface="Consolas" panose="020B0609020204030204" pitchFamily="49" charset="0"/>
+              </a:rPr>
+              <a:t> </a:t>
+            </a:r>
+            <a:r>
+              <a:rPr kumimoji="0" lang="en-US" altLang="en-US" sz="2400" b="0" i="0" u="none" strike="noStrike" cap="none" normalizeH="0" baseline="0" dirty="0">
+                <a:ln>
+                  <a:noFill/>
+                </a:ln>
+                <a:solidFill>
+                  <a:srgbClr val="666600"/>
+                </a:solidFill>
+                <a:effectLst/>
+                <a:latin typeface="Consolas" panose="020B0609020204030204" pitchFamily="49" charset="0"/>
+              </a:rPr>
+              <a:t>=</a:t>
+            </a:r>
+            <a:r>
+              <a:rPr kumimoji="0" lang="en-US" altLang="en-US" sz="2400" b="0" i="0" u="none" strike="noStrike" cap="none" normalizeH="0" baseline="0" dirty="0">
+                <a:ln>
+                  <a:noFill/>
+                </a:ln>
+                <a:solidFill>
+                  <a:srgbClr val="000000"/>
+                </a:solidFill>
+                <a:effectLst/>
+                <a:latin typeface="Consolas" panose="020B0609020204030204" pitchFamily="49" charset="0"/>
+              </a:rPr>
+              <a:t> </a:t>
+            </a:r>
+            <a:r>
+              <a:rPr kumimoji="0" lang="en-US" altLang="en-US" sz="2400" b="0" i="0" u="none" strike="noStrike" cap="none" normalizeH="0" baseline="0" dirty="0" err="1">
+                <a:ln>
+                  <a:noFill/>
+                </a:ln>
+                <a:solidFill>
+                  <a:srgbClr val="660066"/>
+                </a:solidFill>
+                <a:effectLst/>
+                <a:latin typeface="Consolas" panose="020B0609020204030204" pitchFamily="49" charset="0"/>
+              </a:rPr>
+              <a:t>Arrays</a:t>
+            </a:r>
+            <a:r>
+              <a:rPr kumimoji="0" lang="en-US" altLang="en-US" sz="2400" b="0" i="0" u="none" strike="noStrike" cap="none" normalizeH="0" baseline="0" dirty="0" err="1">
+                <a:ln>
+                  <a:noFill/>
+                </a:ln>
+                <a:solidFill>
+                  <a:srgbClr val="666600"/>
+                </a:solidFill>
+                <a:effectLst/>
+                <a:latin typeface="Consolas" panose="020B0609020204030204" pitchFamily="49" charset="0"/>
+              </a:rPr>
+              <a:t>.</a:t>
+            </a:r>
+            <a:r>
+              <a:rPr kumimoji="0" lang="en-US" altLang="en-US" sz="2400" b="0" i="0" u="none" strike="noStrike" cap="none" normalizeH="0" baseline="0" dirty="0" err="1">
+                <a:ln>
+                  <a:noFill/>
+                </a:ln>
+                <a:solidFill>
+                  <a:srgbClr val="000000"/>
+                </a:solidFill>
+                <a:effectLst/>
+                <a:latin typeface="Consolas" panose="020B0609020204030204" pitchFamily="49" charset="0"/>
+              </a:rPr>
+              <a:t>asList</a:t>
+            </a:r>
+            <a:r>
+              <a:rPr kumimoji="0" lang="en-US" altLang="en-US" sz="2400" b="0" i="0" u="none" strike="noStrike" cap="none" normalizeH="0" baseline="0" dirty="0">
+                <a:ln>
+                  <a:noFill/>
+                </a:ln>
+                <a:solidFill>
+                  <a:srgbClr val="666600"/>
+                </a:solidFill>
+                <a:effectLst/>
+                <a:latin typeface="Consolas" panose="020B0609020204030204" pitchFamily="49" charset="0"/>
+              </a:rPr>
+              <a:t>(</a:t>
+            </a:r>
+            <a:r>
+              <a:rPr kumimoji="0" lang="en-US" altLang="en-US" sz="2400" b="0" i="0" u="none" strike="noStrike" cap="none" normalizeH="0" baseline="0" dirty="0" err="1">
+                <a:ln>
+                  <a:noFill/>
+                </a:ln>
+                <a:solidFill>
+                  <a:srgbClr val="000000"/>
+                </a:solidFill>
+                <a:effectLst/>
+                <a:latin typeface="Consolas" panose="020B0609020204030204" pitchFamily="49" charset="0"/>
+              </a:rPr>
+              <a:t>arrayOfEmps</a:t>
+            </a:r>
+            <a:r>
+              <a:rPr kumimoji="0" lang="en-US" altLang="en-US" sz="2400" b="0" i="0" u="none" strike="noStrike" cap="none" normalizeH="0" baseline="0" dirty="0">
+                <a:ln>
+                  <a:noFill/>
+                </a:ln>
+                <a:solidFill>
+                  <a:srgbClr val="666600"/>
+                </a:solidFill>
+                <a:effectLst/>
+                <a:latin typeface="Consolas" panose="020B0609020204030204" pitchFamily="49" charset="0"/>
+              </a:rPr>
+              <a:t>);</a:t>
+            </a:r>
+          </a:p>
+          <a:p>
+            <a:pPr marL="0" marR="0" lvl="0" indent="0" algn="l" defTabSz="914400" rtl="0" eaLnBrk="0" fontAlgn="base" latinLnBrk="0" hangingPunct="0">
+              <a:lnSpc>
+                <a:spcPct val="100000"/>
+              </a:lnSpc>
+              <a:spcBef>
+                <a:spcPct val="0"/>
+              </a:spcBef>
+              <a:spcAft>
+                <a:spcPct val="0"/>
+              </a:spcAft>
+              <a:buClrTx/>
+              <a:buSzTx/>
+              <a:buFontTx/>
+              <a:buNone/>
+              <a:tabLst/>
+            </a:pPr>
+            <a:endParaRPr lang="en-US" altLang="en-US" sz="2400" dirty="0">
+              <a:solidFill>
+                <a:srgbClr val="000000"/>
+              </a:solidFill>
+              <a:latin typeface="Consolas" panose="020B0609020204030204" pitchFamily="49" charset="0"/>
+            </a:endParaRPr>
+          </a:p>
+          <a:p>
+            <a:pPr marL="0" marR="0" lvl="0" indent="0" algn="l" defTabSz="914400" rtl="0" eaLnBrk="0" fontAlgn="base" latinLnBrk="0" hangingPunct="0">
+              <a:lnSpc>
+                <a:spcPct val="100000"/>
+              </a:lnSpc>
+              <a:spcBef>
+                <a:spcPct val="0"/>
+              </a:spcBef>
+              <a:spcAft>
+                <a:spcPct val="0"/>
+              </a:spcAft>
+              <a:buClrTx/>
+              <a:buSzTx/>
+              <a:buFontTx/>
+              <a:buNone/>
+              <a:tabLst/>
+            </a:pPr>
+            <a:r>
+              <a:rPr kumimoji="0" lang="en-US" altLang="en-US" sz="2400" b="0" i="0" u="none" strike="noStrike" cap="none" normalizeH="0" baseline="0" dirty="0" err="1">
+                <a:ln>
+                  <a:noFill/>
+                </a:ln>
+                <a:solidFill>
+                  <a:srgbClr val="000000"/>
+                </a:solidFill>
+                <a:effectLst/>
+                <a:latin typeface="Consolas" panose="020B0609020204030204" pitchFamily="49" charset="0"/>
+              </a:rPr>
+              <a:t>empList</a:t>
+            </a:r>
+            <a:r>
+              <a:rPr kumimoji="0" lang="en-US" altLang="en-US" sz="2400" b="0" i="0" u="none" strike="noStrike" cap="none" normalizeH="0" baseline="0" dirty="0" err="1">
+                <a:ln>
+                  <a:noFill/>
+                </a:ln>
+                <a:solidFill>
+                  <a:srgbClr val="666600"/>
+                </a:solidFill>
+                <a:effectLst/>
+                <a:latin typeface="Consolas" panose="020B0609020204030204" pitchFamily="49" charset="0"/>
+              </a:rPr>
+              <a:t>.</a:t>
+            </a:r>
+            <a:r>
+              <a:rPr kumimoji="0" lang="en-US" altLang="en-US" sz="2400" b="0" i="0" u="none" strike="noStrike" cap="none" normalizeH="0" baseline="0" dirty="0" err="1">
+                <a:ln>
+                  <a:noFill/>
+                </a:ln>
+                <a:solidFill>
+                  <a:srgbClr val="000000"/>
+                </a:solidFill>
+                <a:effectLst/>
+                <a:latin typeface="Consolas" panose="020B0609020204030204" pitchFamily="49" charset="0"/>
+              </a:rPr>
+              <a:t>stream</a:t>
+            </a:r>
+            <a:r>
+              <a:rPr kumimoji="0" lang="en-US" altLang="en-US" sz="2400" b="0" i="0" u="none" strike="noStrike" cap="none" normalizeH="0" baseline="0" dirty="0">
+                <a:ln>
+                  <a:noFill/>
+                </a:ln>
+                <a:solidFill>
+                  <a:srgbClr val="666600"/>
+                </a:solidFill>
+                <a:effectLst/>
+                <a:latin typeface="Consolas" panose="020B0609020204030204" pitchFamily="49" charset="0"/>
+              </a:rPr>
+              <a:t>();</a:t>
+            </a:r>
+            <a:r>
+              <a:rPr kumimoji="0" lang="en-US" altLang="en-US" sz="2400" b="0" i="0" u="none" strike="noStrike" cap="none" normalizeH="0" baseline="0" dirty="0">
+                <a:ln>
+                  <a:noFill/>
+                </a:ln>
+                <a:solidFill>
+                  <a:schemeClr val="tx1"/>
+                </a:solidFill>
+                <a:effectLst/>
+              </a:rPr>
+              <a:t> </a:t>
+            </a:r>
+            <a:endParaRPr kumimoji="0" lang="en-US" altLang="en-US" sz="2400" b="0" i="0" u="none" strike="noStrike" cap="none" normalizeH="0" baseline="0" dirty="0">
+              <a:ln>
+                <a:noFill/>
+              </a:ln>
+              <a:solidFill>
+                <a:schemeClr val="tx1"/>
+              </a:solidFill>
+              <a:effectLst/>
+              <a:latin typeface="Arial" panose="020B0604020202020204" pitchFamily="34" charset="0"/>
+            </a:endParaRPr>
+          </a:p>
+        </p:txBody>
+      </p:sp>
     </p:spTree>
     <p:extLst>
       <p:ext uri="{BB962C8B-B14F-4D97-AF65-F5344CB8AC3E}">
-        <p14:creationId xmlns:p14="http://schemas.microsoft.com/office/powerpoint/2010/main" val="2545348796"/>
+        <p14:creationId xmlns:p14="http://schemas.microsoft.com/office/powerpoint/2010/main" val="928471011"/>
       </p:ext>
     </p:extLst>
   </p:cSld>
@@ -8732,6 +8739,136 @@
       </p:grpSpPr>
       <p:sp>
         <p:nvSpPr>
+          <p:cNvPr id="2" name="Title 1">
+            <a:extLst>
+              <a:ext uri="{FF2B5EF4-FFF2-40B4-BE49-F238E27FC236}">
+                <a16:creationId xmlns:a16="http://schemas.microsoft.com/office/drawing/2014/main" id="{ED503D44-BFEF-486C-92B2-25F7D584BB86}"/>
+              </a:ext>
+            </a:extLst>
+          </p:cNvPr>
+          <p:cNvSpPr>
+            <a:spLocks noGrp="1"/>
+          </p:cNvSpPr>
+          <p:nvPr>
+            <p:ph type="title"/>
+          </p:nvPr>
+        </p:nvSpPr>
+        <p:spPr/>
+        <p:txBody>
+          <a:bodyPr/>
+          <a:lstStyle/>
+          <a:p>
+            <a:r>
+              <a:rPr lang="en-US" dirty="0"/>
+              <a:t>Additional Resources</a:t>
+            </a:r>
+          </a:p>
+        </p:txBody>
+      </p:sp>
+      <p:sp>
+        <p:nvSpPr>
+          <p:cNvPr id="3" name="Content Placeholder 2">
+            <a:extLst>
+              <a:ext uri="{FF2B5EF4-FFF2-40B4-BE49-F238E27FC236}">
+                <a16:creationId xmlns:a16="http://schemas.microsoft.com/office/drawing/2014/main" id="{968C26B8-9E12-4ED3-9FBF-CFB685806119}"/>
+              </a:ext>
+            </a:extLst>
+          </p:cNvPr>
+          <p:cNvSpPr>
+            <a:spLocks noGrp="1"/>
+          </p:cNvSpPr>
+          <p:nvPr>
+            <p:ph idx="1"/>
+          </p:nvPr>
+        </p:nvSpPr>
+        <p:spPr/>
+        <p:txBody>
+          <a:bodyPr/>
+          <a:lstStyle/>
+          <a:p>
+            <a:r>
+              <a:rPr lang="en-US" dirty="0">
+                <a:hlinkClick r:id="rId2"/>
+              </a:rPr>
+              <a:t>https://stackify.com/streams-guide-java-8/</a:t>
+            </a:r>
+            <a:endParaRPr lang="en-US" dirty="0"/>
+          </a:p>
+          <a:p>
+            <a:r>
+              <a:rPr lang="en-US" dirty="0">
+                <a:hlinkClick r:id="rId3"/>
+              </a:rPr>
+              <a:t>https://www.baeldung.com/java-8-streams</a:t>
+            </a:r>
+            <a:endParaRPr lang="en-US" dirty="0"/>
+          </a:p>
+          <a:p>
+            <a:endParaRPr lang="en-US" dirty="0"/>
+          </a:p>
+        </p:txBody>
+      </p:sp>
+      <p:sp>
+        <p:nvSpPr>
+          <p:cNvPr id="4" name="Slide Number Placeholder 3">
+            <a:extLst>
+              <a:ext uri="{FF2B5EF4-FFF2-40B4-BE49-F238E27FC236}">
+                <a16:creationId xmlns:a16="http://schemas.microsoft.com/office/drawing/2014/main" id="{95C4AEE3-FE49-498A-A87D-FC4BE7639587}"/>
+              </a:ext>
+            </a:extLst>
+          </p:cNvPr>
+          <p:cNvSpPr>
+            <a:spLocks noGrp="1"/>
+          </p:cNvSpPr>
+          <p:nvPr>
+            <p:ph type="sldNum" sz="quarter" idx="12"/>
+          </p:nvPr>
+        </p:nvSpPr>
+        <p:spPr/>
+        <p:txBody>
+          <a:bodyPr/>
+          <a:lstStyle/>
+          <a:p>
+            <a:fld id="{945DE137-1981-4A6E-942B-1AACE1746372}" type="slidenum">
+              <a:rPr lang="en-US" smtClean="0"/>
+              <a:t>18</a:t>
+            </a:fld>
+            <a:endParaRPr lang="en-US"/>
+          </a:p>
+        </p:txBody>
+      </p:sp>
+    </p:spTree>
+    <p:extLst>
+      <p:ext uri="{BB962C8B-B14F-4D97-AF65-F5344CB8AC3E}">
+        <p14:creationId xmlns:p14="http://schemas.microsoft.com/office/powerpoint/2010/main" val="2545348796"/>
+      </p:ext>
+    </p:extLst>
+  </p:cSld>
+  <p:clrMapOvr>
+    <a:masterClrMapping/>
+  </p:clrMapOvr>
+</p:sld>
+</file>
+
+<file path=ppt/slides/slide19.xml><?xml version="1.0" encoding="utf-8"?>
+<p:sld xmlns:a="http://schemas.openxmlformats.org/drawingml/2006/main" xmlns:r="http://schemas.openxmlformats.org/officeDocument/2006/relationships" xmlns:p="http://schemas.openxmlformats.org/presentationml/2006/main">
+  <p:cSld>
+    <p:spTree>
+      <p:nvGrpSpPr>
+        <p:cNvPr id="1" name=""/>
+        <p:cNvGrpSpPr/>
+        <p:nvPr/>
+      </p:nvGrpSpPr>
+      <p:grpSpPr>
+        <a:xfrm>
+          <a:off x="0" y="0"/>
+          <a:ext cx="0" cy="0"/>
+          <a:chOff x="0" y="0"/>
+          <a:chExt cx="0" cy="0"/>
+        </a:xfrm>
+      </p:grpSpPr>
+      <p:sp>
+        <p:nvSpPr>
           <p:cNvPr id="5" name="Title 4">
             <a:extLst>
               <a:ext uri="{FF2B5EF4-FFF2-40B4-BE49-F238E27FC236}">
@@ -8794,13 +8931,8 @@
             </a:r>
             <a:r>
               <a:rPr lang="en-US" dirty="0"/>
-              <a:t> even more </a:t>
-            </a:r>
-            <a:r>
-              <a:rPr lang="en-US"/>
-              <a:t>with Streams</a:t>
-            </a:r>
-            <a:endParaRPr lang="en-US" dirty="0"/>
+              <a:t> even more with Streams</a:t>
+            </a:r>
           </a:p>
         </p:txBody>
       </p:sp>
@@ -8827,7 +8959,7 @@
           <a:p>
             <a:fld id="{945DE137-1981-4A6E-942B-1AACE1746372}" type="slidenum">
               <a:rPr lang="en-US" smtClean="0"/>
-              <a:t>18</a:t>
+              <a:t>19</a:t>
             </a:fld>
             <a:endParaRPr lang="en-US"/>
           </a:p>
@@ -8876,118 +9008,6 @@
 </p:sld>
 </file>
 
-<file path=ppt/slides/slide19.xml><?xml version="1.0" encoding="utf-8"?>
-<p:sld xmlns:a="http://schemas.openxmlformats.org/drawingml/2006/main" xmlns:r="http://schemas.openxmlformats.org/officeDocument/2006/relationships" xmlns:p="http://schemas.openxmlformats.org/presentationml/2006/main">
-  <p:cSld>
-    <p:spTree>
-      <p:nvGrpSpPr>
-        <p:cNvPr id="1" name=""/>
-        <p:cNvGrpSpPr/>
-        <p:nvPr/>
-      </p:nvGrpSpPr>
-      <p:grpSpPr>
-        <a:xfrm>
-          <a:off x="0" y="0"/>
-          <a:ext cx="0" cy="0"/>
-          <a:chOff x="0" y="0"/>
-          <a:chExt cx="0" cy="0"/>
-        </a:xfrm>
-      </p:grpSpPr>
-      <p:sp>
-        <p:nvSpPr>
-          <p:cNvPr id="5" name="Title 4">
-            <a:extLst>
-              <a:ext uri="{FF2B5EF4-FFF2-40B4-BE49-F238E27FC236}">
-                <a16:creationId xmlns:a16="http://schemas.microsoft.com/office/drawing/2014/main" id="{6067A831-CE5C-4FB9-9202-1D0AF3039898}"/>
-              </a:ext>
-            </a:extLst>
-          </p:cNvPr>
-          <p:cNvSpPr>
-            <a:spLocks noGrp="1"/>
-          </p:cNvSpPr>
-          <p:nvPr>
-            <p:ph type="title"/>
-          </p:nvPr>
-        </p:nvSpPr>
-        <p:spPr/>
-        <p:txBody>
-          <a:bodyPr/>
-          <a:lstStyle/>
-          <a:p>
-            <a:r>
-              <a:rPr lang="en-US" dirty="0"/>
-              <a:t>Observables</a:t>
-            </a:r>
-          </a:p>
-        </p:txBody>
-      </p:sp>
-      <p:sp>
-        <p:nvSpPr>
-          <p:cNvPr id="7" name="Text Placeholder 6">
-            <a:extLst>
-              <a:ext uri="{FF2B5EF4-FFF2-40B4-BE49-F238E27FC236}">
-                <a16:creationId xmlns:a16="http://schemas.microsoft.com/office/drawing/2014/main" id="{D222B0B5-7223-4EC7-B2BC-492302CDC412}"/>
-              </a:ext>
-            </a:extLst>
-          </p:cNvPr>
-          <p:cNvSpPr>
-            <a:spLocks noGrp="1"/>
-          </p:cNvSpPr>
-          <p:nvPr>
-            <p:ph type="body" idx="1"/>
-          </p:nvPr>
-        </p:nvSpPr>
-        <p:spPr/>
-        <p:txBody>
-          <a:bodyPr/>
-          <a:lstStyle/>
-          <a:p>
-            <a:endParaRPr lang="en-US"/>
-          </a:p>
-        </p:txBody>
-      </p:sp>
-      <p:sp>
-        <p:nvSpPr>
-          <p:cNvPr id="4" name="Slide Number Placeholder 3">
-            <a:extLst>
-              <a:ext uri="{FF2B5EF4-FFF2-40B4-BE49-F238E27FC236}">
-                <a16:creationId xmlns:a16="http://schemas.microsoft.com/office/drawing/2014/main" id="{F11632F6-D403-4F4D-8F7C-32CD42E792A4}"/>
-              </a:ext>
-            </a:extLst>
-          </p:cNvPr>
-          <p:cNvSpPr>
-            <a:spLocks noGrp="1"/>
-          </p:cNvSpPr>
-          <p:nvPr>
-            <p:ph type="sldNum" sz="quarter" idx="12"/>
-          </p:nvPr>
-        </p:nvSpPr>
-        <p:spPr/>
-        <p:txBody>
-          <a:bodyPr/>
-          <a:lstStyle/>
-          <a:p>
-            <a:fld id="{945DE137-1981-4A6E-942B-1AACE1746372}" type="slidenum">
-              <a:rPr lang="en-US" smtClean="0"/>
-              <a:t>19</a:t>
-            </a:fld>
-            <a:endParaRPr lang="en-US"/>
-          </a:p>
-        </p:txBody>
-      </p:sp>
-    </p:spTree>
-    <p:extLst>
-      <p:ext uri="{BB962C8B-B14F-4D97-AF65-F5344CB8AC3E}">
-        <p14:creationId xmlns:p14="http://schemas.microsoft.com/office/powerpoint/2010/main" val="3274359751"/>
-      </p:ext>
-    </p:extLst>
-  </p:cSld>
-  <p:clrMapOvr>
-    <a:masterClrMapping/>
-  </p:clrMapOvr>
-</p:sld>
-</file>
-
 <file path=ppt/slides/slide2.xml><?xml version="1.0" encoding="utf-8"?>
 <p:sld xmlns:a="http://schemas.openxmlformats.org/drawingml/2006/main" xmlns:r="http://schemas.openxmlformats.org/officeDocument/2006/relationships" xmlns:p="http://schemas.openxmlformats.org/presentationml/2006/main">
   <p:cSld>
@@ -9153,7 +9173,7 @@
           <p:cNvPr id="5" name="Title 4">
             <a:extLst>
               <a:ext uri="{FF2B5EF4-FFF2-40B4-BE49-F238E27FC236}">
-                <a16:creationId xmlns:a16="http://schemas.microsoft.com/office/drawing/2014/main" id="{F2B7EE04-3F1C-4CBE-BBFD-363CA72C1155}"/>
+                <a16:creationId xmlns:a16="http://schemas.microsoft.com/office/drawing/2014/main" id="{6067A831-CE5C-4FB9-9202-1D0AF3039898}"/>
               </a:ext>
             </a:extLst>
           </p:cNvPr>
@@ -9171,88 +9191,33 @@
           <a:p>
             <a:r>
               <a:rPr lang="en-US" dirty="0"/>
-              <a:t>Observer Pattern</a:t>
-            </a:r>
-          </a:p>
-        </p:txBody>
-      </p:sp>
-      <p:sp>
-        <p:nvSpPr>
-          <p:cNvPr id="6" name="Content Placeholder 5">
-            <a:extLst>
-              <a:ext uri="{FF2B5EF4-FFF2-40B4-BE49-F238E27FC236}">
-                <a16:creationId xmlns:a16="http://schemas.microsoft.com/office/drawing/2014/main" id="{9BF63F7C-CD45-446E-8F6D-638A195A402F}"/>
-              </a:ext>
-            </a:extLst>
-          </p:cNvPr>
-          <p:cNvSpPr>
-            <a:spLocks noGrp="1"/>
-          </p:cNvSpPr>
-          <p:nvPr>
-            <p:ph idx="1"/>
+              <a:t>Observables</a:t>
+            </a:r>
+          </a:p>
+        </p:txBody>
+      </p:sp>
+      <p:sp>
+        <p:nvSpPr>
+          <p:cNvPr id="7" name="Text Placeholder 6">
+            <a:extLst>
+              <a:ext uri="{FF2B5EF4-FFF2-40B4-BE49-F238E27FC236}">
+                <a16:creationId xmlns:a16="http://schemas.microsoft.com/office/drawing/2014/main" id="{D222B0B5-7223-4EC7-B2BC-492302CDC412}"/>
+              </a:ext>
+            </a:extLst>
+          </p:cNvPr>
+          <p:cNvSpPr>
+            <a:spLocks noGrp="1"/>
+          </p:cNvSpPr>
+          <p:nvPr>
+            <p:ph type="body" idx="1"/>
           </p:nvPr>
         </p:nvSpPr>
         <p:spPr/>
         <p:txBody>
-          <a:bodyPr>
-            <a:normAutofit/>
-          </a:bodyPr>
-          <a:lstStyle/>
-          <a:p>
-            <a:r>
-              <a:rPr lang="en-US" dirty="0"/>
-              <a:t>A software design pattern in which an object, called the </a:t>
-            </a:r>
-            <a:r>
-              <a:rPr lang="en-US" b="1" i="1" dirty="0"/>
-              <a:t>subject</a:t>
-            </a:r>
-            <a:r>
-              <a:rPr lang="en-US" dirty="0"/>
-              <a:t>, maintains a list of its dependents, called </a:t>
-            </a:r>
-            <a:r>
-              <a:rPr lang="en-US" b="1" i="1" dirty="0"/>
-              <a:t>observer</a:t>
-            </a:r>
-            <a:r>
-              <a:rPr lang="en-US" i="1" dirty="0"/>
-              <a:t>s</a:t>
-            </a:r>
-            <a:r>
-              <a:rPr lang="en-US" dirty="0"/>
-              <a:t>, and notifies them automatically of any state changes.</a:t>
-            </a:r>
-          </a:p>
-          <a:p>
-            <a:r>
-              <a:rPr lang="en-US" dirty="0"/>
-              <a:t>The Observer pattern addresses the following problems:</a:t>
-            </a:r>
-          </a:p>
-          <a:p>
-            <a:pPr lvl="1"/>
-            <a:r>
-              <a:rPr lang="en-US" dirty="0"/>
-              <a:t>A one-to-many dependency between objects should be defined without making the objects tightly coupled.</a:t>
-            </a:r>
-          </a:p>
-          <a:p>
-            <a:pPr lvl="1"/>
-            <a:r>
-              <a:rPr lang="en-US" dirty="0"/>
-              <a:t>It should be ensured that when one object changes state an open-ended number of dependent objects are updated automatically.</a:t>
-            </a:r>
-          </a:p>
-          <a:p>
-            <a:pPr lvl="1"/>
-            <a:r>
-              <a:rPr lang="en-US" dirty="0"/>
-              <a:t>It should be possible that one object can notify an open-ended number of other objects.</a:t>
-            </a:r>
-          </a:p>
-          <a:p>
-            <a:endParaRPr lang="en-US" dirty="0"/>
+          <a:bodyPr/>
+          <a:lstStyle/>
+          <a:p>
+            <a:endParaRPr lang="en-US"/>
           </a:p>
         </p:txBody>
       </p:sp>
@@ -9261,7 +9226,7 @@
           <p:cNvPr id="4" name="Slide Number Placeholder 3">
             <a:extLst>
               <a:ext uri="{FF2B5EF4-FFF2-40B4-BE49-F238E27FC236}">
-                <a16:creationId xmlns:a16="http://schemas.microsoft.com/office/drawing/2014/main" id="{8410DA25-57A4-4721-9FA2-8D27EA997748}"/>
+                <a16:creationId xmlns:a16="http://schemas.microsoft.com/office/drawing/2014/main" id="{F11632F6-D403-4F4D-8F7C-32CD42E792A4}"/>
               </a:ext>
             </a:extLst>
           </p:cNvPr>
@@ -9288,7 +9253,7 @@
     </p:spTree>
     <p:extLst>
       <p:ext uri="{BB962C8B-B14F-4D97-AF65-F5344CB8AC3E}">
-        <p14:creationId xmlns:p14="http://schemas.microsoft.com/office/powerpoint/2010/main" val="3157344458"/>
+        <p14:creationId xmlns:p14="http://schemas.microsoft.com/office/powerpoint/2010/main" val="3274359751"/>
       </p:ext>
     </p:extLst>
   </p:cSld>
@@ -9317,6 +9282,173 @@
       </p:grpSpPr>
       <p:sp>
         <p:nvSpPr>
+          <p:cNvPr id="5" name="Title 4">
+            <a:extLst>
+              <a:ext uri="{FF2B5EF4-FFF2-40B4-BE49-F238E27FC236}">
+                <a16:creationId xmlns:a16="http://schemas.microsoft.com/office/drawing/2014/main" id="{F2B7EE04-3F1C-4CBE-BBFD-363CA72C1155}"/>
+              </a:ext>
+            </a:extLst>
+          </p:cNvPr>
+          <p:cNvSpPr>
+            <a:spLocks noGrp="1"/>
+          </p:cNvSpPr>
+          <p:nvPr>
+            <p:ph type="title"/>
+          </p:nvPr>
+        </p:nvSpPr>
+        <p:spPr/>
+        <p:txBody>
+          <a:bodyPr/>
+          <a:lstStyle/>
+          <a:p>
+            <a:r>
+              <a:rPr lang="en-US" dirty="0"/>
+              <a:t>Observer Pattern</a:t>
+            </a:r>
+          </a:p>
+        </p:txBody>
+      </p:sp>
+      <p:sp>
+        <p:nvSpPr>
+          <p:cNvPr id="6" name="Content Placeholder 5">
+            <a:extLst>
+              <a:ext uri="{FF2B5EF4-FFF2-40B4-BE49-F238E27FC236}">
+                <a16:creationId xmlns:a16="http://schemas.microsoft.com/office/drawing/2014/main" id="{9BF63F7C-CD45-446E-8F6D-638A195A402F}"/>
+              </a:ext>
+            </a:extLst>
+          </p:cNvPr>
+          <p:cNvSpPr>
+            <a:spLocks noGrp="1"/>
+          </p:cNvSpPr>
+          <p:nvPr>
+            <p:ph idx="1"/>
+          </p:nvPr>
+        </p:nvSpPr>
+        <p:spPr/>
+        <p:txBody>
+          <a:bodyPr>
+            <a:normAutofit/>
+          </a:bodyPr>
+          <a:lstStyle/>
+          <a:p>
+            <a:r>
+              <a:rPr lang="en-US" dirty="0"/>
+              <a:t>A software design pattern in which an object, called the </a:t>
+            </a:r>
+            <a:r>
+              <a:rPr lang="en-US" b="1" i="1" dirty="0"/>
+              <a:t>subject</a:t>
+            </a:r>
+            <a:r>
+              <a:rPr lang="en-US" dirty="0"/>
+              <a:t>, maintains a list of its dependents, called </a:t>
+            </a:r>
+            <a:r>
+              <a:rPr lang="en-US" b="1" i="1" dirty="0"/>
+              <a:t>observer</a:t>
+            </a:r>
+            <a:r>
+              <a:rPr lang="en-US" i="1" dirty="0"/>
+              <a:t>s</a:t>
+            </a:r>
+            <a:r>
+              <a:rPr lang="en-US" dirty="0"/>
+              <a:t>, and notifies them automatically of any state changes.</a:t>
+            </a:r>
+          </a:p>
+          <a:p>
+            <a:r>
+              <a:rPr lang="en-US" dirty="0"/>
+              <a:t>The Observer pattern addresses the following problems:</a:t>
+            </a:r>
+          </a:p>
+          <a:p>
+            <a:pPr lvl="1"/>
+            <a:r>
+              <a:rPr lang="en-US" dirty="0"/>
+              <a:t>A one-to-many dependency between objects should be defined without making the objects tightly coupled.</a:t>
+            </a:r>
+          </a:p>
+          <a:p>
+            <a:pPr lvl="1"/>
+            <a:r>
+              <a:rPr lang="en-US" dirty="0"/>
+              <a:t>It should be ensured that when one object changes state an open-ended number of dependent objects are updated automatically.</a:t>
+            </a:r>
+          </a:p>
+          <a:p>
+            <a:pPr lvl="1"/>
+            <a:r>
+              <a:rPr lang="en-US" dirty="0"/>
+              <a:t>It should be possible that one object can notify an open-ended number of other objects.</a:t>
+            </a:r>
+          </a:p>
+          <a:p>
+            <a:endParaRPr lang="en-US" dirty="0"/>
+          </a:p>
+        </p:txBody>
+      </p:sp>
+      <p:sp>
+        <p:nvSpPr>
+          <p:cNvPr id="4" name="Slide Number Placeholder 3">
+            <a:extLst>
+              <a:ext uri="{FF2B5EF4-FFF2-40B4-BE49-F238E27FC236}">
+                <a16:creationId xmlns:a16="http://schemas.microsoft.com/office/drawing/2014/main" id="{8410DA25-57A4-4721-9FA2-8D27EA997748}"/>
+              </a:ext>
+            </a:extLst>
+          </p:cNvPr>
+          <p:cNvSpPr>
+            <a:spLocks noGrp="1"/>
+          </p:cNvSpPr>
+          <p:nvPr>
+            <p:ph type="sldNum" sz="quarter" idx="12"/>
+          </p:nvPr>
+        </p:nvSpPr>
+        <p:spPr/>
+        <p:txBody>
+          <a:bodyPr/>
+          <a:lstStyle/>
+          <a:p>
+            <a:fld id="{945DE137-1981-4A6E-942B-1AACE1746372}" type="slidenum">
+              <a:rPr lang="en-US" smtClean="0"/>
+              <a:t>21</a:t>
+            </a:fld>
+            <a:endParaRPr lang="en-US"/>
+          </a:p>
+        </p:txBody>
+      </p:sp>
+    </p:spTree>
+    <p:extLst>
+      <p:ext uri="{BB962C8B-B14F-4D97-AF65-F5344CB8AC3E}">
+        <p14:creationId xmlns:p14="http://schemas.microsoft.com/office/powerpoint/2010/main" val="3157344458"/>
+      </p:ext>
+    </p:extLst>
+  </p:cSld>
+  <p:clrMapOvr>
+    <a:masterClrMapping/>
+  </p:clrMapOvr>
+</p:sld>
+</file>
+
+<file path=ppt/slides/slide22.xml><?xml version="1.0" encoding="utf-8"?>
+<p:sld xmlns:a="http://schemas.openxmlformats.org/drawingml/2006/main" xmlns:r="http://schemas.openxmlformats.org/officeDocument/2006/relationships" xmlns:p="http://schemas.openxmlformats.org/presentationml/2006/main">
+  <p:cSld>
+    <p:spTree>
+      <p:nvGrpSpPr>
+        <p:cNvPr id="1" name=""/>
+        <p:cNvGrpSpPr/>
+        <p:nvPr/>
+      </p:nvGrpSpPr>
+      <p:grpSpPr>
+        <a:xfrm>
+          <a:off x="0" y="0"/>
+          <a:ext cx="0" cy="0"/>
+          <a:chOff x="0" y="0"/>
+          <a:chExt cx="0" cy="0"/>
+        </a:xfrm>
+      </p:grpSpPr>
+      <p:sp>
+        <p:nvSpPr>
           <p:cNvPr id="2" name="Title 1">
             <a:extLst>
               <a:ext uri="{FF2B5EF4-FFF2-40B4-BE49-F238E27FC236}">
@@ -9421,7 +9553,7 @@
           <a:p>
             <a:fld id="{945DE137-1981-4A6E-942B-1AACE1746372}" type="slidenum">
               <a:rPr lang="en-US" smtClean="0"/>
-              <a:t>21</a:t>
+              <a:t>22</a:t>
             </a:fld>
             <a:endParaRPr lang="en-US"/>
           </a:p>
@@ -9738,135 +9870,6 @@
 </p:sld>
 </file>
 
-<file path=ppt/slides/slide22.xml><?xml version="1.0" encoding="utf-8"?>
-<p:sld xmlns:a="http://schemas.openxmlformats.org/drawingml/2006/main" xmlns:r="http://schemas.openxmlformats.org/officeDocument/2006/relationships" xmlns:p="http://schemas.openxmlformats.org/presentationml/2006/main">
-  <p:cSld>
-    <p:spTree>
-      <p:nvGrpSpPr>
-        <p:cNvPr id="1" name=""/>
-        <p:cNvGrpSpPr/>
-        <p:nvPr/>
-      </p:nvGrpSpPr>
-      <p:grpSpPr>
-        <a:xfrm>
-          <a:off x="0" y="0"/>
-          <a:ext cx="0" cy="0"/>
-          <a:chOff x="0" y="0"/>
-          <a:chExt cx="0" cy="0"/>
-        </a:xfrm>
-      </p:grpSpPr>
-      <p:sp>
-        <p:nvSpPr>
-          <p:cNvPr id="2" name="Title 1">
-            <a:extLst>
-              <a:ext uri="{FF2B5EF4-FFF2-40B4-BE49-F238E27FC236}">
-                <a16:creationId xmlns:a16="http://schemas.microsoft.com/office/drawing/2014/main" id="{A3EC8EF9-3A51-40E8-AFAE-ECC7F5102A53}"/>
-              </a:ext>
-            </a:extLst>
-          </p:cNvPr>
-          <p:cNvSpPr>
-            <a:spLocks noGrp="1"/>
-          </p:cNvSpPr>
-          <p:nvPr>
-            <p:ph type="title"/>
-          </p:nvPr>
-        </p:nvSpPr>
-        <p:spPr/>
-        <p:txBody>
-          <a:bodyPr/>
-          <a:lstStyle/>
-          <a:p>
-            <a:r>
-              <a:rPr lang="en-US" dirty="0"/>
-              <a:t>Why use observables?</a:t>
-            </a:r>
-          </a:p>
-        </p:txBody>
-      </p:sp>
-      <p:sp>
-        <p:nvSpPr>
-          <p:cNvPr id="3" name="Content Placeholder 2">
-            <a:extLst>
-              <a:ext uri="{FF2B5EF4-FFF2-40B4-BE49-F238E27FC236}">
-                <a16:creationId xmlns:a16="http://schemas.microsoft.com/office/drawing/2014/main" id="{E36504AC-9B37-4508-8072-66B28EA630AB}"/>
-              </a:ext>
-            </a:extLst>
-          </p:cNvPr>
-          <p:cNvSpPr>
-            <a:spLocks noGrp="1"/>
-          </p:cNvSpPr>
-          <p:nvPr>
-            <p:ph idx="1"/>
-          </p:nvPr>
-        </p:nvSpPr>
-        <p:spPr/>
-        <p:txBody>
-          <a:bodyPr/>
-          <a:lstStyle/>
-          <a:p>
-            <a:r>
-              <a:rPr lang="en-US" dirty="0"/>
-              <a:t>The </a:t>
-            </a:r>
-            <a:r>
-              <a:rPr lang="en-US" dirty="0" err="1"/>
-              <a:t>ReactiveX</a:t>
-            </a:r>
-            <a:r>
-              <a:rPr lang="en-US" dirty="0"/>
-              <a:t> Observable model allows you to treat streams of asynchronous events with the same sort of simple, composable operations that you use for collections of data items like arrays. </a:t>
-            </a:r>
-          </a:p>
-          <a:p>
-            <a:r>
-              <a:rPr lang="en-US" dirty="0"/>
-              <a:t>It frees you from tangled webs of callbacks, and thereby makes your code more readable and less prone to bugs.</a:t>
-            </a:r>
-          </a:p>
-        </p:txBody>
-      </p:sp>
-      <p:sp>
-        <p:nvSpPr>
-          <p:cNvPr id="4" name="Slide Number Placeholder 3">
-            <a:extLst>
-              <a:ext uri="{FF2B5EF4-FFF2-40B4-BE49-F238E27FC236}">
-                <a16:creationId xmlns:a16="http://schemas.microsoft.com/office/drawing/2014/main" id="{C64284DC-CA60-48C7-9A2D-D44D4676FAD8}"/>
-              </a:ext>
-            </a:extLst>
-          </p:cNvPr>
-          <p:cNvSpPr>
-            <a:spLocks noGrp="1"/>
-          </p:cNvSpPr>
-          <p:nvPr>
-            <p:ph type="sldNum" sz="quarter" idx="12"/>
-          </p:nvPr>
-        </p:nvSpPr>
-        <p:spPr/>
-        <p:txBody>
-          <a:bodyPr/>
-          <a:lstStyle/>
-          <a:p>
-            <a:fld id="{945DE137-1981-4A6E-942B-1AACE1746372}" type="slidenum">
-              <a:rPr lang="en-US" smtClean="0"/>
-              <a:t>22</a:t>
-            </a:fld>
-            <a:endParaRPr lang="en-US"/>
-          </a:p>
-        </p:txBody>
-      </p:sp>
-    </p:spTree>
-    <p:extLst>
-      <p:ext uri="{BB962C8B-B14F-4D97-AF65-F5344CB8AC3E}">
-        <p14:creationId xmlns:p14="http://schemas.microsoft.com/office/powerpoint/2010/main" val="2192887009"/>
-      </p:ext>
-    </p:extLst>
-  </p:cSld>
-  <p:clrMapOvr>
-    <a:masterClrMapping/>
-  </p:clrMapOvr>
-</p:sld>
-</file>
-
 <file path=ppt/slides/slide23.xml><?xml version="1.0" encoding="utf-8"?>
 <p:sld xmlns:a="http://schemas.openxmlformats.org/drawingml/2006/main" xmlns:r="http://schemas.openxmlformats.org/officeDocument/2006/relationships" xmlns:p="http://schemas.openxmlformats.org/presentationml/2006/main">
   <p:cSld>
@@ -9889,6 +9892,135 @@
           <p:cNvPr id="2" name="Title 1">
             <a:extLst>
               <a:ext uri="{FF2B5EF4-FFF2-40B4-BE49-F238E27FC236}">
+                <a16:creationId xmlns:a16="http://schemas.microsoft.com/office/drawing/2014/main" id="{A3EC8EF9-3A51-40E8-AFAE-ECC7F5102A53}"/>
+              </a:ext>
+            </a:extLst>
+          </p:cNvPr>
+          <p:cNvSpPr>
+            <a:spLocks noGrp="1"/>
+          </p:cNvSpPr>
+          <p:nvPr>
+            <p:ph type="title"/>
+          </p:nvPr>
+        </p:nvSpPr>
+        <p:spPr/>
+        <p:txBody>
+          <a:bodyPr/>
+          <a:lstStyle/>
+          <a:p>
+            <a:r>
+              <a:rPr lang="en-US" dirty="0"/>
+              <a:t>Why use observables?</a:t>
+            </a:r>
+          </a:p>
+        </p:txBody>
+      </p:sp>
+      <p:sp>
+        <p:nvSpPr>
+          <p:cNvPr id="3" name="Content Placeholder 2">
+            <a:extLst>
+              <a:ext uri="{FF2B5EF4-FFF2-40B4-BE49-F238E27FC236}">
+                <a16:creationId xmlns:a16="http://schemas.microsoft.com/office/drawing/2014/main" id="{E36504AC-9B37-4508-8072-66B28EA630AB}"/>
+              </a:ext>
+            </a:extLst>
+          </p:cNvPr>
+          <p:cNvSpPr>
+            <a:spLocks noGrp="1"/>
+          </p:cNvSpPr>
+          <p:nvPr>
+            <p:ph idx="1"/>
+          </p:nvPr>
+        </p:nvSpPr>
+        <p:spPr/>
+        <p:txBody>
+          <a:bodyPr/>
+          <a:lstStyle/>
+          <a:p>
+            <a:r>
+              <a:rPr lang="en-US" dirty="0"/>
+              <a:t>The </a:t>
+            </a:r>
+            <a:r>
+              <a:rPr lang="en-US" dirty="0" err="1"/>
+              <a:t>ReactiveX</a:t>
+            </a:r>
+            <a:r>
+              <a:rPr lang="en-US" dirty="0"/>
+              <a:t> Observable model allows you to treat streams of asynchronous events with the same sort of simple, composable operations that you use for collections of data items like arrays. </a:t>
+            </a:r>
+          </a:p>
+          <a:p>
+            <a:r>
+              <a:rPr lang="en-US" dirty="0"/>
+              <a:t>It frees you from tangled webs of callbacks, and thereby makes your code more readable and less prone to bugs.</a:t>
+            </a:r>
+          </a:p>
+        </p:txBody>
+      </p:sp>
+      <p:sp>
+        <p:nvSpPr>
+          <p:cNvPr id="4" name="Slide Number Placeholder 3">
+            <a:extLst>
+              <a:ext uri="{FF2B5EF4-FFF2-40B4-BE49-F238E27FC236}">
+                <a16:creationId xmlns:a16="http://schemas.microsoft.com/office/drawing/2014/main" id="{C64284DC-CA60-48C7-9A2D-D44D4676FAD8}"/>
+              </a:ext>
+            </a:extLst>
+          </p:cNvPr>
+          <p:cNvSpPr>
+            <a:spLocks noGrp="1"/>
+          </p:cNvSpPr>
+          <p:nvPr>
+            <p:ph type="sldNum" sz="quarter" idx="12"/>
+          </p:nvPr>
+        </p:nvSpPr>
+        <p:spPr/>
+        <p:txBody>
+          <a:bodyPr/>
+          <a:lstStyle/>
+          <a:p>
+            <a:fld id="{945DE137-1981-4A6E-942B-1AACE1746372}" type="slidenum">
+              <a:rPr lang="en-US" smtClean="0"/>
+              <a:t>23</a:t>
+            </a:fld>
+            <a:endParaRPr lang="en-US"/>
+          </a:p>
+        </p:txBody>
+      </p:sp>
+    </p:spTree>
+    <p:extLst>
+      <p:ext uri="{BB962C8B-B14F-4D97-AF65-F5344CB8AC3E}">
+        <p14:creationId xmlns:p14="http://schemas.microsoft.com/office/powerpoint/2010/main" val="2192887009"/>
+      </p:ext>
+    </p:extLst>
+  </p:cSld>
+  <p:clrMapOvr>
+    <a:masterClrMapping/>
+  </p:clrMapOvr>
+</p:sld>
+</file>
+
+<file path=ppt/slides/slide24.xml><?xml version="1.0" encoding="utf-8"?>
+<p:sld xmlns:a="http://schemas.openxmlformats.org/drawingml/2006/main" xmlns:r="http://schemas.openxmlformats.org/officeDocument/2006/relationships" xmlns:p="http://schemas.openxmlformats.org/presentationml/2006/main">
+  <p:cSld>
+    <p:spTree>
+      <p:nvGrpSpPr>
+        <p:cNvPr id="1" name=""/>
+        <p:cNvGrpSpPr/>
+        <p:nvPr/>
+      </p:nvGrpSpPr>
+      <p:grpSpPr>
+        <a:xfrm>
+          <a:off x="0" y="0"/>
+          <a:ext cx="0" cy="0"/>
+          <a:chOff x="0" y="0"/>
+          <a:chExt cx="0" cy="0"/>
+        </a:xfrm>
+      </p:grpSpPr>
+      <p:sp>
+        <p:nvSpPr>
+          <p:cNvPr id="2" name="Title 1">
+            <a:extLst>
+              <a:ext uri="{FF2B5EF4-FFF2-40B4-BE49-F238E27FC236}">
                 <a16:creationId xmlns:a16="http://schemas.microsoft.com/office/drawing/2014/main" id="{A2057891-D4F0-446A-AA84-109C03817DB7}"/>
               </a:ext>
             </a:extLst>
@@ -9970,7 +10102,7 @@
           <a:p>
             <a:fld id="{945DE137-1981-4A6E-942B-1AACE1746372}" type="slidenum">
               <a:rPr lang="en-US" smtClean="0"/>
-              <a:t>23</a:t>
+              <a:t>24</a:t>
             </a:fld>
             <a:endParaRPr lang="en-US"/>
           </a:p>
@@ -10019,7 +10151,7 @@
 </p:sld>
 </file>
 
-<file path=ppt/slides/slide24.xml><?xml version="1.0" encoding="utf-8"?>
+<file path=ppt/slides/slide25.xml><?xml version="1.0" encoding="utf-8"?>
 <p:sld xmlns:a="http://schemas.openxmlformats.org/drawingml/2006/main" xmlns:r="http://schemas.openxmlformats.org/officeDocument/2006/relationships" xmlns:p="http://schemas.openxmlformats.org/presentationml/2006/main">
   <p:cSld>
     <p:spTree>
@@ -10122,7 +10254,7 @@
           <a:p>
             <a:fld id="{945DE137-1981-4A6E-942B-1AACE1746372}" type="slidenum">
               <a:rPr lang="en-US" smtClean="0"/>
-              <a:t>24</a:t>
+              <a:t>25</a:t>
             </a:fld>
             <a:endParaRPr lang="en-US"/>
           </a:p>
@@ -10171,7 +10303,7 @@
 </p:sld>
 </file>
 
-<file path=ppt/slides/slide25.xml><?xml version="1.0" encoding="utf-8"?>
+<file path=ppt/slides/slide26.xml><?xml version="1.0" encoding="utf-8"?>
 <p:sld xmlns:a="http://schemas.openxmlformats.org/drawingml/2006/main" xmlns:r="http://schemas.openxmlformats.org/officeDocument/2006/relationships" xmlns:p="http://schemas.openxmlformats.org/presentationml/2006/main">
   <p:cSld>
     <p:spTree>
@@ -10280,7 +10412,7 @@
           <a:p>
             <a:fld id="{945DE137-1981-4A6E-942B-1AACE1746372}" type="slidenum">
               <a:rPr lang="en-US" smtClean="0"/>
-              <a:t>25</a:t>
+              <a:t>26</a:t>
             </a:fld>
             <a:endParaRPr lang="en-US"/>
           </a:p>
@@ -10329,7 +10461,7 @@
 </p:sld>
 </file>
 
-<file path=ppt/slides/slide26.xml><?xml version="1.0" encoding="utf-8"?>
+<file path=ppt/slides/slide27.xml><?xml version="1.0" encoding="utf-8"?>
 <p:sld xmlns:a="http://schemas.openxmlformats.org/drawingml/2006/main" xmlns:r="http://schemas.openxmlformats.org/officeDocument/2006/relationships" xmlns:p="http://schemas.openxmlformats.org/presentationml/2006/main">
   <p:cSld>
     <p:spTree>
@@ -10432,7 +10564,7 @@
           <a:p>
             <a:fld id="{945DE137-1981-4A6E-942B-1AACE1746372}" type="slidenum">
               <a:rPr lang="en-US" smtClean="0"/>
-              <a:t>26</a:t>
+              <a:t>27</a:t>
             </a:fld>
             <a:endParaRPr lang="en-US"/>
           </a:p>
@@ -10481,7 +10613,7 @@
 </p:sld>
 </file>
 
-<file path=ppt/slides/slide27.xml><?xml version="1.0" encoding="utf-8"?>
+<file path=ppt/slides/slide28.xml><?xml version="1.0" encoding="utf-8"?>
 <p:sld xmlns:a="http://schemas.openxmlformats.org/drawingml/2006/main" xmlns:r="http://schemas.openxmlformats.org/officeDocument/2006/relationships" xmlns:p="http://schemas.openxmlformats.org/presentationml/2006/main">
   <p:cSld>
     <p:spTree>
@@ -10592,7 +10724,7 @@
           <a:p>
             <a:fld id="{945DE137-1981-4A6E-942B-1AACE1746372}" type="slidenum">
               <a:rPr lang="en-US" smtClean="0"/>
-              <a:t>27</a:t>
+              <a:t>28</a:t>
             </a:fld>
             <a:endParaRPr lang="en-US"/>
           </a:p>
@@ -10641,151 +10773,6 @@
 </p:sld>
 </file>
 
-<file path=ppt/slides/slide28.xml><?xml version="1.0" encoding="utf-8"?>
-<p:sld xmlns:a="http://schemas.openxmlformats.org/drawingml/2006/main" xmlns:r="http://schemas.openxmlformats.org/officeDocument/2006/relationships" xmlns:p="http://schemas.openxmlformats.org/presentationml/2006/main">
-  <p:cSld>
-    <p:spTree>
-      <p:nvGrpSpPr>
-        <p:cNvPr id="1" name=""/>
-        <p:cNvGrpSpPr/>
-        <p:nvPr/>
-      </p:nvGrpSpPr>
-      <p:grpSpPr>
-        <a:xfrm>
-          <a:off x="0" y="0"/>
-          <a:ext cx="0" cy="0"/>
-          <a:chOff x="0" y="0"/>
-          <a:chExt cx="0" cy="0"/>
-        </a:xfrm>
-      </p:grpSpPr>
-      <p:sp>
-        <p:nvSpPr>
-          <p:cNvPr id="2" name="Title 1">
-            <a:extLst>
-              <a:ext uri="{FF2B5EF4-FFF2-40B4-BE49-F238E27FC236}">
-                <a16:creationId xmlns:a16="http://schemas.microsoft.com/office/drawing/2014/main" id="{223AE799-47FE-4EB9-A048-1F6924007533}"/>
-              </a:ext>
-            </a:extLst>
-          </p:cNvPr>
-          <p:cNvSpPr>
-            <a:spLocks noGrp="1"/>
-          </p:cNvSpPr>
-          <p:nvPr>
-            <p:ph type="title"/>
-          </p:nvPr>
-        </p:nvSpPr>
-        <p:spPr/>
-        <p:txBody>
-          <a:bodyPr/>
-          <a:lstStyle/>
-          <a:p>
-            <a:r>
-              <a:rPr lang="en-US" dirty="0"/>
-              <a:t>Additional Resources</a:t>
-            </a:r>
-          </a:p>
-        </p:txBody>
-      </p:sp>
-      <p:sp>
-        <p:nvSpPr>
-          <p:cNvPr id="3" name="Content Placeholder 2">
-            <a:extLst>
-              <a:ext uri="{FF2B5EF4-FFF2-40B4-BE49-F238E27FC236}">
-                <a16:creationId xmlns:a16="http://schemas.microsoft.com/office/drawing/2014/main" id="{465C1F0B-8453-40DA-BC2B-8EEA378343CC}"/>
-              </a:ext>
-            </a:extLst>
-          </p:cNvPr>
-          <p:cNvSpPr>
-            <a:spLocks noGrp="1"/>
-          </p:cNvSpPr>
-          <p:nvPr>
-            <p:ph idx="1"/>
-          </p:nvPr>
-        </p:nvSpPr>
-        <p:spPr/>
-        <p:txBody>
-          <a:bodyPr/>
-          <a:lstStyle/>
-          <a:p>
-            <a:r>
-              <a:rPr lang="en-US" dirty="0">
-                <a:hlinkClick r:id="rId2"/>
-              </a:rPr>
-              <a:t>http://reactivex.io/</a:t>
-            </a:r>
-            <a:endParaRPr lang="en-US" dirty="0"/>
-          </a:p>
-          <a:p>
-            <a:r>
-              <a:rPr lang="en-US" dirty="0">
-                <a:hlinkClick r:id="rId3"/>
-              </a:rPr>
-              <a:t>https://www.baeldung.com/rx-java</a:t>
-            </a:r>
-            <a:endParaRPr lang="en-US" dirty="0"/>
-          </a:p>
-          <a:p>
-            <a:r>
-              <a:rPr lang="en-US" dirty="0">
-                <a:hlinkClick r:id="rId4"/>
-              </a:rPr>
-              <a:t>https://www.baeldung.com/rxjava-tutorial</a:t>
-            </a:r>
-            <a:endParaRPr lang="en-US" dirty="0"/>
-          </a:p>
-          <a:p>
-            <a:r>
-              <a:rPr lang="en-US" dirty="0">
-                <a:hlinkClick r:id="rId5"/>
-              </a:rPr>
-              <a:t>https://www.baeldung.com/rxjava-schedulers</a:t>
-            </a:r>
-            <a:endParaRPr lang="en-US" dirty="0"/>
-          </a:p>
-        </p:txBody>
-      </p:sp>
-      <p:sp>
-        <p:nvSpPr>
-          <p:cNvPr id="4" name="Slide Number Placeholder 3">
-            <a:extLst>
-              <a:ext uri="{FF2B5EF4-FFF2-40B4-BE49-F238E27FC236}">
-                <a16:creationId xmlns:a16="http://schemas.microsoft.com/office/drawing/2014/main" id="{46373CAC-E64E-4663-AE32-1B430FDC7C2B}"/>
-              </a:ext>
-            </a:extLst>
-          </p:cNvPr>
-          <p:cNvSpPr>
-            <a:spLocks noGrp="1"/>
-          </p:cNvSpPr>
-          <p:nvPr>
-            <p:ph type="sldNum" sz="quarter" idx="12"/>
-          </p:nvPr>
-        </p:nvSpPr>
-        <p:spPr/>
-        <p:txBody>
-          <a:bodyPr/>
-          <a:lstStyle/>
-          <a:p>
-            <a:fld id="{945DE137-1981-4A6E-942B-1AACE1746372}" type="slidenum">
-              <a:rPr lang="en-US" smtClean="0"/>
-              <a:t>28</a:t>
-            </a:fld>
-            <a:endParaRPr lang="en-US"/>
-          </a:p>
-        </p:txBody>
-      </p:sp>
-    </p:spTree>
-    <p:extLst>
-      <p:ext uri="{BB962C8B-B14F-4D97-AF65-F5344CB8AC3E}">
-        <p14:creationId xmlns:p14="http://schemas.microsoft.com/office/powerpoint/2010/main" val="3160065541"/>
-      </p:ext>
-    </p:extLst>
-  </p:cSld>
-  <p:clrMapOvr>
-    <a:masterClrMapping/>
-  </p:clrMapOvr>
-</p:sld>
-</file>
-
 <file path=ppt/slides/slide29.xml><?xml version="1.0" encoding="utf-8"?>
 <p:sld xmlns:a="http://schemas.openxmlformats.org/drawingml/2006/main" xmlns:r="http://schemas.openxmlformats.org/officeDocument/2006/relationships" xmlns:p="http://schemas.openxmlformats.org/presentationml/2006/main">
   <p:cSld>
@@ -10805,6 +10792,281 @@
       </p:grpSpPr>
       <p:sp>
         <p:nvSpPr>
+          <p:cNvPr id="2" name="Title 1">
+            <a:extLst>
+              <a:ext uri="{FF2B5EF4-FFF2-40B4-BE49-F238E27FC236}">
+                <a16:creationId xmlns:a16="http://schemas.microsoft.com/office/drawing/2014/main" id="{223AE799-47FE-4EB9-A048-1F6924007533}"/>
+              </a:ext>
+            </a:extLst>
+          </p:cNvPr>
+          <p:cNvSpPr>
+            <a:spLocks noGrp="1"/>
+          </p:cNvSpPr>
+          <p:nvPr>
+            <p:ph type="title"/>
+          </p:nvPr>
+        </p:nvSpPr>
+        <p:spPr/>
+        <p:txBody>
+          <a:bodyPr/>
+          <a:lstStyle/>
+          <a:p>
+            <a:r>
+              <a:rPr lang="en-US" dirty="0"/>
+              <a:t>Additional Resources</a:t>
+            </a:r>
+          </a:p>
+        </p:txBody>
+      </p:sp>
+      <p:sp>
+        <p:nvSpPr>
+          <p:cNvPr id="3" name="Content Placeholder 2">
+            <a:extLst>
+              <a:ext uri="{FF2B5EF4-FFF2-40B4-BE49-F238E27FC236}">
+                <a16:creationId xmlns:a16="http://schemas.microsoft.com/office/drawing/2014/main" id="{465C1F0B-8453-40DA-BC2B-8EEA378343CC}"/>
+              </a:ext>
+            </a:extLst>
+          </p:cNvPr>
+          <p:cNvSpPr>
+            <a:spLocks noGrp="1"/>
+          </p:cNvSpPr>
+          <p:nvPr>
+            <p:ph idx="1"/>
+          </p:nvPr>
+        </p:nvSpPr>
+        <p:spPr/>
+        <p:txBody>
+          <a:bodyPr/>
+          <a:lstStyle/>
+          <a:p>
+            <a:r>
+              <a:rPr lang="en-US" dirty="0">
+                <a:hlinkClick r:id="rId2"/>
+              </a:rPr>
+              <a:t>http://reactivex.io/</a:t>
+            </a:r>
+            <a:endParaRPr lang="en-US" dirty="0"/>
+          </a:p>
+          <a:p>
+            <a:r>
+              <a:rPr lang="en-US" dirty="0">
+                <a:hlinkClick r:id="rId3"/>
+              </a:rPr>
+              <a:t>https://www.baeldung.com/rx-java</a:t>
+            </a:r>
+            <a:endParaRPr lang="en-US" dirty="0"/>
+          </a:p>
+          <a:p>
+            <a:r>
+              <a:rPr lang="en-US" dirty="0">
+                <a:hlinkClick r:id="rId4"/>
+              </a:rPr>
+              <a:t>https://www.baeldung.com/rxjava-tutorial</a:t>
+            </a:r>
+            <a:endParaRPr lang="en-US" dirty="0"/>
+          </a:p>
+          <a:p>
+            <a:r>
+              <a:rPr lang="en-US" dirty="0">
+                <a:hlinkClick r:id="rId5"/>
+              </a:rPr>
+              <a:t>https://www.baeldung.com/rxjava-schedulers</a:t>
+            </a:r>
+            <a:endParaRPr lang="en-US" dirty="0"/>
+          </a:p>
+        </p:txBody>
+      </p:sp>
+      <p:sp>
+        <p:nvSpPr>
+          <p:cNvPr id="4" name="Slide Number Placeholder 3">
+            <a:extLst>
+              <a:ext uri="{FF2B5EF4-FFF2-40B4-BE49-F238E27FC236}">
+                <a16:creationId xmlns:a16="http://schemas.microsoft.com/office/drawing/2014/main" id="{46373CAC-E64E-4663-AE32-1B430FDC7C2B}"/>
+              </a:ext>
+            </a:extLst>
+          </p:cNvPr>
+          <p:cNvSpPr>
+            <a:spLocks noGrp="1"/>
+          </p:cNvSpPr>
+          <p:nvPr>
+            <p:ph type="sldNum" sz="quarter" idx="12"/>
+          </p:nvPr>
+        </p:nvSpPr>
+        <p:spPr/>
+        <p:txBody>
+          <a:bodyPr/>
+          <a:lstStyle/>
+          <a:p>
+            <a:fld id="{945DE137-1981-4A6E-942B-1AACE1746372}" type="slidenum">
+              <a:rPr lang="en-US" smtClean="0"/>
+              <a:t>29</a:t>
+            </a:fld>
+            <a:endParaRPr lang="en-US"/>
+          </a:p>
+        </p:txBody>
+      </p:sp>
+    </p:spTree>
+    <p:extLst>
+      <p:ext uri="{BB962C8B-B14F-4D97-AF65-F5344CB8AC3E}">
+        <p14:creationId xmlns:p14="http://schemas.microsoft.com/office/powerpoint/2010/main" val="3160065541"/>
+      </p:ext>
+    </p:extLst>
+  </p:cSld>
+  <p:clrMapOvr>
+    <a:masterClrMapping/>
+  </p:clrMapOvr>
+</p:sld>
+</file>
+
+<file path=ppt/slides/slide3.xml><?xml version="1.0" encoding="utf-8"?>
+<p:sld xmlns:a="http://schemas.openxmlformats.org/drawingml/2006/main" xmlns:r="http://schemas.openxmlformats.org/officeDocument/2006/relationships" xmlns:p="http://schemas.openxmlformats.org/presentationml/2006/main">
+  <p:cSld>
+    <p:spTree>
+      <p:nvGrpSpPr>
+        <p:cNvPr id="1" name=""/>
+        <p:cNvGrpSpPr/>
+        <p:nvPr/>
+      </p:nvGrpSpPr>
+      <p:grpSpPr>
+        <a:xfrm>
+          <a:off x="0" y="0"/>
+          <a:ext cx="0" cy="0"/>
+          <a:chOff x="0" y="0"/>
+          <a:chExt cx="0" cy="0"/>
+        </a:xfrm>
+      </p:grpSpPr>
+      <p:sp>
+        <p:nvSpPr>
+          <p:cNvPr id="2" name="Title 1">
+            <a:extLst>
+              <a:ext uri="{FF2B5EF4-FFF2-40B4-BE49-F238E27FC236}">
+                <a16:creationId xmlns:a16="http://schemas.microsoft.com/office/drawing/2014/main" id="{E7D94025-A36F-48DD-BB09-6D3DC7AA6236}"/>
+              </a:ext>
+            </a:extLst>
+          </p:cNvPr>
+          <p:cNvSpPr>
+            <a:spLocks noGrp="1"/>
+          </p:cNvSpPr>
+          <p:nvPr>
+            <p:ph type="title"/>
+          </p:nvPr>
+        </p:nvSpPr>
+        <p:spPr/>
+        <p:txBody>
+          <a:bodyPr/>
+          <a:lstStyle/>
+          <a:p>
+            <a:r>
+              <a:rPr lang="en-US" dirty="0"/>
+              <a:t>Hands-On</a:t>
+            </a:r>
+          </a:p>
+        </p:txBody>
+      </p:sp>
+      <p:sp>
+        <p:nvSpPr>
+          <p:cNvPr id="3" name="Content Placeholder 2">
+            <a:extLst>
+              <a:ext uri="{FF2B5EF4-FFF2-40B4-BE49-F238E27FC236}">
+                <a16:creationId xmlns:a16="http://schemas.microsoft.com/office/drawing/2014/main" id="{281B625E-7EA0-42C6-B0A3-B482F474F16B}"/>
+              </a:ext>
+            </a:extLst>
+          </p:cNvPr>
+          <p:cNvSpPr>
+            <a:spLocks noGrp="1"/>
+          </p:cNvSpPr>
+          <p:nvPr>
+            <p:ph idx="1"/>
+          </p:nvPr>
+        </p:nvSpPr>
+        <p:spPr/>
+        <p:txBody>
+          <a:bodyPr/>
+          <a:lstStyle/>
+          <a:p>
+            <a:r>
+              <a:rPr lang="en-US" dirty="0"/>
+              <a:t>Updating our logging-service to use batches</a:t>
+            </a:r>
+          </a:p>
+          <a:p>
+            <a:r>
+              <a:rPr lang="en-US" dirty="0"/>
+              <a:t>Introduce a Timer to flush the buffer before it’s full</a:t>
+            </a:r>
+          </a:p>
+          <a:p>
+            <a:r>
+              <a:rPr lang="en-US" dirty="0"/>
+              <a:t>Update the batching to use Observables</a:t>
+            </a:r>
+          </a:p>
+          <a:p>
+            <a:endParaRPr lang="en-US" dirty="0"/>
+          </a:p>
+        </p:txBody>
+      </p:sp>
+      <p:sp>
+        <p:nvSpPr>
+          <p:cNvPr id="4" name="Slide Number Placeholder 3">
+            <a:extLst>
+              <a:ext uri="{FF2B5EF4-FFF2-40B4-BE49-F238E27FC236}">
+                <a16:creationId xmlns:a16="http://schemas.microsoft.com/office/drawing/2014/main" id="{2C1D1988-2F70-45D2-AC3F-DC0F8B527B70}"/>
+              </a:ext>
+            </a:extLst>
+          </p:cNvPr>
+          <p:cNvSpPr>
+            <a:spLocks noGrp="1"/>
+          </p:cNvSpPr>
+          <p:nvPr>
+            <p:ph type="sldNum" sz="quarter" idx="12"/>
+          </p:nvPr>
+        </p:nvSpPr>
+        <p:spPr/>
+        <p:txBody>
+          <a:bodyPr/>
+          <a:lstStyle/>
+          <a:p>
+            <a:fld id="{945DE137-1981-4A6E-942B-1AACE1746372}" type="slidenum">
+              <a:rPr lang="en-US" smtClean="0"/>
+              <a:t>3</a:t>
+            </a:fld>
+            <a:endParaRPr lang="en-US"/>
+          </a:p>
+        </p:txBody>
+      </p:sp>
+    </p:spTree>
+    <p:extLst>
+      <p:ext uri="{BB962C8B-B14F-4D97-AF65-F5344CB8AC3E}">
+        <p14:creationId xmlns:p14="http://schemas.microsoft.com/office/powerpoint/2010/main" val="987661240"/>
+      </p:ext>
+    </p:extLst>
+  </p:cSld>
+  <p:clrMapOvr>
+    <a:masterClrMapping/>
+  </p:clrMapOvr>
+</p:sld>
+</file>
+
+<file path=ppt/slides/slide30.xml><?xml version="1.0" encoding="utf-8"?>
+<p:sld xmlns:a="http://schemas.openxmlformats.org/drawingml/2006/main" xmlns:r="http://schemas.openxmlformats.org/officeDocument/2006/relationships" xmlns:p="http://schemas.openxmlformats.org/presentationml/2006/main">
+  <p:cSld>
+    <p:spTree>
+      <p:nvGrpSpPr>
+        <p:cNvPr id="1" name=""/>
+        <p:cNvGrpSpPr/>
+        <p:nvPr/>
+      </p:nvGrpSpPr>
+      <p:grpSpPr>
+        <a:xfrm>
+          <a:off x="0" y="0"/>
+          <a:ext cx="0" cy="0"/>
+          <a:chOff x="0" y="0"/>
+          <a:chExt cx="0" cy="0"/>
+        </a:xfrm>
+      </p:grpSpPr>
+      <p:sp>
+        <p:nvSpPr>
           <p:cNvPr id="5" name="Title 4">
             <a:extLst>
               <a:ext uri="{FF2B5EF4-FFF2-40B4-BE49-F238E27FC236}">
@@ -10895,7 +11157,7 @@
           <a:p>
             <a:fld id="{945DE137-1981-4A6E-942B-1AACE1746372}" type="slidenum">
               <a:rPr lang="en-US" smtClean="0"/>
-              <a:t>29</a:t>
+              <a:t>30</a:t>
             </a:fld>
             <a:endParaRPr lang="en-US"/>
           </a:p>
@@ -10944,7 +11206,7 @@
 </p:sld>
 </file>
 
-<file path=ppt/slides/slide3.xml><?xml version="1.0" encoding="utf-8"?>
+<file path=ppt/slides/slide31.xml><?xml version="1.0" encoding="utf-8"?>
 <p:sld xmlns:a="http://schemas.openxmlformats.org/drawingml/2006/main" xmlns:r="http://schemas.openxmlformats.org/officeDocument/2006/relationships" xmlns:p="http://schemas.openxmlformats.org/presentationml/2006/main">
   <p:cSld>
     <p:spTree>
@@ -10963,10 +11225,10 @@
       </p:grpSpPr>
       <p:sp>
         <p:nvSpPr>
-          <p:cNvPr id="2" name="Title 1">
-            <a:extLst>
-              <a:ext uri="{FF2B5EF4-FFF2-40B4-BE49-F238E27FC236}">
-                <a16:creationId xmlns:a16="http://schemas.microsoft.com/office/drawing/2014/main" id="{E7D94025-A36F-48DD-BB09-6D3DC7AA6236}"/>
+          <p:cNvPr id="5" name="Title 4">
+            <a:extLst>
+              <a:ext uri="{FF2B5EF4-FFF2-40B4-BE49-F238E27FC236}">
+                <a16:creationId xmlns:a16="http://schemas.microsoft.com/office/drawing/2014/main" id="{3451DC19-7301-4A76-B7B6-014CEED408FB}"/>
               </a:ext>
             </a:extLst>
           </p:cNvPr>
@@ -10984,25 +11246,25 @@
           <a:p>
             <a:r>
               <a:rPr lang="en-US" dirty="0"/>
-              <a:t>Hands-On</a:t>
-            </a:r>
-          </a:p>
-        </p:txBody>
-      </p:sp>
-      <p:sp>
-        <p:nvSpPr>
-          <p:cNvPr id="3" name="Content Placeholder 2">
-            <a:extLst>
-              <a:ext uri="{FF2B5EF4-FFF2-40B4-BE49-F238E27FC236}">
-                <a16:creationId xmlns:a16="http://schemas.microsoft.com/office/drawing/2014/main" id="{281B625E-7EA0-42C6-B0A3-B482F474F16B}"/>
-              </a:ext>
-            </a:extLst>
-          </p:cNvPr>
-          <p:cNvSpPr>
-            <a:spLocks noGrp="1"/>
-          </p:cNvSpPr>
-          <p:nvPr>
-            <p:ph idx="1"/>
+              <a:t>Thank You!</a:t>
+            </a:r>
+          </a:p>
+        </p:txBody>
+      </p:sp>
+      <p:sp>
+        <p:nvSpPr>
+          <p:cNvPr id="6" name="Text Placeholder 5">
+            <a:extLst>
+              <a:ext uri="{FF2B5EF4-FFF2-40B4-BE49-F238E27FC236}">
+                <a16:creationId xmlns:a16="http://schemas.microsoft.com/office/drawing/2014/main" id="{754D214E-977A-482D-A3DE-7361432EDF97}"/>
+              </a:ext>
+            </a:extLst>
+          </p:cNvPr>
+          <p:cNvSpPr>
+            <a:spLocks noGrp="1"/>
+          </p:cNvSpPr>
+          <p:nvPr>
+            <p:ph type="body" idx="1"/>
           </p:nvPr>
         </p:nvSpPr>
         <p:spPr/>
@@ -11010,25 +11272,7 @@
           <a:bodyPr/>
           <a:lstStyle/>
           <a:p>
-            <a:r>
-              <a:rPr lang="en-US" dirty="0"/>
-              <a:t>Updating our logging-service to use batches</a:t>
-            </a:r>
-          </a:p>
-          <a:p>
-            <a:r>
-              <a:rPr lang="en-US" dirty="0"/>
-              <a:t>Introduce a Timer to flush the buffer before it’s full</a:t>
-            </a:r>
-          </a:p>
-          <a:p>
-            <a:r>
-              <a:rPr lang="en-US" dirty="0"/>
-              <a:t>Update the batching to use Observables</a:t>
-            </a:r>
-          </a:p>
-          <a:p>
-            <a:endParaRPr lang="en-US" dirty="0"/>
+            <a:endParaRPr lang="en-US"/>
           </a:p>
         </p:txBody>
       </p:sp>
@@ -11037,7 +11281,7 @@
           <p:cNvPr id="4" name="Slide Number Placeholder 3">
             <a:extLst>
               <a:ext uri="{FF2B5EF4-FFF2-40B4-BE49-F238E27FC236}">
-                <a16:creationId xmlns:a16="http://schemas.microsoft.com/office/drawing/2014/main" id="{2C1D1988-2F70-45D2-AC3F-DC0F8B527B70}"/>
+                <a16:creationId xmlns:a16="http://schemas.microsoft.com/office/drawing/2014/main" id="{14599AA1-E29D-4CBB-84B3-17CEEDE3EC17}"/>
               </a:ext>
             </a:extLst>
           </p:cNvPr>
@@ -11055,119 +11299,7 @@
           <a:p>
             <a:fld id="{945DE137-1981-4A6E-942B-1AACE1746372}" type="slidenum">
               <a:rPr lang="en-US" smtClean="0"/>
-              <a:t>3</a:t>
-            </a:fld>
-            <a:endParaRPr lang="en-US"/>
-          </a:p>
-        </p:txBody>
-      </p:sp>
-    </p:spTree>
-    <p:extLst>
-      <p:ext uri="{BB962C8B-B14F-4D97-AF65-F5344CB8AC3E}">
-        <p14:creationId xmlns:p14="http://schemas.microsoft.com/office/powerpoint/2010/main" val="987661240"/>
-      </p:ext>
-    </p:extLst>
-  </p:cSld>
-  <p:clrMapOvr>
-    <a:masterClrMapping/>
-  </p:clrMapOvr>
-</p:sld>
-</file>
-
-<file path=ppt/slides/slide30.xml><?xml version="1.0" encoding="utf-8"?>
-<p:sld xmlns:a="http://schemas.openxmlformats.org/drawingml/2006/main" xmlns:r="http://schemas.openxmlformats.org/officeDocument/2006/relationships" xmlns:p="http://schemas.openxmlformats.org/presentationml/2006/main">
-  <p:cSld>
-    <p:spTree>
-      <p:nvGrpSpPr>
-        <p:cNvPr id="1" name=""/>
-        <p:cNvGrpSpPr/>
-        <p:nvPr/>
-      </p:nvGrpSpPr>
-      <p:grpSpPr>
-        <a:xfrm>
-          <a:off x="0" y="0"/>
-          <a:ext cx="0" cy="0"/>
-          <a:chOff x="0" y="0"/>
-          <a:chExt cx="0" cy="0"/>
-        </a:xfrm>
-      </p:grpSpPr>
-      <p:sp>
-        <p:nvSpPr>
-          <p:cNvPr id="5" name="Title 4">
-            <a:extLst>
-              <a:ext uri="{FF2B5EF4-FFF2-40B4-BE49-F238E27FC236}">
-                <a16:creationId xmlns:a16="http://schemas.microsoft.com/office/drawing/2014/main" id="{3451DC19-7301-4A76-B7B6-014CEED408FB}"/>
-              </a:ext>
-            </a:extLst>
-          </p:cNvPr>
-          <p:cNvSpPr>
-            <a:spLocks noGrp="1"/>
-          </p:cNvSpPr>
-          <p:nvPr>
-            <p:ph type="title"/>
-          </p:nvPr>
-        </p:nvSpPr>
-        <p:spPr/>
-        <p:txBody>
-          <a:bodyPr/>
-          <a:lstStyle/>
-          <a:p>
-            <a:r>
-              <a:rPr lang="en-US" dirty="0"/>
-              <a:t>Thank You!</a:t>
-            </a:r>
-          </a:p>
-        </p:txBody>
-      </p:sp>
-      <p:sp>
-        <p:nvSpPr>
-          <p:cNvPr id="6" name="Text Placeholder 5">
-            <a:extLst>
-              <a:ext uri="{FF2B5EF4-FFF2-40B4-BE49-F238E27FC236}">
-                <a16:creationId xmlns:a16="http://schemas.microsoft.com/office/drawing/2014/main" id="{754D214E-977A-482D-A3DE-7361432EDF97}"/>
-              </a:ext>
-            </a:extLst>
-          </p:cNvPr>
-          <p:cNvSpPr>
-            <a:spLocks noGrp="1"/>
-          </p:cNvSpPr>
-          <p:nvPr>
-            <p:ph type="body" idx="1"/>
-          </p:nvPr>
-        </p:nvSpPr>
-        <p:spPr/>
-        <p:txBody>
-          <a:bodyPr/>
-          <a:lstStyle/>
-          <a:p>
-            <a:endParaRPr lang="en-US"/>
-          </a:p>
-        </p:txBody>
-      </p:sp>
-      <p:sp>
-        <p:nvSpPr>
-          <p:cNvPr id="4" name="Slide Number Placeholder 3">
-            <a:extLst>
-              <a:ext uri="{FF2B5EF4-FFF2-40B4-BE49-F238E27FC236}">
-                <a16:creationId xmlns:a16="http://schemas.microsoft.com/office/drawing/2014/main" id="{14599AA1-E29D-4CBB-84B3-17CEEDE3EC17}"/>
-              </a:ext>
-            </a:extLst>
-          </p:cNvPr>
-          <p:cNvSpPr>
-            <a:spLocks noGrp="1"/>
-          </p:cNvSpPr>
-          <p:nvPr>
-            <p:ph type="sldNum" sz="quarter" idx="12"/>
-          </p:nvPr>
-        </p:nvSpPr>
-        <p:spPr/>
-        <p:txBody>
-          <a:bodyPr/>
-          <a:lstStyle/>
-          <a:p>
-            <a:fld id="{945DE137-1981-4A6E-942B-1AACE1746372}" type="slidenum">
-              <a:rPr lang="en-US" smtClean="0"/>
-              <a:t>30</a:t>
+              <a:t>31</a:t>
             </a:fld>
             <a:endParaRPr lang="en-US"/>
           </a:p>
